--- a/hw01.pptx
+++ b/hw01.pptx
@@ -2,10 +2,21 @@
 <file path=ppt/presentation.xml><?xml version="1.0" encoding="utf-8"?>
 <p:presentation xmlns:a="http://schemas.openxmlformats.org/drawingml/2006/main" xmlns:r="http://schemas.openxmlformats.org/officeDocument/2006/relationships" xmlns:p="http://schemas.openxmlformats.org/presentationml/2006/main" saveSubsetFonts="1">
   <p:sldMasterIdLst>
-    <p:sldMasterId id="2147483648" r:id="rId1"/>
+    <p:sldMasterId id="2147483672" r:id="rId1"/>
   </p:sldMasterIdLst>
   <p:sldIdLst>
-    <p:sldId id="256" r:id="rId2"/>
+    <p:sldId id="257" r:id="rId2"/>
+    <p:sldId id="258" r:id="rId3"/>
+    <p:sldId id="265" r:id="rId4"/>
+    <p:sldId id="259" r:id="rId5"/>
+    <p:sldId id="266" r:id="rId6"/>
+    <p:sldId id="267" r:id="rId7"/>
+    <p:sldId id="260" r:id="rId8"/>
+    <p:sldId id="268" r:id="rId9"/>
+    <p:sldId id="262" r:id="rId10"/>
+    <p:sldId id="269" r:id="rId11"/>
+    <p:sldId id="263" r:id="rId12"/>
+    <p:sldId id="270" r:id="rId13"/>
   </p:sldIdLst>
   <p:sldSz cx="12192000" cy="6858000"/>
   <p:notesSz cx="6858000" cy="9144000"/>
@@ -104,12 +115,25 @@
       </a:defRPr>
     </a:lvl9pPr>
   </p:defaultTextStyle>
+  <p:extLst>
+    <p:ext uri="{EFAFB233-063F-42B5-8137-9DF3F51BA10A}">
+      <p15:sldGuideLst xmlns:p15="http://schemas.microsoft.com/office/powerpoint/2012/main"/>
+    </p:ext>
+  </p:extLst>
 </p:presentation>
+</file>
+
+<file path=ppt/revisionInfo.xml><?xml version="1.0" encoding="utf-8"?>
+<p1510:revInfo xmlns:a="http://schemas.openxmlformats.org/drawingml/2006/main" xmlns:r="http://schemas.openxmlformats.org/officeDocument/2006/relationships" xmlns:p1510="http://schemas.microsoft.com/office/powerpoint/2015/10/main">
+  <p1510:revLst>
+    <p1510:client id="{FC78E96C-F01E-97C3-C88F-6DED92CE0C52}" v="242" dt="2024-09-29T06:52:10.826"/>
+  </p1510:revLst>
+</p1510:revInfo>
 </file>
 
 <file path=ppt/slideLayouts/slideLayout1.xml><?xml version="1.0" encoding="utf-8"?>
 <p:sldLayout xmlns:a="http://schemas.openxmlformats.org/drawingml/2006/main" xmlns:r="http://schemas.openxmlformats.org/officeDocument/2006/relationships" xmlns:p="http://schemas.openxmlformats.org/presentationml/2006/main" type="title" preserve="1">
-  <p:cSld name="標題投影片">
+  <p:cSld name="Title Slide">
     <p:spTree>
       <p:nvGrpSpPr>
         <p:cNvPr id="1" name=""/>
@@ -126,10 +150,10 @@
       </p:grpSpPr>
       <p:sp>
         <p:nvSpPr>
-          <p:cNvPr id="2" name="標題 1">
-            <a:extLst>
-              <a:ext uri="{FF2B5EF4-FFF2-40B4-BE49-F238E27FC236}">
-                <a16:creationId xmlns:a16="http://schemas.microsoft.com/office/drawing/2014/main" id="{EB5CC918-B447-434E-B98E-5847BB49C259}"/>
+          <p:cNvPr id="2" name="Title 1">
+            <a:extLst>
+              <a:ext uri="{FF2B5EF4-FFF2-40B4-BE49-F238E27FC236}">
+                <a16:creationId xmlns:a16="http://schemas.microsoft.com/office/drawing/2014/main" id="{6F49D6F5-A9D4-C22B-732C-A31A172FB93C}"/>
               </a:ext>
             </a:extLst>
           </p:cNvPr>
@@ -143,30 +167,32 @@
         <p:spPr>
           <a:xfrm>
             <a:off x="1524000" y="1122363"/>
-            <a:ext cx="9144000" cy="2387600"/>
-          </a:xfrm>
-        </p:spPr>
-        <p:txBody>
-          <a:bodyPr anchor="b"/>
+            <a:ext cx="9144000" cy="2209393"/>
+          </a:xfrm>
+        </p:spPr>
+        <p:txBody>
+          <a:bodyPr anchor="b">
+            <a:normAutofit/>
+          </a:bodyPr>
           <a:lstStyle>
             <a:lvl1pPr algn="ctr">
-              <a:defRPr sz="6000"/>
+              <a:defRPr sz="3600"/>
             </a:lvl1pPr>
           </a:lstStyle>
           <a:p>
             <a:r>
-              <a:rPr lang="zh-TW" altLang="en-US"/>
-              <a:t>按一下以編輯母片標題樣式</a:t>
-            </a:r>
-          </a:p>
-        </p:txBody>
-      </p:sp>
-      <p:sp>
-        <p:nvSpPr>
-          <p:cNvPr id="3" name="副標題 2">
-            <a:extLst>
-              <a:ext uri="{FF2B5EF4-FFF2-40B4-BE49-F238E27FC236}">
-                <a16:creationId xmlns:a16="http://schemas.microsoft.com/office/drawing/2014/main" id="{817FCC70-CC4E-4CB6-B2CF-9FDA5AC4D346}"/>
+              <a:rPr lang="en-US" dirty="0"/>
+              <a:t>Click to edit Master title style</a:t>
+            </a:r>
+          </a:p>
+        </p:txBody>
+      </p:sp>
+      <p:sp>
+        <p:nvSpPr>
+          <p:cNvPr id="3" name="Subtitle 2">
+            <a:extLst>
+              <a:ext uri="{FF2B5EF4-FFF2-40B4-BE49-F238E27FC236}">
+                <a16:creationId xmlns:a16="http://schemas.microsoft.com/office/drawing/2014/main" id="{E11AFD6E-3459-290F-1147-F0C47ACEEA5B}"/>
               </a:ext>
             </a:extLst>
           </p:cNvPr>
@@ -179,24 +205,26 @@
         </p:nvSpPr>
         <p:spPr>
           <a:xfrm>
-            <a:off x="1524000" y="3602038"/>
-            <a:ext cx="9144000" cy="1655762"/>
-          </a:xfrm>
-        </p:spPr>
-        <p:txBody>
-          <a:bodyPr/>
+            <a:off x="1524000" y="4346774"/>
+            <a:ext cx="9144000" cy="1066890"/>
+          </a:xfrm>
+        </p:spPr>
+        <p:txBody>
+          <a:bodyPr anchor="t">
+            <a:normAutofit/>
+          </a:bodyPr>
           <a:lstStyle>
             <a:lvl1pPr marL="0" indent="0" algn="ctr">
               <a:buNone/>
-              <a:defRPr sz="2400"/>
+              <a:defRPr sz="1600" cap="all" spc="300" baseline="0"/>
             </a:lvl1pPr>
             <a:lvl2pPr marL="457200" indent="0" algn="ctr">
               <a:buNone/>
-              <a:defRPr sz="2000"/>
+              <a:defRPr sz="1600"/>
             </a:lvl2pPr>
             <a:lvl3pPr marL="914400" indent="0" algn="ctr">
               <a:buNone/>
-              <a:defRPr sz="1800"/>
+              <a:defRPr sz="1600"/>
             </a:lvl3pPr>
             <a:lvl4pPr marL="1371600" indent="0" algn="ctr">
               <a:buNone/>
@@ -225,18 +253,18 @@
           </a:lstStyle>
           <a:p>
             <a:r>
-              <a:rPr lang="zh-TW" altLang="en-US"/>
-              <a:t>按一下以編輯母片子標題樣式</a:t>
-            </a:r>
-          </a:p>
-        </p:txBody>
-      </p:sp>
-      <p:sp>
-        <p:nvSpPr>
-          <p:cNvPr id="4" name="日期版面配置區 3">
-            <a:extLst>
-              <a:ext uri="{FF2B5EF4-FFF2-40B4-BE49-F238E27FC236}">
-                <a16:creationId xmlns:a16="http://schemas.microsoft.com/office/drawing/2014/main" id="{BD08F018-0004-4322-AD0F-E6E740964233}"/>
+              <a:rPr lang="en-US" dirty="0"/>
+              <a:t>Click to edit Master subtitle style</a:t>
+            </a:r>
+          </a:p>
+        </p:txBody>
+      </p:sp>
+      <p:sp>
+        <p:nvSpPr>
+          <p:cNvPr id="4" name="Date Placeholder 3">
+            <a:extLst>
+              <a:ext uri="{FF2B5EF4-FFF2-40B4-BE49-F238E27FC236}">
+                <a16:creationId xmlns:a16="http://schemas.microsoft.com/office/drawing/2014/main" id="{C54674D3-6FB9-5549-B0F2-FD61E82D1FF1}"/>
               </a:ext>
             </a:extLst>
           </p:cNvPr>
@@ -252,20 +280,20 @@
           <a:bodyPr/>
           <a:lstStyle/>
           <a:p>
-            <a:fld id="{C3C90D7E-32D6-4894-AE08-7BBB3E610FC9}" type="datetimeFigureOut">
-              <a:rPr lang="zh-TW" altLang="en-US" smtClean="0"/>
-              <a:t>2024/9/16</a:t>
+            <a:fld id="{807E39B8-A7CB-4B82-AC0C-44B99F546761}" type="datetimeFigureOut">
+              <a:rPr lang="en-US" dirty="0"/>
+              <a:t>10/23/2024</a:t>
             </a:fld>
-            <a:endParaRPr lang="zh-TW" altLang="en-US"/>
-          </a:p>
-        </p:txBody>
-      </p:sp>
-      <p:sp>
-        <p:nvSpPr>
-          <p:cNvPr id="5" name="頁尾版面配置區 4">
-            <a:extLst>
-              <a:ext uri="{FF2B5EF4-FFF2-40B4-BE49-F238E27FC236}">
-                <a16:creationId xmlns:a16="http://schemas.microsoft.com/office/drawing/2014/main" id="{30427B34-CB13-41C7-B2F2-CED9BDC5B595}"/>
+            <a:endParaRPr lang="en-US" dirty="0"/>
+          </a:p>
+        </p:txBody>
+      </p:sp>
+      <p:sp>
+        <p:nvSpPr>
+          <p:cNvPr id="5" name="Footer Placeholder 4">
+            <a:extLst>
+              <a:ext uri="{FF2B5EF4-FFF2-40B4-BE49-F238E27FC236}">
+                <a16:creationId xmlns:a16="http://schemas.microsoft.com/office/drawing/2014/main" id="{AB239BBC-C979-2C77-493E-CF5498AEB5DB}"/>
               </a:ext>
             </a:extLst>
           </p:cNvPr>
@@ -281,16 +309,20 @@
           <a:bodyPr/>
           <a:lstStyle/>
           <a:p>
-            <a:endParaRPr lang="zh-TW" altLang="en-US"/>
-          </a:p>
-        </p:txBody>
-      </p:sp>
-      <p:sp>
-        <p:nvSpPr>
-          <p:cNvPr id="6" name="投影片編號版面配置區 5">
-            <a:extLst>
-              <a:ext uri="{FF2B5EF4-FFF2-40B4-BE49-F238E27FC236}">
-                <a16:creationId xmlns:a16="http://schemas.microsoft.com/office/drawing/2014/main" id="{76FA962E-5B03-439A-928C-87366876542D}"/>
+            <a:r>
+              <a:rPr lang="en-US" dirty="0"/>
+              <a:t>
+              </a:t>
+            </a:r>
+          </a:p>
+        </p:txBody>
+      </p:sp>
+      <p:sp>
+        <p:nvSpPr>
+          <p:cNvPr id="6" name="Slide Number Placeholder 5">
+            <a:extLst>
+              <a:ext uri="{FF2B5EF4-FFF2-40B4-BE49-F238E27FC236}">
+                <a16:creationId xmlns:a16="http://schemas.microsoft.com/office/drawing/2014/main" id="{53813B7E-A51C-D9CD-2189-650A9D63BFF9}"/>
               </a:ext>
             </a:extLst>
           </p:cNvPr>
@@ -306,30 +338,46 @@
           <a:bodyPr/>
           <a:lstStyle/>
           <a:p>
-            <a:fld id="{E31EC408-072F-4346-BD0A-D6AA5788A305}" type="slidenum">
-              <a:rPr lang="zh-TW" altLang="en-US" smtClean="0"/>
+            <a:fld id="{5E4DE196-8A13-4FF7-A07E-102851959EAB}" type="slidenum">
+              <a:rPr lang="en-US" dirty="0"/>
               <a:t>‹#›</a:t>
             </a:fld>
-            <a:endParaRPr lang="zh-TW" altLang="en-US"/>
+            <a:endParaRPr lang="en-US" dirty="0"/>
           </a:p>
         </p:txBody>
       </p:sp>
     </p:spTree>
     <p:extLst>
       <p:ext uri="{BB962C8B-B14F-4D97-AF65-F5344CB8AC3E}">
-        <p14:creationId xmlns:p14="http://schemas.microsoft.com/office/powerpoint/2010/main" val="2963035110"/>
+        <p14:creationId xmlns:p14="http://schemas.microsoft.com/office/powerpoint/2010/main" val="2601846727"/>
       </p:ext>
     </p:extLst>
   </p:cSld>
   <p:clrMapOvr>
     <a:masterClrMapping/>
   </p:clrMapOvr>
+  <p:extLst>
+    <p:ext uri="{DCECCB84-F9BA-43D5-87BE-67443E8EF086}">
+      <p15:sldGuideLst xmlns:p15="http://schemas.microsoft.com/office/powerpoint/2012/main">
+        <p15:guide id="1" orient="horz" pos="2160">
+          <p15:clr>
+            <a:srgbClr val="FBAE40"/>
+          </p15:clr>
+        </p15:guide>
+        <p15:guide id="2" pos="3840">
+          <p15:clr>
+            <a:srgbClr val="FBAE40"/>
+          </p15:clr>
+        </p15:guide>
+      </p15:sldGuideLst>
+    </p:ext>
+  </p:extLst>
 </p:sldLayout>
 </file>
 
 <file path=ppt/slideLayouts/slideLayout10.xml><?xml version="1.0" encoding="utf-8"?>
 <p:sldLayout xmlns:a="http://schemas.openxmlformats.org/drawingml/2006/main" xmlns:r="http://schemas.openxmlformats.org/officeDocument/2006/relationships" xmlns:p="http://schemas.openxmlformats.org/presentationml/2006/main" type="vertTx" preserve="1">
-  <p:cSld name="標題及直排文字">
+  <p:cSld name="Title and Vertical Text">
     <p:spTree>
       <p:nvGrpSpPr>
         <p:cNvPr id="1" name=""/>
@@ -346,10 +394,10 @@
       </p:grpSpPr>
       <p:sp>
         <p:nvSpPr>
-          <p:cNvPr id="2" name="標題 1">
-            <a:extLst>
-              <a:ext uri="{FF2B5EF4-FFF2-40B4-BE49-F238E27FC236}">
-                <a16:creationId xmlns:a16="http://schemas.microsoft.com/office/drawing/2014/main" id="{A02F0018-7F8E-4206-A929-07CDC6B5F34A}"/>
+          <p:cNvPr id="2" name="Title 1">
+            <a:extLst>
+              <a:ext uri="{FF2B5EF4-FFF2-40B4-BE49-F238E27FC236}">
+                <a16:creationId xmlns:a16="http://schemas.microsoft.com/office/drawing/2014/main" id="{C7C990AE-F72C-4C2E-E2D0-7A8D7EEF08C1}"/>
               </a:ext>
             </a:extLst>
           </p:cNvPr>
@@ -366,18 +414,18 @@
           <a:lstStyle/>
           <a:p>
             <a:r>
-              <a:rPr lang="zh-TW" altLang="en-US"/>
-              <a:t>按一下以編輯母片標題樣式</a:t>
-            </a:r>
-          </a:p>
-        </p:txBody>
-      </p:sp>
-      <p:sp>
-        <p:nvSpPr>
-          <p:cNvPr id="3" name="直排文字版面配置區 2">
-            <a:extLst>
-              <a:ext uri="{FF2B5EF4-FFF2-40B4-BE49-F238E27FC236}">
-                <a16:creationId xmlns:a16="http://schemas.microsoft.com/office/drawing/2014/main" id="{9B801E88-34C3-4545-A358-81F5614FED64}"/>
+              <a:rPr lang="en-US" dirty="0"/>
+              <a:t>Click to edit Master title style</a:t>
+            </a:r>
+          </a:p>
+        </p:txBody>
+      </p:sp>
+      <p:sp>
+        <p:nvSpPr>
+          <p:cNvPr id="3" name="Vertical Text Placeholder 2">
+            <a:extLst>
+              <a:ext uri="{FF2B5EF4-FFF2-40B4-BE49-F238E27FC236}">
+                <a16:creationId xmlns:a16="http://schemas.microsoft.com/office/drawing/2014/main" id="{1F41B46D-142E-8C8E-C4F4-B6B1586A6FD0}"/>
               </a:ext>
             </a:extLst>
           </p:cNvPr>
@@ -395,46 +443,46 @@
           <a:p>
             <a:pPr lvl="0"/>
             <a:r>
-              <a:rPr lang="zh-TW" altLang="en-US"/>
-              <a:t>按一下以編輯母片文字樣式</a:t>
+              <a:rPr lang="en-US" dirty="0"/>
+              <a:t>Click to edit Master text styles</a:t>
             </a:r>
           </a:p>
           <a:p>
             <a:pPr lvl="1"/>
             <a:r>
-              <a:rPr lang="zh-TW" altLang="en-US"/>
-              <a:t>第二層</a:t>
+              <a:rPr lang="en-US" dirty="0"/>
+              <a:t>Second level</a:t>
             </a:r>
           </a:p>
           <a:p>
             <a:pPr lvl="2"/>
             <a:r>
-              <a:rPr lang="zh-TW" altLang="en-US"/>
-              <a:t>第三層</a:t>
+              <a:rPr lang="en-US" dirty="0"/>
+              <a:t>Third level</a:t>
             </a:r>
           </a:p>
           <a:p>
             <a:pPr lvl="3"/>
             <a:r>
-              <a:rPr lang="zh-TW" altLang="en-US"/>
-              <a:t>第四層</a:t>
+              <a:rPr lang="en-US" dirty="0"/>
+              <a:t>Fourth level</a:t>
             </a:r>
           </a:p>
           <a:p>
             <a:pPr lvl="4"/>
             <a:r>
-              <a:rPr lang="zh-TW" altLang="en-US"/>
-              <a:t>第五層</a:t>
-            </a:r>
-          </a:p>
-        </p:txBody>
-      </p:sp>
-      <p:sp>
-        <p:nvSpPr>
-          <p:cNvPr id="4" name="日期版面配置區 3">
-            <a:extLst>
-              <a:ext uri="{FF2B5EF4-FFF2-40B4-BE49-F238E27FC236}">
-                <a16:creationId xmlns:a16="http://schemas.microsoft.com/office/drawing/2014/main" id="{60AFD716-8B99-4230-B55F-C8B88ECBB171}"/>
+              <a:rPr lang="en-US" dirty="0"/>
+              <a:t>Fifth level</a:t>
+            </a:r>
+          </a:p>
+        </p:txBody>
+      </p:sp>
+      <p:sp>
+        <p:nvSpPr>
+          <p:cNvPr id="4" name="Date Placeholder 3">
+            <a:extLst>
+              <a:ext uri="{FF2B5EF4-FFF2-40B4-BE49-F238E27FC236}">
+                <a16:creationId xmlns:a16="http://schemas.microsoft.com/office/drawing/2014/main" id="{954D92E3-36AD-2615-0166-6B73C34F10FA}"/>
               </a:ext>
             </a:extLst>
           </p:cNvPr>
@@ -450,20 +498,20 @@
           <a:bodyPr/>
           <a:lstStyle/>
           <a:p>
-            <a:fld id="{C3C90D7E-32D6-4894-AE08-7BBB3E610FC9}" type="datetimeFigureOut">
-              <a:rPr lang="zh-TW" altLang="en-US" smtClean="0"/>
-              <a:t>2024/9/16</a:t>
+            <a:fld id="{01742F6F-0846-489A-A4BC-61B476BE2887}" type="datetimeFigureOut">
+              <a:rPr lang="en-US" dirty="0"/>
+              <a:t>10/23/2024</a:t>
             </a:fld>
-            <a:endParaRPr lang="zh-TW" altLang="en-US"/>
-          </a:p>
-        </p:txBody>
-      </p:sp>
-      <p:sp>
-        <p:nvSpPr>
-          <p:cNvPr id="5" name="頁尾版面配置區 4">
-            <a:extLst>
-              <a:ext uri="{FF2B5EF4-FFF2-40B4-BE49-F238E27FC236}">
-                <a16:creationId xmlns:a16="http://schemas.microsoft.com/office/drawing/2014/main" id="{EA374743-76D9-4BF8-A60C-2F50B2636A8A}"/>
+            <a:endParaRPr lang="en-US" dirty="0"/>
+          </a:p>
+        </p:txBody>
+      </p:sp>
+      <p:sp>
+        <p:nvSpPr>
+          <p:cNvPr id="5" name="Footer Placeholder 4">
+            <a:extLst>
+              <a:ext uri="{FF2B5EF4-FFF2-40B4-BE49-F238E27FC236}">
+                <a16:creationId xmlns:a16="http://schemas.microsoft.com/office/drawing/2014/main" id="{F10BFB69-319D-2284-2734-217160D396D7}"/>
               </a:ext>
             </a:extLst>
           </p:cNvPr>
@@ -479,16 +527,20 @@
           <a:bodyPr/>
           <a:lstStyle/>
           <a:p>
-            <a:endParaRPr lang="zh-TW" altLang="en-US"/>
-          </a:p>
-        </p:txBody>
-      </p:sp>
-      <p:sp>
-        <p:nvSpPr>
-          <p:cNvPr id="6" name="投影片編號版面配置區 5">
-            <a:extLst>
-              <a:ext uri="{FF2B5EF4-FFF2-40B4-BE49-F238E27FC236}">
-                <a16:creationId xmlns:a16="http://schemas.microsoft.com/office/drawing/2014/main" id="{00454594-6C11-4013-A666-A151E960EC9B}"/>
+            <a:r>
+              <a:rPr lang="en-US" dirty="0"/>
+              <a:t>
+              </a:t>
+            </a:r>
+          </a:p>
+        </p:txBody>
+      </p:sp>
+      <p:sp>
+        <p:nvSpPr>
+          <p:cNvPr id="6" name="Slide Number Placeholder 5">
+            <a:extLst>
+              <a:ext uri="{FF2B5EF4-FFF2-40B4-BE49-F238E27FC236}">
+                <a16:creationId xmlns:a16="http://schemas.microsoft.com/office/drawing/2014/main" id="{1A6883B0-C775-5BD2-8EC6-A41D19BCA156}"/>
               </a:ext>
             </a:extLst>
           </p:cNvPr>
@@ -504,18 +556,18 @@
           <a:bodyPr/>
           <a:lstStyle/>
           <a:p>
-            <a:fld id="{E31EC408-072F-4346-BD0A-D6AA5788A305}" type="slidenum">
-              <a:rPr lang="zh-TW" altLang="en-US" smtClean="0"/>
+            <a:fld id="{5E4DE196-8A13-4FF7-A07E-102851959EAB}" type="slidenum">
+              <a:rPr lang="en-US" dirty="0"/>
               <a:t>‹#›</a:t>
             </a:fld>
-            <a:endParaRPr lang="zh-TW" altLang="en-US"/>
+            <a:endParaRPr lang="en-US" dirty="0"/>
           </a:p>
         </p:txBody>
       </p:sp>
     </p:spTree>
     <p:extLst>
       <p:ext uri="{BB962C8B-B14F-4D97-AF65-F5344CB8AC3E}">
-        <p14:creationId xmlns:p14="http://schemas.microsoft.com/office/powerpoint/2010/main" val="188953001"/>
+        <p14:creationId xmlns:p14="http://schemas.microsoft.com/office/powerpoint/2010/main" val="3214672892"/>
       </p:ext>
     </p:extLst>
   </p:cSld>
@@ -527,7 +579,7 @@
 
 <file path=ppt/slideLayouts/slideLayout11.xml><?xml version="1.0" encoding="utf-8"?>
 <p:sldLayout xmlns:a="http://schemas.openxmlformats.org/drawingml/2006/main" xmlns:r="http://schemas.openxmlformats.org/officeDocument/2006/relationships" xmlns:p="http://schemas.openxmlformats.org/presentationml/2006/main" type="vertTitleAndTx" preserve="1">
-  <p:cSld name="直排標題及文字">
+  <p:cSld name="Vertical Title and Text">
     <p:spTree>
       <p:nvGrpSpPr>
         <p:cNvPr id="1" name=""/>
@@ -544,10 +596,10 @@
       </p:grpSpPr>
       <p:sp>
         <p:nvSpPr>
-          <p:cNvPr id="2" name="直排標題 1">
-            <a:extLst>
-              <a:ext uri="{FF2B5EF4-FFF2-40B4-BE49-F238E27FC236}">
-                <a16:creationId xmlns:a16="http://schemas.microsoft.com/office/drawing/2014/main" id="{70F760AC-E708-4605-85E2-7D0F424B3E29}"/>
+          <p:cNvPr id="2" name="Vertical Title 1">
+            <a:extLst>
+              <a:ext uri="{FF2B5EF4-FFF2-40B4-BE49-F238E27FC236}">
+                <a16:creationId xmlns:a16="http://schemas.microsoft.com/office/drawing/2014/main" id="{19040463-6D41-8D45-088A-540B0D18838A}"/>
               </a:ext>
             </a:extLst>
           </p:cNvPr>
@@ -560,8 +612,8 @@
         </p:nvSpPr>
         <p:spPr>
           <a:xfrm>
-            <a:off x="8724900" y="365125"/>
-            <a:ext cx="2628900" cy="5811838"/>
+            <a:off x="8724900" y="592281"/>
+            <a:ext cx="2628900" cy="5584681"/>
           </a:xfrm>
         </p:spPr>
         <p:txBody>
@@ -569,18 +621,18 @@
           <a:lstStyle/>
           <a:p>
             <a:r>
-              <a:rPr lang="zh-TW" altLang="en-US"/>
-              <a:t>按一下以編輯母片標題樣式</a:t>
-            </a:r>
-          </a:p>
-        </p:txBody>
-      </p:sp>
-      <p:sp>
-        <p:nvSpPr>
-          <p:cNvPr id="3" name="直排文字版面配置區 2">
-            <a:extLst>
-              <a:ext uri="{FF2B5EF4-FFF2-40B4-BE49-F238E27FC236}">
-                <a16:creationId xmlns:a16="http://schemas.microsoft.com/office/drawing/2014/main" id="{84BECF48-F3B6-4D47-82A8-C6AE92EDC2F0}"/>
+              <a:rPr lang="en-US" dirty="0"/>
+              <a:t>Click to edit Master title style</a:t>
+            </a:r>
+          </a:p>
+        </p:txBody>
+      </p:sp>
+      <p:sp>
+        <p:nvSpPr>
+          <p:cNvPr id="3" name="Vertical Text Placeholder 2">
+            <a:extLst>
+              <a:ext uri="{FF2B5EF4-FFF2-40B4-BE49-F238E27FC236}">
+                <a16:creationId xmlns:a16="http://schemas.microsoft.com/office/drawing/2014/main" id="{8B5F2276-7F04-F3F7-E3CE-F81C8DC637DC}"/>
               </a:ext>
             </a:extLst>
           </p:cNvPr>
@@ -593,8 +645,8 @@
         </p:nvSpPr>
         <p:spPr>
           <a:xfrm>
-            <a:off x="838200" y="365125"/>
-            <a:ext cx="7734300" cy="5811838"/>
+            <a:off x="838200" y="592281"/>
+            <a:ext cx="7734300" cy="5584681"/>
           </a:xfrm>
         </p:spPr>
         <p:txBody>
@@ -603,46 +655,46 @@
           <a:p>
             <a:pPr lvl="0"/>
             <a:r>
-              <a:rPr lang="zh-TW" altLang="en-US"/>
-              <a:t>按一下以編輯母片文字樣式</a:t>
+              <a:rPr lang="en-US" dirty="0"/>
+              <a:t>Click to edit Master text styles</a:t>
             </a:r>
           </a:p>
           <a:p>
             <a:pPr lvl="1"/>
             <a:r>
-              <a:rPr lang="zh-TW" altLang="en-US"/>
-              <a:t>第二層</a:t>
+              <a:rPr lang="en-US" dirty="0"/>
+              <a:t>Second level</a:t>
             </a:r>
           </a:p>
           <a:p>
             <a:pPr lvl="2"/>
             <a:r>
-              <a:rPr lang="zh-TW" altLang="en-US"/>
-              <a:t>第三層</a:t>
+              <a:rPr lang="en-US" dirty="0"/>
+              <a:t>Third level</a:t>
             </a:r>
           </a:p>
           <a:p>
             <a:pPr lvl="3"/>
             <a:r>
-              <a:rPr lang="zh-TW" altLang="en-US"/>
-              <a:t>第四層</a:t>
+              <a:rPr lang="en-US" dirty="0"/>
+              <a:t>Fourth level</a:t>
             </a:r>
           </a:p>
           <a:p>
             <a:pPr lvl="4"/>
             <a:r>
-              <a:rPr lang="zh-TW" altLang="en-US"/>
-              <a:t>第五層</a:t>
-            </a:r>
-          </a:p>
-        </p:txBody>
-      </p:sp>
-      <p:sp>
-        <p:nvSpPr>
-          <p:cNvPr id="4" name="日期版面配置區 3">
-            <a:extLst>
-              <a:ext uri="{FF2B5EF4-FFF2-40B4-BE49-F238E27FC236}">
-                <a16:creationId xmlns:a16="http://schemas.microsoft.com/office/drawing/2014/main" id="{215DE52A-093E-4116-A2FE-F61BA999B89F}"/>
+              <a:rPr lang="en-US" dirty="0"/>
+              <a:t>Fifth level</a:t>
+            </a:r>
+          </a:p>
+        </p:txBody>
+      </p:sp>
+      <p:sp>
+        <p:nvSpPr>
+          <p:cNvPr id="4" name="Date Placeholder 3">
+            <a:extLst>
+              <a:ext uri="{FF2B5EF4-FFF2-40B4-BE49-F238E27FC236}">
+                <a16:creationId xmlns:a16="http://schemas.microsoft.com/office/drawing/2014/main" id="{C71802BF-9E0C-3251-8FAE-81F07DB05344}"/>
               </a:ext>
             </a:extLst>
           </p:cNvPr>
@@ -658,20 +710,20 @@
           <a:bodyPr/>
           <a:lstStyle/>
           <a:p>
-            <a:fld id="{C3C90D7E-32D6-4894-AE08-7BBB3E610FC9}" type="datetimeFigureOut">
-              <a:rPr lang="zh-TW" altLang="en-US" smtClean="0"/>
-              <a:t>2024/9/16</a:t>
+            <a:fld id="{B229DF21-A340-467A-94AB-9502647BB771}" type="datetimeFigureOut">
+              <a:rPr lang="en-US" dirty="0"/>
+              <a:t>10/23/2024</a:t>
             </a:fld>
-            <a:endParaRPr lang="zh-TW" altLang="en-US"/>
-          </a:p>
-        </p:txBody>
-      </p:sp>
-      <p:sp>
-        <p:nvSpPr>
-          <p:cNvPr id="5" name="頁尾版面配置區 4">
-            <a:extLst>
-              <a:ext uri="{FF2B5EF4-FFF2-40B4-BE49-F238E27FC236}">
-                <a16:creationId xmlns:a16="http://schemas.microsoft.com/office/drawing/2014/main" id="{34553FE1-A5D9-4070-AA9C-378F491D4677}"/>
+            <a:endParaRPr lang="en-US" dirty="0"/>
+          </a:p>
+        </p:txBody>
+      </p:sp>
+      <p:sp>
+        <p:nvSpPr>
+          <p:cNvPr id="5" name="Footer Placeholder 4">
+            <a:extLst>
+              <a:ext uri="{FF2B5EF4-FFF2-40B4-BE49-F238E27FC236}">
+                <a16:creationId xmlns:a16="http://schemas.microsoft.com/office/drawing/2014/main" id="{329F1754-5B8F-A9FA-E8B1-06E04CE283D5}"/>
               </a:ext>
             </a:extLst>
           </p:cNvPr>
@@ -687,16 +739,20 @@
           <a:bodyPr/>
           <a:lstStyle/>
           <a:p>
-            <a:endParaRPr lang="zh-TW" altLang="en-US"/>
-          </a:p>
-        </p:txBody>
-      </p:sp>
-      <p:sp>
-        <p:nvSpPr>
-          <p:cNvPr id="6" name="投影片編號版面配置區 5">
-            <a:extLst>
-              <a:ext uri="{FF2B5EF4-FFF2-40B4-BE49-F238E27FC236}">
-                <a16:creationId xmlns:a16="http://schemas.microsoft.com/office/drawing/2014/main" id="{928EFDDC-5B11-4543-8144-518625EDA57F}"/>
+            <a:r>
+              <a:rPr lang="en-US" dirty="0"/>
+              <a:t>
+              </a:t>
+            </a:r>
+          </a:p>
+        </p:txBody>
+      </p:sp>
+      <p:sp>
+        <p:nvSpPr>
+          <p:cNvPr id="6" name="Slide Number Placeholder 5">
+            <a:extLst>
+              <a:ext uri="{FF2B5EF4-FFF2-40B4-BE49-F238E27FC236}">
+                <a16:creationId xmlns:a16="http://schemas.microsoft.com/office/drawing/2014/main" id="{5F01E6A8-5139-ECD4-CC0C-32FFC6741000}"/>
               </a:ext>
             </a:extLst>
           </p:cNvPr>
@@ -712,18 +768,18 @@
           <a:bodyPr/>
           <a:lstStyle/>
           <a:p>
-            <a:fld id="{E31EC408-072F-4346-BD0A-D6AA5788A305}" type="slidenum">
-              <a:rPr lang="zh-TW" altLang="en-US" smtClean="0"/>
+            <a:fld id="{5E4DE196-8A13-4FF7-A07E-102851959EAB}" type="slidenum">
+              <a:rPr lang="en-US" dirty="0"/>
               <a:t>‹#›</a:t>
             </a:fld>
-            <a:endParaRPr lang="zh-TW" altLang="en-US"/>
+            <a:endParaRPr lang="en-US" dirty="0"/>
           </a:p>
         </p:txBody>
       </p:sp>
     </p:spTree>
     <p:extLst>
       <p:ext uri="{BB962C8B-B14F-4D97-AF65-F5344CB8AC3E}">
-        <p14:creationId xmlns:p14="http://schemas.microsoft.com/office/powerpoint/2010/main" val="2483123943"/>
+        <p14:creationId xmlns:p14="http://schemas.microsoft.com/office/powerpoint/2010/main" val="287666440"/>
       </p:ext>
     </p:extLst>
   </p:cSld>
@@ -735,7 +791,7 @@
 
 <file path=ppt/slideLayouts/slideLayout2.xml><?xml version="1.0" encoding="utf-8"?>
 <p:sldLayout xmlns:a="http://schemas.openxmlformats.org/drawingml/2006/main" xmlns:r="http://schemas.openxmlformats.org/officeDocument/2006/relationships" xmlns:p="http://schemas.openxmlformats.org/presentationml/2006/main" type="obj" preserve="1">
-  <p:cSld name="標題及內容">
+  <p:cSld name="Title and Content">
     <p:spTree>
       <p:nvGrpSpPr>
         <p:cNvPr id="1" name=""/>
@@ -752,10 +808,10 @@
       </p:grpSpPr>
       <p:sp>
         <p:nvSpPr>
-          <p:cNvPr id="2" name="標題 1">
-            <a:extLst>
-              <a:ext uri="{FF2B5EF4-FFF2-40B4-BE49-F238E27FC236}">
-                <a16:creationId xmlns:a16="http://schemas.microsoft.com/office/drawing/2014/main" id="{A1BFCF4C-FB58-444C-B754-A594851E4C7B}"/>
+          <p:cNvPr id="2" name="Title 1">
+            <a:extLst>
+              <a:ext uri="{FF2B5EF4-FFF2-40B4-BE49-F238E27FC236}">
+                <a16:creationId xmlns:a16="http://schemas.microsoft.com/office/drawing/2014/main" id="{31E155F0-A6D4-C39B-394F-0B16E9C9CE81}"/>
               </a:ext>
             </a:extLst>
           </p:cNvPr>
@@ -772,18 +828,18 @@
           <a:lstStyle/>
           <a:p>
             <a:r>
-              <a:rPr lang="zh-TW" altLang="en-US"/>
-              <a:t>按一下以編輯母片標題樣式</a:t>
-            </a:r>
-          </a:p>
-        </p:txBody>
-      </p:sp>
-      <p:sp>
-        <p:nvSpPr>
-          <p:cNvPr id="3" name="內容版面配置區 2">
-            <a:extLst>
-              <a:ext uri="{FF2B5EF4-FFF2-40B4-BE49-F238E27FC236}">
-                <a16:creationId xmlns:a16="http://schemas.microsoft.com/office/drawing/2014/main" id="{987C475D-648F-4511-A6FE-04B04F755F93}"/>
+              <a:rPr lang="en-US" dirty="0"/>
+              <a:t>Click to edit Master title style</a:t>
+            </a:r>
+          </a:p>
+        </p:txBody>
+      </p:sp>
+      <p:sp>
+        <p:nvSpPr>
+          <p:cNvPr id="3" name="Content Placeholder 2">
+            <a:extLst>
+              <a:ext uri="{FF2B5EF4-FFF2-40B4-BE49-F238E27FC236}">
+                <a16:creationId xmlns:a16="http://schemas.microsoft.com/office/drawing/2014/main" id="{EBD1860F-B260-57CE-E12B-2C94860319EC}"/>
               </a:ext>
             </a:extLst>
           </p:cNvPr>
@@ -801,46 +857,46 @@
           <a:p>
             <a:pPr lvl="0"/>
             <a:r>
-              <a:rPr lang="zh-TW" altLang="en-US"/>
-              <a:t>按一下以編輯母片文字樣式</a:t>
+              <a:rPr lang="en-US" dirty="0"/>
+              <a:t>Click to edit Master text styles</a:t>
             </a:r>
           </a:p>
           <a:p>
             <a:pPr lvl="1"/>
             <a:r>
-              <a:rPr lang="zh-TW" altLang="en-US"/>
-              <a:t>第二層</a:t>
+              <a:rPr lang="en-US" dirty="0"/>
+              <a:t>Second level</a:t>
             </a:r>
           </a:p>
           <a:p>
             <a:pPr lvl="2"/>
             <a:r>
-              <a:rPr lang="zh-TW" altLang="en-US"/>
-              <a:t>第三層</a:t>
+              <a:rPr lang="en-US" dirty="0"/>
+              <a:t>Third level</a:t>
             </a:r>
           </a:p>
           <a:p>
             <a:pPr lvl="3"/>
             <a:r>
-              <a:rPr lang="zh-TW" altLang="en-US"/>
-              <a:t>第四層</a:t>
+              <a:rPr lang="en-US" dirty="0"/>
+              <a:t>Fourth level</a:t>
             </a:r>
           </a:p>
           <a:p>
             <a:pPr lvl="4"/>
             <a:r>
-              <a:rPr lang="zh-TW" altLang="en-US"/>
-              <a:t>第五層</a:t>
-            </a:r>
-          </a:p>
-        </p:txBody>
-      </p:sp>
-      <p:sp>
-        <p:nvSpPr>
-          <p:cNvPr id="4" name="日期版面配置區 3">
-            <a:extLst>
-              <a:ext uri="{FF2B5EF4-FFF2-40B4-BE49-F238E27FC236}">
-                <a16:creationId xmlns:a16="http://schemas.microsoft.com/office/drawing/2014/main" id="{F511FCF8-D8F7-4914-920F-D63F2D97F713}"/>
+              <a:rPr lang="en-US" dirty="0"/>
+              <a:t>Fifth level</a:t>
+            </a:r>
+          </a:p>
+        </p:txBody>
+      </p:sp>
+      <p:sp>
+        <p:nvSpPr>
+          <p:cNvPr id="4" name="Date Placeholder 3">
+            <a:extLst>
+              <a:ext uri="{FF2B5EF4-FFF2-40B4-BE49-F238E27FC236}">
+                <a16:creationId xmlns:a16="http://schemas.microsoft.com/office/drawing/2014/main" id="{AF745C9F-D94D-E5D3-B73A-20621FA536D5}"/>
               </a:ext>
             </a:extLst>
           </p:cNvPr>
@@ -856,20 +912,20 @@
           <a:bodyPr/>
           <a:lstStyle/>
           <a:p>
-            <a:fld id="{C3C90D7E-32D6-4894-AE08-7BBB3E610FC9}" type="datetimeFigureOut">
-              <a:rPr lang="zh-TW" altLang="en-US" smtClean="0"/>
-              <a:t>2024/9/16</a:t>
+            <a:fld id="{FE7E3940-CA92-4FEE-A698-62CF7BC5AC36}" type="datetimeFigureOut">
+              <a:rPr lang="en-US" dirty="0"/>
+              <a:t>10/23/2024</a:t>
             </a:fld>
-            <a:endParaRPr lang="zh-TW" altLang="en-US"/>
-          </a:p>
-        </p:txBody>
-      </p:sp>
-      <p:sp>
-        <p:nvSpPr>
-          <p:cNvPr id="5" name="頁尾版面配置區 4">
-            <a:extLst>
-              <a:ext uri="{FF2B5EF4-FFF2-40B4-BE49-F238E27FC236}">
-                <a16:creationId xmlns:a16="http://schemas.microsoft.com/office/drawing/2014/main" id="{7E1D3E8F-338D-4B4D-B411-5282866FF95D}"/>
+            <a:endParaRPr lang="en-US" dirty="0"/>
+          </a:p>
+        </p:txBody>
+      </p:sp>
+      <p:sp>
+        <p:nvSpPr>
+          <p:cNvPr id="5" name="Footer Placeholder 4">
+            <a:extLst>
+              <a:ext uri="{FF2B5EF4-FFF2-40B4-BE49-F238E27FC236}">
+                <a16:creationId xmlns:a16="http://schemas.microsoft.com/office/drawing/2014/main" id="{E5FAB243-BB42-966A-4708-15C9B11D6885}"/>
               </a:ext>
             </a:extLst>
           </p:cNvPr>
@@ -885,16 +941,20 @@
           <a:bodyPr/>
           <a:lstStyle/>
           <a:p>
-            <a:endParaRPr lang="zh-TW" altLang="en-US"/>
-          </a:p>
-        </p:txBody>
-      </p:sp>
-      <p:sp>
-        <p:nvSpPr>
-          <p:cNvPr id="6" name="投影片編號版面配置區 5">
-            <a:extLst>
-              <a:ext uri="{FF2B5EF4-FFF2-40B4-BE49-F238E27FC236}">
-                <a16:creationId xmlns:a16="http://schemas.microsoft.com/office/drawing/2014/main" id="{F7DF3AD5-06B6-42D8-AEDF-66CCE6582524}"/>
+            <a:r>
+              <a:rPr lang="en-US" dirty="0"/>
+              <a:t>
+              </a:t>
+            </a:r>
+          </a:p>
+        </p:txBody>
+      </p:sp>
+      <p:sp>
+        <p:nvSpPr>
+          <p:cNvPr id="6" name="Slide Number Placeholder 5">
+            <a:extLst>
+              <a:ext uri="{FF2B5EF4-FFF2-40B4-BE49-F238E27FC236}">
+                <a16:creationId xmlns:a16="http://schemas.microsoft.com/office/drawing/2014/main" id="{D5C3A3BD-2CC5-03D3-4CD6-E31A55BA2D23}"/>
               </a:ext>
             </a:extLst>
           </p:cNvPr>
@@ -910,18 +970,18 @@
           <a:bodyPr/>
           <a:lstStyle/>
           <a:p>
-            <a:fld id="{E31EC408-072F-4346-BD0A-D6AA5788A305}" type="slidenum">
-              <a:rPr lang="zh-TW" altLang="en-US" smtClean="0"/>
+            <a:fld id="{5E4DE196-8A13-4FF7-A07E-102851959EAB}" type="slidenum">
+              <a:rPr lang="en-US" dirty="0"/>
               <a:t>‹#›</a:t>
             </a:fld>
-            <a:endParaRPr lang="zh-TW" altLang="en-US"/>
+            <a:endParaRPr lang="en-US" dirty="0"/>
           </a:p>
         </p:txBody>
       </p:sp>
     </p:spTree>
     <p:extLst>
       <p:ext uri="{BB962C8B-B14F-4D97-AF65-F5344CB8AC3E}">
-        <p14:creationId xmlns:p14="http://schemas.microsoft.com/office/powerpoint/2010/main" val="4198509733"/>
+        <p14:creationId xmlns:p14="http://schemas.microsoft.com/office/powerpoint/2010/main" val="2360457004"/>
       </p:ext>
     </p:extLst>
   </p:cSld>
@@ -933,7 +993,7 @@
 
 <file path=ppt/slideLayouts/slideLayout3.xml><?xml version="1.0" encoding="utf-8"?>
 <p:sldLayout xmlns:a="http://schemas.openxmlformats.org/drawingml/2006/main" xmlns:r="http://schemas.openxmlformats.org/officeDocument/2006/relationships" xmlns:p="http://schemas.openxmlformats.org/presentationml/2006/main" type="secHead" preserve="1">
-  <p:cSld name="章節標題">
+  <p:cSld name="Section Header">
     <p:spTree>
       <p:nvGrpSpPr>
         <p:cNvPr id="1" name=""/>
@@ -950,10 +1010,10 @@
       </p:grpSpPr>
       <p:sp>
         <p:nvSpPr>
-          <p:cNvPr id="2" name="標題 1">
-            <a:extLst>
-              <a:ext uri="{FF2B5EF4-FFF2-40B4-BE49-F238E27FC236}">
-                <a16:creationId xmlns:a16="http://schemas.microsoft.com/office/drawing/2014/main" id="{5986B870-2B24-4658-9AEB-3C92E8E40B41}"/>
+          <p:cNvPr id="2" name="Title 1">
+            <a:extLst>
+              <a:ext uri="{FF2B5EF4-FFF2-40B4-BE49-F238E27FC236}">
+                <a16:creationId xmlns:a16="http://schemas.microsoft.com/office/drawing/2014/main" id="{FD2D8633-AC3B-E617-1C54-84932DDD72E5}"/>
               </a:ext>
             </a:extLst>
           </p:cNvPr>
@@ -966,31 +1026,33 @@
         </p:nvSpPr>
         <p:spPr>
           <a:xfrm>
-            <a:off x="831850" y="1709738"/>
-            <a:ext cx="10515600" cy="2852737"/>
-          </a:xfrm>
-        </p:spPr>
-        <p:txBody>
-          <a:bodyPr anchor="b"/>
+            <a:off x="1474236" y="1514688"/>
+            <a:ext cx="8584164" cy="3138875"/>
+          </a:xfrm>
+        </p:spPr>
+        <p:txBody>
+          <a:bodyPr anchor="b">
+            <a:normAutofit/>
+          </a:bodyPr>
           <a:lstStyle>
             <a:lvl1pPr>
-              <a:defRPr sz="6000"/>
+              <a:defRPr sz="3600" cap="all" spc="300" baseline="0"/>
             </a:lvl1pPr>
           </a:lstStyle>
           <a:p>
             <a:r>
-              <a:rPr lang="zh-TW" altLang="en-US"/>
-              <a:t>按一下以編輯母片標題樣式</a:t>
-            </a:r>
-          </a:p>
-        </p:txBody>
-      </p:sp>
-      <p:sp>
-        <p:nvSpPr>
-          <p:cNvPr id="3" name="文字版面配置區 2">
-            <a:extLst>
-              <a:ext uri="{FF2B5EF4-FFF2-40B4-BE49-F238E27FC236}">
-                <a16:creationId xmlns:a16="http://schemas.microsoft.com/office/drawing/2014/main" id="{90235018-E757-4630-8511-F466B919268F}"/>
+              <a:rPr lang="en-US" dirty="0"/>
+              <a:t>Click to edit Master title style</a:t>
+            </a:r>
+          </a:p>
+        </p:txBody>
+      </p:sp>
+      <p:sp>
+        <p:nvSpPr>
+          <p:cNvPr id="3" name="Text Placeholder 2">
+            <a:extLst>
+              <a:ext uri="{FF2B5EF4-FFF2-40B4-BE49-F238E27FC236}">
+                <a16:creationId xmlns:a16="http://schemas.microsoft.com/office/drawing/2014/main" id="{CF68C242-ECAB-AEC3-7E9B-F9854AF31CD2}"/>
               </a:ext>
             </a:extLst>
           </p:cNvPr>
@@ -1003,39 +1065,39 @@
         </p:nvSpPr>
         <p:spPr>
           <a:xfrm>
-            <a:off x="831850" y="4589463"/>
-            <a:ext cx="10515600" cy="1500187"/>
-          </a:xfrm>
-        </p:spPr>
-        <p:txBody>
-          <a:bodyPr/>
+            <a:off x="1474236" y="4963885"/>
+            <a:ext cx="8584165" cy="1125765"/>
+          </a:xfrm>
+        </p:spPr>
+        <p:txBody>
+          <a:bodyPr>
+            <a:normAutofit/>
+          </a:bodyPr>
           <a:lstStyle>
             <a:lvl1pPr marL="0" indent="0">
               <a:buNone/>
-              <a:defRPr sz="2400">
+              <a:defRPr sz="1600" cap="all" spc="300" baseline="0">
                 <a:solidFill>
-                  <a:schemeClr val="tx1">
-                    <a:tint val="75000"/>
-                  </a:schemeClr>
+                  <a:schemeClr val="tx2"/>
                 </a:solidFill>
               </a:defRPr>
             </a:lvl1pPr>
             <a:lvl2pPr marL="457200" indent="0">
               <a:buNone/>
-              <a:defRPr sz="2000">
+              <a:defRPr sz="1600">
                 <a:solidFill>
                   <a:schemeClr val="tx1">
-                    <a:tint val="75000"/>
+                    <a:tint val="82000"/>
                   </a:schemeClr>
                 </a:solidFill>
               </a:defRPr>
             </a:lvl2pPr>
             <a:lvl3pPr marL="914400" indent="0">
               <a:buNone/>
-              <a:defRPr sz="1800">
+              <a:defRPr sz="1600">
                 <a:solidFill>
                   <a:schemeClr val="tx1">
-                    <a:tint val="75000"/>
+                    <a:tint val="82000"/>
                   </a:schemeClr>
                 </a:solidFill>
               </a:defRPr>
@@ -1045,7 +1107,7 @@
               <a:defRPr sz="1600">
                 <a:solidFill>
                   <a:schemeClr val="tx1">
-                    <a:tint val="75000"/>
+                    <a:tint val="82000"/>
                   </a:schemeClr>
                 </a:solidFill>
               </a:defRPr>
@@ -1055,7 +1117,7 @@
               <a:defRPr sz="1600">
                 <a:solidFill>
                   <a:schemeClr val="tx1">
-                    <a:tint val="75000"/>
+                    <a:tint val="82000"/>
                   </a:schemeClr>
                 </a:solidFill>
               </a:defRPr>
@@ -1065,7 +1127,7 @@
               <a:defRPr sz="1600">
                 <a:solidFill>
                   <a:schemeClr val="tx1">
-                    <a:tint val="75000"/>
+                    <a:tint val="82000"/>
                   </a:schemeClr>
                 </a:solidFill>
               </a:defRPr>
@@ -1075,7 +1137,7 @@
               <a:defRPr sz="1600">
                 <a:solidFill>
                   <a:schemeClr val="tx1">
-                    <a:tint val="75000"/>
+                    <a:tint val="82000"/>
                   </a:schemeClr>
                 </a:solidFill>
               </a:defRPr>
@@ -1085,7 +1147,7 @@
               <a:defRPr sz="1600">
                 <a:solidFill>
                   <a:schemeClr val="tx1">
-                    <a:tint val="75000"/>
+                    <a:tint val="82000"/>
                   </a:schemeClr>
                 </a:solidFill>
               </a:defRPr>
@@ -1095,7 +1157,7 @@
               <a:defRPr sz="1600">
                 <a:solidFill>
                   <a:schemeClr val="tx1">
-                    <a:tint val="75000"/>
+                    <a:tint val="82000"/>
                   </a:schemeClr>
                 </a:solidFill>
               </a:defRPr>
@@ -1104,18 +1166,18 @@
           <a:p>
             <a:pPr lvl="0"/>
             <a:r>
-              <a:rPr lang="zh-TW" altLang="en-US"/>
-              <a:t>按一下以編輯母片文字樣式</a:t>
-            </a:r>
-          </a:p>
-        </p:txBody>
-      </p:sp>
-      <p:sp>
-        <p:nvSpPr>
-          <p:cNvPr id="4" name="日期版面配置區 3">
-            <a:extLst>
-              <a:ext uri="{FF2B5EF4-FFF2-40B4-BE49-F238E27FC236}">
-                <a16:creationId xmlns:a16="http://schemas.microsoft.com/office/drawing/2014/main" id="{37546C76-CF19-433D-9070-0A54A149F1B2}"/>
+              <a:rPr lang="en-US" dirty="0"/>
+              <a:t>Click to edit Master text styles</a:t>
+            </a:r>
+          </a:p>
+        </p:txBody>
+      </p:sp>
+      <p:sp>
+        <p:nvSpPr>
+          <p:cNvPr id="4" name="Date Placeholder 3">
+            <a:extLst>
+              <a:ext uri="{FF2B5EF4-FFF2-40B4-BE49-F238E27FC236}">
+                <a16:creationId xmlns:a16="http://schemas.microsoft.com/office/drawing/2014/main" id="{120D9B82-EEF4-2CD7-61FE-BAFB2B96D641}"/>
               </a:ext>
             </a:extLst>
           </p:cNvPr>
@@ -1131,20 +1193,20 @@
           <a:bodyPr/>
           <a:lstStyle/>
           <a:p>
-            <a:fld id="{C3C90D7E-32D6-4894-AE08-7BBB3E610FC9}" type="datetimeFigureOut">
-              <a:rPr lang="zh-TW" altLang="en-US" smtClean="0"/>
-              <a:t>2024/9/16</a:t>
+            <a:fld id="{E33CD641-6C35-45D1-9313-2719E9EA8AD8}" type="datetimeFigureOut">
+              <a:rPr lang="en-US" dirty="0"/>
+              <a:t>10/23/2024</a:t>
             </a:fld>
-            <a:endParaRPr lang="zh-TW" altLang="en-US"/>
-          </a:p>
-        </p:txBody>
-      </p:sp>
-      <p:sp>
-        <p:nvSpPr>
-          <p:cNvPr id="5" name="頁尾版面配置區 4">
-            <a:extLst>
-              <a:ext uri="{FF2B5EF4-FFF2-40B4-BE49-F238E27FC236}">
-                <a16:creationId xmlns:a16="http://schemas.microsoft.com/office/drawing/2014/main" id="{9C9DC25F-827C-4564-AD0E-7FD815D53AF7}"/>
+            <a:endParaRPr lang="en-US" dirty="0"/>
+          </a:p>
+        </p:txBody>
+      </p:sp>
+      <p:sp>
+        <p:nvSpPr>
+          <p:cNvPr id="5" name="Footer Placeholder 4">
+            <a:extLst>
+              <a:ext uri="{FF2B5EF4-FFF2-40B4-BE49-F238E27FC236}">
+                <a16:creationId xmlns:a16="http://schemas.microsoft.com/office/drawing/2014/main" id="{59A222B6-F7A8-70A5-B023-FCAD5D7C4BB1}"/>
               </a:ext>
             </a:extLst>
           </p:cNvPr>
@@ -1160,16 +1222,20 @@
           <a:bodyPr/>
           <a:lstStyle/>
           <a:p>
-            <a:endParaRPr lang="zh-TW" altLang="en-US"/>
-          </a:p>
-        </p:txBody>
-      </p:sp>
-      <p:sp>
-        <p:nvSpPr>
-          <p:cNvPr id="6" name="投影片編號版面配置區 5">
-            <a:extLst>
-              <a:ext uri="{FF2B5EF4-FFF2-40B4-BE49-F238E27FC236}">
-                <a16:creationId xmlns:a16="http://schemas.microsoft.com/office/drawing/2014/main" id="{8C0653A6-68AA-4213-8D62-EAF9243D6998}"/>
+            <a:r>
+              <a:rPr lang="en-US" dirty="0"/>
+              <a:t>
+              </a:t>
+            </a:r>
+          </a:p>
+        </p:txBody>
+      </p:sp>
+      <p:sp>
+        <p:nvSpPr>
+          <p:cNvPr id="6" name="Slide Number Placeholder 5">
+            <a:extLst>
+              <a:ext uri="{FF2B5EF4-FFF2-40B4-BE49-F238E27FC236}">
+                <a16:creationId xmlns:a16="http://schemas.microsoft.com/office/drawing/2014/main" id="{4E85D758-2E38-8A8D-75BC-667F6A23B95B}"/>
               </a:ext>
             </a:extLst>
           </p:cNvPr>
@@ -1185,18 +1251,18 @@
           <a:bodyPr/>
           <a:lstStyle/>
           <a:p>
-            <a:fld id="{E31EC408-072F-4346-BD0A-D6AA5788A305}" type="slidenum">
-              <a:rPr lang="zh-TW" altLang="en-US" smtClean="0"/>
+            <a:fld id="{5E4DE196-8A13-4FF7-A07E-102851959EAB}" type="slidenum">
+              <a:rPr lang="en-US" dirty="0"/>
               <a:t>‹#›</a:t>
             </a:fld>
-            <a:endParaRPr lang="zh-TW" altLang="en-US"/>
+            <a:endParaRPr lang="en-US" dirty="0"/>
           </a:p>
         </p:txBody>
       </p:sp>
     </p:spTree>
     <p:extLst>
       <p:ext uri="{BB962C8B-B14F-4D97-AF65-F5344CB8AC3E}">
-        <p14:creationId xmlns:p14="http://schemas.microsoft.com/office/powerpoint/2010/main" val="3126775509"/>
+        <p14:creationId xmlns:p14="http://schemas.microsoft.com/office/powerpoint/2010/main" val="562368557"/>
       </p:ext>
     </p:extLst>
   </p:cSld>
@@ -1208,7 +1274,7 @@
 
 <file path=ppt/slideLayouts/slideLayout4.xml><?xml version="1.0" encoding="utf-8"?>
 <p:sldLayout xmlns:a="http://schemas.openxmlformats.org/drawingml/2006/main" xmlns:r="http://schemas.openxmlformats.org/officeDocument/2006/relationships" xmlns:p="http://schemas.openxmlformats.org/presentationml/2006/main" type="twoObj" preserve="1">
-  <p:cSld name="兩個內容">
+  <p:cSld name="Two Content">
     <p:spTree>
       <p:nvGrpSpPr>
         <p:cNvPr id="1" name=""/>
@@ -1225,10 +1291,10 @@
       </p:grpSpPr>
       <p:sp>
         <p:nvSpPr>
-          <p:cNvPr id="2" name="標題 1">
-            <a:extLst>
-              <a:ext uri="{FF2B5EF4-FFF2-40B4-BE49-F238E27FC236}">
-                <a16:creationId xmlns:a16="http://schemas.microsoft.com/office/drawing/2014/main" id="{F8A74D77-9E6E-4FD1-97AD-0ADC1228B6AF}"/>
+          <p:cNvPr id="2" name="Title 1">
+            <a:extLst>
+              <a:ext uri="{FF2B5EF4-FFF2-40B4-BE49-F238E27FC236}">
+                <a16:creationId xmlns:a16="http://schemas.microsoft.com/office/drawing/2014/main" id="{B1F60DFF-11BD-F5F4-35D4-1986ABBD3675}"/>
               </a:ext>
             </a:extLst>
           </p:cNvPr>
@@ -1245,18 +1311,18 @@
           <a:lstStyle/>
           <a:p>
             <a:r>
-              <a:rPr lang="zh-TW" altLang="en-US"/>
-              <a:t>按一下以編輯母片標題樣式</a:t>
-            </a:r>
-          </a:p>
-        </p:txBody>
-      </p:sp>
-      <p:sp>
-        <p:nvSpPr>
-          <p:cNvPr id="3" name="內容版面配置區 2">
-            <a:extLst>
-              <a:ext uri="{FF2B5EF4-FFF2-40B4-BE49-F238E27FC236}">
-                <a16:creationId xmlns:a16="http://schemas.microsoft.com/office/drawing/2014/main" id="{9FDE4E9B-689C-4373-B281-9636BE211982}"/>
+              <a:rPr lang="en-US" dirty="0"/>
+              <a:t>Click to edit Master title style</a:t>
+            </a:r>
+          </a:p>
+        </p:txBody>
+      </p:sp>
+      <p:sp>
+        <p:nvSpPr>
+          <p:cNvPr id="3" name="Content Placeholder 2">
+            <a:extLst>
+              <a:ext uri="{FF2B5EF4-FFF2-40B4-BE49-F238E27FC236}">
+                <a16:creationId xmlns:a16="http://schemas.microsoft.com/office/drawing/2014/main" id="{8C5D1279-E9A9-702E-144D-61114B788E88}"/>
               </a:ext>
             </a:extLst>
           </p:cNvPr>
@@ -1269,8 +1335,8 @@
         </p:nvSpPr>
         <p:spPr>
           <a:xfrm>
-            <a:off x="838200" y="1825625"/>
-            <a:ext cx="5181600" cy="4351338"/>
+            <a:off x="877824" y="2159175"/>
+            <a:ext cx="4977453" cy="4017787"/>
           </a:xfrm>
         </p:spPr>
         <p:txBody>
@@ -1279,46 +1345,46 @@
           <a:p>
             <a:pPr lvl="0"/>
             <a:r>
-              <a:rPr lang="zh-TW" altLang="en-US"/>
-              <a:t>按一下以編輯母片文字樣式</a:t>
+              <a:rPr lang="en-US" dirty="0"/>
+              <a:t>Click to edit Master text styles</a:t>
             </a:r>
           </a:p>
           <a:p>
             <a:pPr lvl="1"/>
             <a:r>
-              <a:rPr lang="zh-TW" altLang="en-US"/>
-              <a:t>第二層</a:t>
+              <a:rPr lang="en-US" dirty="0"/>
+              <a:t>Second level</a:t>
             </a:r>
           </a:p>
           <a:p>
             <a:pPr lvl="2"/>
             <a:r>
-              <a:rPr lang="zh-TW" altLang="en-US"/>
-              <a:t>第三層</a:t>
+              <a:rPr lang="en-US" dirty="0"/>
+              <a:t>Third level</a:t>
             </a:r>
           </a:p>
           <a:p>
             <a:pPr lvl="3"/>
             <a:r>
-              <a:rPr lang="zh-TW" altLang="en-US"/>
-              <a:t>第四層</a:t>
+              <a:rPr lang="en-US" dirty="0"/>
+              <a:t>Fourth level</a:t>
             </a:r>
           </a:p>
           <a:p>
             <a:pPr lvl="4"/>
             <a:r>
-              <a:rPr lang="zh-TW" altLang="en-US"/>
-              <a:t>第五層</a:t>
-            </a:r>
-          </a:p>
-        </p:txBody>
-      </p:sp>
-      <p:sp>
-        <p:nvSpPr>
-          <p:cNvPr id="4" name="內容版面配置區 3">
-            <a:extLst>
-              <a:ext uri="{FF2B5EF4-FFF2-40B4-BE49-F238E27FC236}">
-                <a16:creationId xmlns:a16="http://schemas.microsoft.com/office/drawing/2014/main" id="{CD25EC10-0BDA-4ECA-AB8E-059AC3378E22}"/>
+              <a:rPr lang="en-US" dirty="0"/>
+              <a:t>Fifth level</a:t>
+            </a:r>
+          </a:p>
+        </p:txBody>
+      </p:sp>
+      <p:sp>
+        <p:nvSpPr>
+          <p:cNvPr id="4" name="Content Placeholder 3">
+            <a:extLst>
+              <a:ext uri="{FF2B5EF4-FFF2-40B4-BE49-F238E27FC236}">
+                <a16:creationId xmlns:a16="http://schemas.microsoft.com/office/drawing/2014/main" id="{1584E624-7A76-56EC-FA0D-E2AA8EF9B951}"/>
               </a:ext>
             </a:extLst>
           </p:cNvPr>
@@ -1331,8 +1397,8 @@
         </p:nvSpPr>
         <p:spPr>
           <a:xfrm>
-            <a:off x="6172200" y="1825625"/>
-            <a:ext cx="5181600" cy="4351338"/>
+            <a:off x="6328391" y="2159175"/>
+            <a:ext cx="4985785" cy="4017787"/>
           </a:xfrm>
         </p:spPr>
         <p:txBody>
@@ -1341,46 +1407,46 @@
           <a:p>
             <a:pPr lvl="0"/>
             <a:r>
-              <a:rPr lang="zh-TW" altLang="en-US"/>
-              <a:t>按一下以編輯母片文字樣式</a:t>
+              <a:rPr lang="en-US" dirty="0"/>
+              <a:t>Click to edit Master text styles</a:t>
             </a:r>
           </a:p>
           <a:p>
             <a:pPr lvl="1"/>
             <a:r>
-              <a:rPr lang="zh-TW" altLang="en-US"/>
-              <a:t>第二層</a:t>
+              <a:rPr lang="en-US" dirty="0"/>
+              <a:t>Second level</a:t>
             </a:r>
           </a:p>
           <a:p>
             <a:pPr lvl="2"/>
             <a:r>
-              <a:rPr lang="zh-TW" altLang="en-US"/>
-              <a:t>第三層</a:t>
+              <a:rPr lang="en-US" dirty="0"/>
+              <a:t>Third level</a:t>
             </a:r>
           </a:p>
           <a:p>
             <a:pPr lvl="3"/>
             <a:r>
-              <a:rPr lang="zh-TW" altLang="en-US"/>
-              <a:t>第四層</a:t>
+              <a:rPr lang="en-US" dirty="0"/>
+              <a:t>Fourth level</a:t>
             </a:r>
           </a:p>
           <a:p>
             <a:pPr lvl="4"/>
             <a:r>
-              <a:rPr lang="zh-TW" altLang="en-US"/>
-              <a:t>第五層</a:t>
-            </a:r>
-          </a:p>
-        </p:txBody>
-      </p:sp>
-      <p:sp>
-        <p:nvSpPr>
-          <p:cNvPr id="5" name="日期版面配置區 4">
-            <a:extLst>
-              <a:ext uri="{FF2B5EF4-FFF2-40B4-BE49-F238E27FC236}">
-                <a16:creationId xmlns:a16="http://schemas.microsoft.com/office/drawing/2014/main" id="{63DAF127-0983-4C38-869C-C0A513FA9147}"/>
+              <a:rPr lang="en-US" dirty="0"/>
+              <a:t>Fifth level</a:t>
+            </a:r>
+          </a:p>
+        </p:txBody>
+      </p:sp>
+      <p:sp>
+        <p:nvSpPr>
+          <p:cNvPr id="5" name="Date Placeholder 4">
+            <a:extLst>
+              <a:ext uri="{FF2B5EF4-FFF2-40B4-BE49-F238E27FC236}">
+                <a16:creationId xmlns:a16="http://schemas.microsoft.com/office/drawing/2014/main" id="{C99D7DF5-30AD-AE47-D516-5CEE82770734}"/>
               </a:ext>
             </a:extLst>
           </p:cNvPr>
@@ -1396,20 +1462,20 @@
           <a:bodyPr/>
           <a:lstStyle/>
           <a:p>
-            <a:fld id="{C3C90D7E-32D6-4894-AE08-7BBB3E610FC9}" type="datetimeFigureOut">
-              <a:rPr lang="zh-TW" altLang="en-US" smtClean="0"/>
-              <a:t>2024/9/16</a:t>
+            <a:fld id="{35301268-3A74-4110-8F08-063DFB8BB885}" type="datetimeFigureOut">
+              <a:rPr lang="en-US" dirty="0"/>
+              <a:t>10/23/2024</a:t>
             </a:fld>
-            <a:endParaRPr lang="zh-TW" altLang="en-US"/>
-          </a:p>
-        </p:txBody>
-      </p:sp>
-      <p:sp>
-        <p:nvSpPr>
-          <p:cNvPr id="6" name="頁尾版面配置區 5">
-            <a:extLst>
-              <a:ext uri="{FF2B5EF4-FFF2-40B4-BE49-F238E27FC236}">
-                <a16:creationId xmlns:a16="http://schemas.microsoft.com/office/drawing/2014/main" id="{E014CBA6-CCE3-4CF4-8E13-D895EDBD8F25}"/>
+            <a:endParaRPr lang="en-US" dirty="0"/>
+          </a:p>
+        </p:txBody>
+      </p:sp>
+      <p:sp>
+        <p:nvSpPr>
+          <p:cNvPr id="6" name="Footer Placeholder 5">
+            <a:extLst>
+              <a:ext uri="{FF2B5EF4-FFF2-40B4-BE49-F238E27FC236}">
+                <a16:creationId xmlns:a16="http://schemas.microsoft.com/office/drawing/2014/main" id="{8B05C503-B649-B083-6341-F6E376AF8C72}"/>
               </a:ext>
             </a:extLst>
           </p:cNvPr>
@@ -1425,16 +1491,20 @@
           <a:bodyPr/>
           <a:lstStyle/>
           <a:p>
-            <a:endParaRPr lang="zh-TW" altLang="en-US"/>
-          </a:p>
-        </p:txBody>
-      </p:sp>
-      <p:sp>
-        <p:nvSpPr>
-          <p:cNvPr id="7" name="投影片編號版面配置區 6">
-            <a:extLst>
-              <a:ext uri="{FF2B5EF4-FFF2-40B4-BE49-F238E27FC236}">
-                <a16:creationId xmlns:a16="http://schemas.microsoft.com/office/drawing/2014/main" id="{5CEAA8E5-79B3-445E-B8C3-29BD56CE6D7A}"/>
+            <a:r>
+              <a:rPr lang="en-US" dirty="0"/>
+              <a:t>
+              </a:t>
+            </a:r>
+          </a:p>
+        </p:txBody>
+      </p:sp>
+      <p:sp>
+        <p:nvSpPr>
+          <p:cNvPr id="7" name="Slide Number Placeholder 6">
+            <a:extLst>
+              <a:ext uri="{FF2B5EF4-FFF2-40B4-BE49-F238E27FC236}">
+                <a16:creationId xmlns:a16="http://schemas.microsoft.com/office/drawing/2014/main" id="{1E53EA35-CF5A-DB36-8B14-5C184B6F14D3}"/>
               </a:ext>
             </a:extLst>
           </p:cNvPr>
@@ -1450,18 +1520,18 @@
           <a:bodyPr/>
           <a:lstStyle/>
           <a:p>
-            <a:fld id="{E31EC408-072F-4346-BD0A-D6AA5788A305}" type="slidenum">
-              <a:rPr lang="zh-TW" altLang="en-US" smtClean="0"/>
+            <a:fld id="{5E4DE196-8A13-4FF7-A07E-102851959EAB}" type="slidenum">
+              <a:rPr lang="en-US" dirty="0"/>
               <a:t>‹#›</a:t>
             </a:fld>
-            <a:endParaRPr lang="zh-TW" altLang="en-US"/>
+            <a:endParaRPr lang="en-US" dirty="0"/>
           </a:p>
         </p:txBody>
       </p:sp>
     </p:spTree>
     <p:extLst>
       <p:ext uri="{BB962C8B-B14F-4D97-AF65-F5344CB8AC3E}">
-        <p14:creationId xmlns:p14="http://schemas.microsoft.com/office/powerpoint/2010/main" val="3858213488"/>
+        <p14:creationId xmlns:p14="http://schemas.microsoft.com/office/powerpoint/2010/main" val="1931412637"/>
       </p:ext>
     </p:extLst>
   </p:cSld>
@@ -1473,7 +1543,7 @@
 
 <file path=ppt/slideLayouts/slideLayout5.xml><?xml version="1.0" encoding="utf-8"?>
 <p:sldLayout xmlns:a="http://schemas.openxmlformats.org/drawingml/2006/main" xmlns:r="http://schemas.openxmlformats.org/officeDocument/2006/relationships" xmlns:p="http://schemas.openxmlformats.org/presentationml/2006/main" type="twoTxTwoObj" preserve="1">
-  <p:cSld name="比較">
+  <p:cSld name="Comparison">
     <p:spTree>
       <p:nvGrpSpPr>
         <p:cNvPr id="1" name=""/>
@@ -1490,10 +1560,10 @@
       </p:grpSpPr>
       <p:sp>
         <p:nvSpPr>
-          <p:cNvPr id="2" name="標題 1">
-            <a:extLst>
-              <a:ext uri="{FF2B5EF4-FFF2-40B4-BE49-F238E27FC236}">
-                <a16:creationId xmlns:a16="http://schemas.microsoft.com/office/drawing/2014/main" id="{A00F76B6-8DEC-4A74-A06A-BA0146321CD8}"/>
+          <p:cNvPr id="2" name="Title 1">
+            <a:extLst>
+              <a:ext uri="{FF2B5EF4-FFF2-40B4-BE49-F238E27FC236}">
+                <a16:creationId xmlns:a16="http://schemas.microsoft.com/office/drawing/2014/main" id="{A1ABA3D8-FDD9-329B-BCC6-BBF47F01BEE2}"/>
               </a:ext>
             </a:extLst>
           </p:cNvPr>
@@ -1506,8 +1576,8 @@
         </p:nvSpPr>
         <p:spPr>
           <a:xfrm>
-            <a:off x="839788" y="365125"/>
-            <a:ext cx="10515600" cy="1325563"/>
+            <a:off x="881348" y="602671"/>
+            <a:ext cx="10429303" cy="768928"/>
           </a:xfrm>
         </p:spPr>
         <p:txBody>
@@ -1515,18 +1585,18 @@
           <a:lstStyle/>
           <a:p>
             <a:r>
-              <a:rPr lang="zh-TW" altLang="en-US"/>
-              <a:t>按一下以編輯母片標題樣式</a:t>
-            </a:r>
-          </a:p>
-        </p:txBody>
-      </p:sp>
-      <p:sp>
-        <p:nvSpPr>
-          <p:cNvPr id="3" name="文字版面配置區 2">
-            <a:extLst>
-              <a:ext uri="{FF2B5EF4-FFF2-40B4-BE49-F238E27FC236}">
-                <a16:creationId xmlns:a16="http://schemas.microsoft.com/office/drawing/2014/main" id="{EF00F5C5-99A7-4F16-855A-F170362659F7}"/>
+              <a:rPr lang="en-US" dirty="0"/>
+              <a:t>Click to edit Master title style</a:t>
+            </a:r>
+          </a:p>
+        </p:txBody>
+      </p:sp>
+      <p:sp>
+        <p:nvSpPr>
+          <p:cNvPr id="3" name="Text Placeholder 2">
+            <a:extLst>
+              <a:ext uri="{FF2B5EF4-FFF2-40B4-BE49-F238E27FC236}">
+                <a16:creationId xmlns:a16="http://schemas.microsoft.com/office/drawing/2014/main" id="{82EEF7DC-0699-CB3C-A7CB-39035D89A4A5}"/>
               </a:ext>
             </a:extLst>
           </p:cNvPr>
@@ -1539,65 +1609,67 @@
         </p:nvSpPr>
         <p:spPr>
           <a:xfrm>
-            <a:off x="839788" y="1681163"/>
-            <a:ext cx="5157787" cy="823912"/>
-          </a:xfrm>
-        </p:spPr>
-        <p:txBody>
-          <a:bodyPr anchor="b"/>
+            <a:off x="881349" y="1696325"/>
+            <a:ext cx="4963538" cy="647700"/>
+          </a:xfrm>
+        </p:spPr>
+        <p:txBody>
+          <a:bodyPr anchor="b">
+            <a:noAutofit/>
+          </a:bodyPr>
           <a:lstStyle>
             <a:lvl1pPr marL="0" indent="0">
               <a:buNone/>
-              <a:defRPr sz="2400" b="1"/>
+              <a:defRPr sz="1400" b="1" cap="all" spc="300" baseline="0"/>
             </a:lvl1pPr>
             <a:lvl2pPr marL="457200" indent="0">
               <a:buNone/>
-              <a:defRPr sz="2000" b="1"/>
+              <a:defRPr sz="1400" b="1"/>
             </a:lvl2pPr>
             <a:lvl3pPr marL="914400" indent="0">
               <a:buNone/>
-              <a:defRPr sz="1800" b="1"/>
+              <a:defRPr sz="1400" b="1"/>
             </a:lvl3pPr>
             <a:lvl4pPr marL="1371600" indent="0">
               <a:buNone/>
-              <a:defRPr sz="1600" b="1"/>
+              <a:defRPr sz="1400" b="1"/>
             </a:lvl4pPr>
             <a:lvl5pPr marL="1828800" indent="0">
               <a:buNone/>
-              <a:defRPr sz="1600" b="1"/>
+              <a:defRPr sz="1400" b="1"/>
             </a:lvl5pPr>
             <a:lvl6pPr marL="2286000" indent="0">
               <a:buNone/>
-              <a:defRPr sz="1600" b="1"/>
+              <a:defRPr sz="1400" b="1"/>
             </a:lvl6pPr>
             <a:lvl7pPr marL="2743200" indent="0">
               <a:buNone/>
-              <a:defRPr sz="1600" b="1"/>
+              <a:defRPr sz="1400" b="1"/>
             </a:lvl7pPr>
             <a:lvl8pPr marL="3200400" indent="0">
               <a:buNone/>
-              <a:defRPr sz="1600" b="1"/>
+              <a:defRPr sz="1400" b="1"/>
             </a:lvl8pPr>
             <a:lvl9pPr marL="3657600" indent="0">
               <a:buNone/>
-              <a:defRPr sz="1600" b="1"/>
+              <a:defRPr sz="1400" b="1"/>
             </a:lvl9pPr>
           </a:lstStyle>
           <a:p>
             <a:pPr lvl="0"/>
             <a:r>
-              <a:rPr lang="zh-TW" altLang="en-US"/>
-              <a:t>按一下以編輯母片文字樣式</a:t>
-            </a:r>
-          </a:p>
-        </p:txBody>
-      </p:sp>
-      <p:sp>
-        <p:nvSpPr>
-          <p:cNvPr id="4" name="內容版面配置區 3">
-            <a:extLst>
-              <a:ext uri="{FF2B5EF4-FFF2-40B4-BE49-F238E27FC236}">
-                <a16:creationId xmlns:a16="http://schemas.microsoft.com/office/drawing/2014/main" id="{6722BEB2-C9B4-4C14-8234-D17E84349984}"/>
+              <a:rPr lang="en-US" dirty="0"/>
+              <a:t>Click to edit Master text styles</a:t>
+            </a:r>
+          </a:p>
+        </p:txBody>
+      </p:sp>
+      <p:sp>
+        <p:nvSpPr>
+          <p:cNvPr id="4" name="Content Placeholder 3">
+            <a:extLst>
+              <a:ext uri="{FF2B5EF4-FFF2-40B4-BE49-F238E27FC236}">
+                <a16:creationId xmlns:a16="http://schemas.microsoft.com/office/drawing/2014/main" id="{D252EB40-99E1-CCA4-BAFA-F51AA56CF295}"/>
               </a:ext>
             </a:extLst>
           </p:cNvPr>
@@ -1610,8 +1682,8 @@
         </p:nvSpPr>
         <p:spPr>
           <a:xfrm>
-            <a:off x="839788" y="2505075"/>
-            <a:ext cx="5157787" cy="3684588"/>
+            <a:off x="881349" y="2344025"/>
+            <a:ext cx="4963538" cy="3833370"/>
           </a:xfrm>
         </p:spPr>
         <p:txBody>
@@ -1620,46 +1692,46 @@
           <a:p>
             <a:pPr lvl="0"/>
             <a:r>
-              <a:rPr lang="zh-TW" altLang="en-US"/>
-              <a:t>按一下以編輯母片文字樣式</a:t>
+              <a:rPr lang="en-US" dirty="0"/>
+              <a:t>Click to edit Master text styles</a:t>
             </a:r>
           </a:p>
           <a:p>
             <a:pPr lvl="1"/>
             <a:r>
-              <a:rPr lang="zh-TW" altLang="en-US"/>
-              <a:t>第二層</a:t>
+              <a:rPr lang="en-US" dirty="0"/>
+              <a:t>Second level</a:t>
             </a:r>
           </a:p>
           <a:p>
             <a:pPr lvl="2"/>
             <a:r>
-              <a:rPr lang="zh-TW" altLang="en-US"/>
-              <a:t>第三層</a:t>
+              <a:rPr lang="en-US" dirty="0"/>
+              <a:t>Third level</a:t>
             </a:r>
           </a:p>
           <a:p>
             <a:pPr lvl="3"/>
             <a:r>
-              <a:rPr lang="zh-TW" altLang="en-US"/>
-              <a:t>第四層</a:t>
+              <a:rPr lang="en-US" dirty="0"/>
+              <a:t>Fourth level</a:t>
             </a:r>
           </a:p>
           <a:p>
             <a:pPr lvl="4"/>
             <a:r>
-              <a:rPr lang="zh-TW" altLang="en-US"/>
-              <a:t>第五層</a:t>
-            </a:r>
-          </a:p>
-        </p:txBody>
-      </p:sp>
-      <p:sp>
-        <p:nvSpPr>
-          <p:cNvPr id="5" name="文字版面配置區 4">
-            <a:extLst>
-              <a:ext uri="{FF2B5EF4-FFF2-40B4-BE49-F238E27FC236}">
-                <a16:creationId xmlns:a16="http://schemas.microsoft.com/office/drawing/2014/main" id="{E4A41162-A0AC-4211-940F-4B92208F9B0E}"/>
+              <a:rPr lang="en-US" dirty="0"/>
+              <a:t>Fifth level</a:t>
+            </a:r>
+          </a:p>
+        </p:txBody>
+      </p:sp>
+      <p:sp>
+        <p:nvSpPr>
+          <p:cNvPr id="5" name="Text Placeholder 4">
+            <a:extLst>
+              <a:ext uri="{FF2B5EF4-FFF2-40B4-BE49-F238E27FC236}">
+                <a16:creationId xmlns:a16="http://schemas.microsoft.com/office/drawing/2014/main" id="{038979BC-6B50-751D-D569-F360938B05C8}"/>
               </a:ext>
             </a:extLst>
           </p:cNvPr>
@@ -1672,65 +1744,67 @@
         </p:nvSpPr>
         <p:spPr>
           <a:xfrm>
-            <a:off x="6172200" y="1681163"/>
-            <a:ext cx="5183188" cy="823912"/>
-          </a:xfrm>
-        </p:spPr>
-        <p:txBody>
-          <a:bodyPr anchor="b"/>
+            <a:off x="6322669" y="1696325"/>
+            <a:ext cx="4987982" cy="647700"/>
+          </a:xfrm>
+        </p:spPr>
+        <p:txBody>
+          <a:bodyPr anchor="b">
+            <a:noAutofit/>
+          </a:bodyPr>
           <a:lstStyle>
             <a:lvl1pPr marL="0" indent="0">
               <a:buNone/>
-              <a:defRPr sz="2400" b="1"/>
+              <a:defRPr sz="1400" b="1" cap="all" spc="300" baseline="0"/>
             </a:lvl1pPr>
             <a:lvl2pPr marL="457200" indent="0">
               <a:buNone/>
-              <a:defRPr sz="2000" b="1"/>
+              <a:defRPr sz="1400" b="1"/>
             </a:lvl2pPr>
             <a:lvl3pPr marL="914400" indent="0">
               <a:buNone/>
-              <a:defRPr sz="1800" b="1"/>
+              <a:defRPr sz="1400" b="1"/>
             </a:lvl3pPr>
             <a:lvl4pPr marL="1371600" indent="0">
               <a:buNone/>
-              <a:defRPr sz="1600" b="1"/>
+              <a:defRPr sz="1400" b="1"/>
             </a:lvl4pPr>
             <a:lvl5pPr marL="1828800" indent="0">
               <a:buNone/>
-              <a:defRPr sz="1600" b="1"/>
+              <a:defRPr sz="1400" b="1"/>
             </a:lvl5pPr>
             <a:lvl6pPr marL="2286000" indent="0">
               <a:buNone/>
-              <a:defRPr sz="1600" b="1"/>
+              <a:defRPr sz="1400" b="1"/>
             </a:lvl6pPr>
             <a:lvl7pPr marL="2743200" indent="0">
               <a:buNone/>
-              <a:defRPr sz="1600" b="1"/>
+              <a:defRPr sz="1400" b="1"/>
             </a:lvl7pPr>
             <a:lvl8pPr marL="3200400" indent="0">
               <a:buNone/>
-              <a:defRPr sz="1600" b="1"/>
+              <a:defRPr sz="1400" b="1"/>
             </a:lvl8pPr>
             <a:lvl9pPr marL="3657600" indent="0">
               <a:buNone/>
-              <a:defRPr sz="1600" b="1"/>
+              <a:defRPr sz="1400" b="1"/>
             </a:lvl9pPr>
           </a:lstStyle>
           <a:p>
             <a:pPr lvl="0"/>
             <a:r>
-              <a:rPr lang="zh-TW" altLang="en-US"/>
-              <a:t>按一下以編輯母片文字樣式</a:t>
-            </a:r>
-          </a:p>
-        </p:txBody>
-      </p:sp>
-      <p:sp>
-        <p:nvSpPr>
-          <p:cNvPr id="6" name="內容版面配置區 5">
-            <a:extLst>
-              <a:ext uri="{FF2B5EF4-FFF2-40B4-BE49-F238E27FC236}">
-                <a16:creationId xmlns:a16="http://schemas.microsoft.com/office/drawing/2014/main" id="{E8EA159A-F9D7-4F58-A7C3-6E5B65E42266}"/>
+              <a:rPr lang="en-US" dirty="0"/>
+              <a:t>Click to edit Master text styles</a:t>
+            </a:r>
+          </a:p>
+        </p:txBody>
+      </p:sp>
+      <p:sp>
+        <p:nvSpPr>
+          <p:cNvPr id="6" name="Content Placeholder 5">
+            <a:extLst>
+              <a:ext uri="{FF2B5EF4-FFF2-40B4-BE49-F238E27FC236}">
+                <a16:creationId xmlns:a16="http://schemas.microsoft.com/office/drawing/2014/main" id="{84A3A26F-230E-2D25-6BDC-6ECA00FAEFD5}"/>
               </a:ext>
             </a:extLst>
           </p:cNvPr>
@@ -1743,8 +1817,8 @@
         </p:nvSpPr>
         <p:spPr>
           <a:xfrm>
-            <a:off x="6172200" y="2505075"/>
-            <a:ext cx="5183188" cy="3684588"/>
+            <a:off x="6322669" y="2344025"/>
+            <a:ext cx="4987982" cy="3833370"/>
           </a:xfrm>
         </p:spPr>
         <p:txBody>
@@ -1753,46 +1827,46 @@
           <a:p>
             <a:pPr lvl="0"/>
             <a:r>
-              <a:rPr lang="zh-TW" altLang="en-US"/>
-              <a:t>按一下以編輯母片文字樣式</a:t>
+              <a:rPr lang="en-US" dirty="0"/>
+              <a:t>Click to edit Master text styles</a:t>
             </a:r>
           </a:p>
           <a:p>
             <a:pPr lvl="1"/>
             <a:r>
-              <a:rPr lang="zh-TW" altLang="en-US"/>
-              <a:t>第二層</a:t>
+              <a:rPr lang="en-US" dirty="0"/>
+              <a:t>Second level</a:t>
             </a:r>
           </a:p>
           <a:p>
             <a:pPr lvl="2"/>
             <a:r>
-              <a:rPr lang="zh-TW" altLang="en-US"/>
-              <a:t>第三層</a:t>
+              <a:rPr lang="en-US" dirty="0"/>
+              <a:t>Third level</a:t>
             </a:r>
           </a:p>
           <a:p>
             <a:pPr lvl="3"/>
             <a:r>
-              <a:rPr lang="zh-TW" altLang="en-US"/>
-              <a:t>第四層</a:t>
+              <a:rPr lang="en-US" dirty="0"/>
+              <a:t>Fourth level</a:t>
             </a:r>
           </a:p>
           <a:p>
             <a:pPr lvl="4"/>
             <a:r>
-              <a:rPr lang="zh-TW" altLang="en-US"/>
-              <a:t>第五層</a:t>
-            </a:r>
-          </a:p>
-        </p:txBody>
-      </p:sp>
-      <p:sp>
-        <p:nvSpPr>
-          <p:cNvPr id="7" name="日期版面配置區 6">
-            <a:extLst>
-              <a:ext uri="{FF2B5EF4-FFF2-40B4-BE49-F238E27FC236}">
-                <a16:creationId xmlns:a16="http://schemas.microsoft.com/office/drawing/2014/main" id="{AE973E80-9141-48B7-A9D7-605A4541768F}"/>
+              <a:rPr lang="en-US" dirty="0"/>
+              <a:t>Fifth level</a:t>
+            </a:r>
+          </a:p>
+        </p:txBody>
+      </p:sp>
+      <p:sp>
+        <p:nvSpPr>
+          <p:cNvPr id="7" name="Date Placeholder 6">
+            <a:extLst>
+              <a:ext uri="{FF2B5EF4-FFF2-40B4-BE49-F238E27FC236}">
+                <a16:creationId xmlns:a16="http://schemas.microsoft.com/office/drawing/2014/main" id="{48182A01-DE7C-3BA4-96FF-CDEF2F608FCA}"/>
               </a:ext>
             </a:extLst>
           </p:cNvPr>
@@ -1808,20 +1882,20 @@
           <a:bodyPr/>
           <a:lstStyle/>
           <a:p>
-            <a:fld id="{C3C90D7E-32D6-4894-AE08-7BBB3E610FC9}" type="datetimeFigureOut">
-              <a:rPr lang="zh-TW" altLang="en-US" smtClean="0"/>
-              <a:t>2024/9/16</a:t>
+            <a:fld id="{BF91C1AF-C1FB-48A7-98B4-E595E63F6614}" type="datetimeFigureOut">
+              <a:rPr lang="en-US" dirty="0"/>
+              <a:t>10/23/2024</a:t>
             </a:fld>
-            <a:endParaRPr lang="zh-TW" altLang="en-US"/>
-          </a:p>
-        </p:txBody>
-      </p:sp>
-      <p:sp>
-        <p:nvSpPr>
-          <p:cNvPr id="8" name="頁尾版面配置區 7">
-            <a:extLst>
-              <a:ext uri="{FF2B5EF4-FFF2-40B4-BE49-F238E27FC236}">
-                <a16:creationId xmlns:a16="http://schemas.microsoft.com/office/drawing/2014/main" id="{6520B07A-79F8-43E7-8013-632DD2AED223}"/>
+            <a:endParaRPr lang="en-US" dirty="0"/>
+          </a:p>
+        </p:txBody>
+      </p:sp>
+      <p:sp>
+        <p:nvSpPr>
+          <p:cNvPr id="8" name="Footer Placeholder 7">
+            <a:extLst>
+              <a:ext uri="{FF2B5EF4-FFF2-40B4-BE49-F238E27FC236}">
+                <a16:creationId xmlns:a16="http://schemas.microsoft.com/office/drawing/2014/main" id="{6FCAA828-0166-8ECD-BCE8-654BEFDD7155}"/>
               </a:ext>
             </a:extLst>
           </p:cNvPr>
@@ -1837,16 +1911,20 @@
           <a:bodyPr/>
           <a:lstStyle/>
           <a:p>
-            <a:endParaRPr lang="zh-TW" altLang="en-US"/>
-          </a:p>
-        </p:txBody>
-      </p:sp>
-      <p:sp>
-        <p:nvSpPr>
-          <p:cNvPr id="9" name="投影片編號版面配置區 8">
-            <a:extLst>
-              <a:ext uri="{FF2B5EF4-FFF2-40B4-BE49-F238E27FC236}">
-                <a16:creationId xmlns:a16="http://schemas.microsoft.com/office/drawing/2014/main" id="{3B997D8F-4F1C-4DE6-A82C-3E0C38ACAE96}"/>
+            <a:r>
+              <a:rPr lang="en-US" dirty="0"/>
+              <a:t>
+              </a:t>
+            </a:r>
+          </a:p>
+        </p:txBody>
+      </p:sp>
+      <p:sp>
+        <p:nvSpPr>
+          <p:cNvPr id="9" name="Slide Number Placeholder 8">
+            <a:extLst>
+              <a:ext uri="{FF2B5EF4-FFF2-40B4-BE49-F238E27FC236}">
+                <a16:creationId xmlns:a16="http://schemas.microsoft.com/office/drawing/2014/main" id="{7690C0D2-459A-04AA-FD90-7687D2FE8A9D}"/>
               </a:ext>
             </a:extLst>
           </p:cNvPr>
@@ -1862,18 +1940,18 @@
           <a:bodyPr/>
           <a:lstStyle/>
           <a:p>
-            <a:fld id="{E31EC408-072F-4346-BD0A-D6AA5788A305}" type="slidenum">
-              <a:rPr lang="zh-TW" altLang="en-US" smtClean="0"/>
+            <a:fld id="{5E4DE196-8A13-4FF7-A07E-102851959EAB}" type="slidenum">
+              <a:rPr lang="en-US" dirty="0"/>
               <a:t>‹#›</a:t>
             </a:fld>
-            <a:endParaRPr lang="zh-TW" altLang="en-US"/>
+            <a:endParaRPr lang="en-US" dirty="0"/>
           </a:p>
         </p:txBody>
       </p:sp>
     </p:spTree>
     <p:extLst>
       <p:ext uri="{BB962C8B-B14F-4D97-AF65-F5344CB8AC3E}">
-        <p14:creationId xmlns:p14="http://schemas.microsoft.com/office/powerpoint/2010/main" val="3379995638"/>
+        <p14:creationId xmlns:p14="http://schemas.microsoft.com/office/powerpoint/2010/main" val="593214663"/>
       </p:ext>
     </p:extLst>
   </p:cSld>
@@ -1885,7 +1963,7 @@
 
 <file path=ppt/slideLayouts/slideLayout6.xml><?xml version="1.0" encoding="utf-8"?>
 <p:sldLayout xmlns:a="http://schemas.openxmlformats.org/drawingml/2006/main" xmlns:r="http://schemas.openxmlformats.org/officeDocument/2006/relationships" xmlns:p="http://schemas.openxmlformats.org/presentationml/2006/main" type="titleOnly" preserve="1">
-  <p:cSld name="只有標題">
+  <p:cSld name="Title Only">
     <p:spTree>
       <p:nvGrpSpPr>
         <p:cNvPr id="1" name=""/>
@@ -1902,10 +1980,10 @@
       </p:grpSpPr>
       <p:sp>
         <p:nvSpPr>
-          <p:cNvPr id="2" name="標題 1">
-            <a:extLst>
-              <a:ext uri="{FF2B5EF4-FFF2-40B4-BE49-F238E27FC236}">
-                <a16:creationId xmlns:a16="http://schemas.microsoft.com/office/drawing/2014/main" id="{6CE04611-FD10-429D-89AA-73C259B64293}"/>
+          <p:cNvPr id="2" name="Title 1">
+            <a:extLst>
+              <a:ext uri="{FF2B5EF4-FFF2-40B4-BE49-F238E27FC236}">
+                <a16:creationId xmlns:a16="http://schemas.microsoft.com/office/drawing/2014/main" id="{B00D549F-FA71-857F-E02E-3CB63CE683E2}"/>
               </a:ext>
             </a:extLst>
           </p:cNvPr>
@@ -1922,18 +2000,18 @@
           <a:lstStyle/>
           <a:p>
             <a:r>
-              <a:rPr lang="zh-TW" altLang="en-US"/>
-              <a:t>按一下以編輯母片標題樣式</a:t>
-            </a:r>
-          </a:p>
-        </p:txBody>
-      </p:sp>
-      <p:sp>
-        <p:nvSpPr>
-          <p:cNvPr id="3" name="日期版面配置區 2">
-            <a:extLst>
-              <a:ext uri="{FF2B5EF4-FFF2-40B4-BE49-F238E27FC236}">
-                <a16:creationId xmlns:a16="http://schemas.microsoft.com/office/drawing/2014/main" id="{2D9009F3-A280-4DA8-ACC4-187DE2172BCA}"/>
+              <a:rPr lang="en-US" dirty="0"/>
+              <a:t>Click to edit Master title style</a:t>
+            </a:r>
+          </a:p>
+        </p:txBody>
+      </p:sp>
+      <p:sp>
+        <p:nvSpPr>
+          <p:cNvPr id="3" name="Date Placeholder 2">
+            <a:extLst>
+              <a:ext uri="{FF2B5EF4-FFF2-40B4-BE49-F238E27FC236}">
+                <a16:creationId xmlns:a16="http://schemas.microsoft.com/office/drawing/2014/main" id="{6F569611-F911-D3D4-B613-ACCDA56C45D2}"/>
               </a:ext>
             </a:extLst>
           </p:cNvPr>
@@ -1949,20 +2027,20 @@
           <a:bodyPr/>
           <a:lstStyle/>
           <a:p>
-            <a:fld id="{C3C90D7E-32D6-4894-AE08-7BBB3E610FC9}" type="datetimeFigureOut">
-              <a:rPr lang="zh-TW" altLang="en-US" smtClean="0"/>
-              <a:t>2024/9/16</a:t>
+            <a:fld id="{97144C44-5F8C-4BEA-BBCE-8694F126DC43}" type="datetimeFigureOut">
+              <a:rPr lang="en-US" dirty="0"/>
+              <a:t>10/23/2024</a:t>
             </a:fld>
-            <a:endParaRPr lang="zh-TW" altLang="en-US"/>
-          </a:p>
-        </p:txBody>
-      </p:sp>
-      <p:sp>
-        <p:nvSpPr>
-          <p:cNvPr id="4" name="頁尾版面配置區 3">
-            <a:extLst>
-              <a:ext uri="{FF2B5EF4-FFF2-40B4-BE49-F238E27FC236}">
-                <a16:creationId xmlns:a16="http://schemas.microsoft.com/office/drawing/2014/main" id="{F8FD791E-F627-4DDB-AD69-F7639FDD1767}"/>
+            <a:endParaRPr lang="en-US" dirty="0"/>
+          </a:p>
+        </p:txBody>
+      </p:sp>
+      <p:sp>
+        <p:nvSpPr>
+          <p:cNvPr id="4" name="Footer Placeholder 3">
+            <a:extLst>
+              <a:ext uri="{FF2B5EF4-FFF2-40B4-BE49-F238E27FC236}">
+                <a16:creationId xmlns:a16="http://schemas.microsoft.com/office/drawing/2014/main" id="{F6EA1961-0B6B-8FEB-F2CB-C42E90EF2DFD}"/>
               </a:ext>
             </a:extLst>
           </p:cNvPr>
@@ -1978,16 +2056,20 @@
           <a:bodyPr/>
           <a:lstStyle/>
           <a:p>
-            <a:endParaRPr lang="zh-TW" altLang="en-US"/>
-          </a:p>
-        </p:txBody>
-      </p:sp>
-      <p:sp>
-        <p:nvSpPr>
-          <p:cNvPr id="5" name="投影片編號版面配置區 4">
-            <a:extLst>
-              <a:ext uri="{FF2B5EF4-FFF2-40B4-BE49-F238E27FC236}">
-                <a16:creationId xmlns:a16="http://schemas.microsoft.com/office/drawing/2014/main" id="{CE9C3C73-9A1B-4A20-B40C-BF8E0726E9AE}"/>
+            <a:r>
+              <a:rPr lang="en-US" dirty="0"/>
+              <a:t>
+              </a:t>
+            </a:r>
+          </a:p>
+        </p:txBody>
+      </p:sp>
+      <p:sp>
+        <p:nvSpPr>
+          <p:cNvPr id="5" name="Slide Number Placeholder 4">
+            <a:extLst>
+              <a:ext uri="{FF2B5EF4-FFF2-40B4-BE49-F238E27FC236}">
+                <a16:creationId xmlns:a16="http://schemas.microsoft.com/office/drawing/2014/main" id="{F42AA80E-3139-9F1B-9C3E-2A76628CF4F8}"/>
               </a:ext>
             </a:extLst>
           </p:cNvPr>
@@ -2003,18 +2085,18 @@
           <a:bodyPr/>
           <a:lstStyle/>
           <a:p>
-            <a:fld id="{E31EC408-072F-4346-BD0A-D6AA5788A305}" type="slidenum">
-              <a:rPr lang="zh-TW" altLang="en-US" smtClean="0"/>
+            <a:fld id="{5E4DE196-8A13-4FF7-A07E-102851959EAB}" type="slidenum">
+              <a:rPr lang="en-US" dirty="0"/>
               <a:t>‹#›</a:t>
             </a:fld>
-            <a:endParaRPr lang="zh-TW" altLang="en-US"/>
+            <a:endParaRPr lang="en-US" dirty="0"/>
           </a:p>
         </p:txBody>
       </p:sp>
     </p:spTree>
     <p:extLst>
       <p:ext uri="{BB962C8B-B14F-4D97-AF65-F5344CB8AC3E}">
-        <p14:creationId xmlns:p14="http://schemas.microsoft.com/office/powerpoint/2010/main" val="3116621787"/>
+        <p14:creationId xmlns:p14="http://schemas.microsoft.com/office/powerpoint/2010/main" val="3741164308"/>
       </p:ext>
     </p:extLst>
   </p:cSld>
@@ -2026,7 +2108,7 @@
 
 <file path=ppt/slideLayouts/slideLayout7.xml><?xml version="1.0" encoding="utf-8"?>
 <p:sldLayout xmlns:a="http://schemas.openxmlformats.org/drawingml/2006/main" xmlns:r="http://schemas.openxmlformats.org/officeDocument/2006/relationships" xmlns:p="http://schemas.openxmlformats.org/presentationml/2006/main" type="blank" preserve="1">
-  <p:cSld name="空白">
+  <p:cSld name="Blank">
     <p:spTree>
       <p:nvGrpSpPr>
         <p:cNvPr id="1" name=""/>
@@ -2043,10 +2125,10 @@
       </p:grpSpPr>
       <p:sp>
         <p:nvSpPr>
-          <p:cNvPr id="2" name="日期版面配置區 1">
-            <a:extLst>
-              <a:ext uri="{FF2B5EF4-FFF2-40B4-BE49-F238E27FC236}">
-                <a16:creationId xmlns:a16="http://schemas.microsoft.com/office/drawing/2014/main" id="{1E1D8EED-F2A7-4221-9887-0DBB62EB3F80}"/>
+          <p:cNvPr id="2" name="Date Placeholder 1">
+            <a:extLst>
+              <a:ext uri="{FF2B5EF4-FFF2-40B4-BE49-F238E27FC236}">
+                <a16:creationId xmlns:a16="http://schemas.microsoft.com/office/drawing/2014/main" id="{1AF54789-9F96-511A-0FB6-24F6A8418C72}"/>
               </a:ext>
             </a:extLst>
           </p:cNvPr>
@@ -2062,20 +2144,20 @@
           <a:bodyPr/>
           <a:lstStyle/>
           <a:p>
-            <a:fld id="{C3C90D7E-32D6-4894-AE08-7BBB3E610FC9}" type="datetimeFigureOut">
-              <a:rPr lang="zh-TW" altLang="en-US" smtClean="0"/>
-              <a:t>2024/9/16</a:t>
+            <a:fld id="{039E56F9-C8F2-4EF7-8042-704C94FF2795}" type="datetimeFigureOut">
+              <a:rPr lang="en-US" dirty="0"/>
+              <a:t>10/23/2024</a:t>
             </a:fld>
-            <a:endParaRPr lang="zh-TW" altLang="en-US"/>
-          </a:p>
-        </p:txBody>
-      </p:sp>
-      <p:sp>
-        <p:nvSpPr>
-          <p:cNvPr id="3" name="頁尾版面配置區 2">
-            <a:extLst>
-              <a:ext uri="{FF2B5EF4-FFF2-40B4-BE49-F238E27FC236}">
-                <a16:creationId xmlns:a16="http://schemas.microsoft.com/office/drawing/2014/main" id="{10593B39-DC86-45A7-85EF-B4DB9C28DC80}"/>
+            <a:endParaRPr lang="en-US" dirty="0"/>
+          </a:p>
+        </p:txBody>
+      </p:sp>
+      <p:sp>
+        <p:nvSpPr>
+          <p:cNvPr id="3" name="Footer Placeholder 2">
+            <a:extLst>
+              <a:ext uri="{FF2B5EF4-FFF2-40B4-BE49-F238E27FC236}">
+                <a16:creationId xmlns:a16="http://schemas.microsoft.com/office/drawing/2014/main" id="{8B780399-ADEF-8F74-9F59-6AD804C9393E}"/>
               </a:ext>
             </a:extLst>
           </p:cNvPr>
@@ -2091,16 +2173,20 @@
           <a:bodyPr/>
           <a:lstStyle/>
           <a:p>
-            <a:endParaRPr lang="zh-TW" altLang="en-US"/>
-          </a:p>
-        </p:txBody>
-      </p:sp>
-      <p:sp>
-        <p:nvSpPr>
-          <p:cNvPr id="4" name="投影片編號版面配置區 3">
-            <a:extLst>
-              <a:ext uri="{FF2B5EF4-FFF2-40B4-BE49-F238E27FC236}">
-                <a16:creationId xmlns:a16="http://schemas.microsoft.com/office/drawing/2014/main" id="{3D9056B2-6966-4CAF-94D1-2295A737E168}"/>
+            <a:r>
+              <a:rPr lang="en-US" dirty="0"/>
+              <a:t>
+              </a:t>
+            </a:r>
+          </a:p>
+        </p:txBody>
+      </p:sp>
+      <p:sp>
+        <p:nvSpPr>
+          <p:cNvPr id="4" name="Slide Number Placeholder 3">
+            <a:extLst>
+              <a:ext uri="{FF2B5EF4-FFF2-40B4-BE49-F238E27FC236}">
+                <a16:creationId xmlns:a16="http://schemas.microsoft.com/office/drawing/2014/main" id="{95B6A34F-ABAB-9C4E-38A1-C6EEB944B97C}"/>
               </a:ext>
             </a:extLst>
           </p:cNvPr>
@@ -2116,18 +2202,18 @@
           <a:bodyPr/>
           <a:lstStyle/>
           <a:p>
-            <a:fld id="{E31EC408-072F-4346-BD0A-D6AA5788A305}" type="slidenum">
-              <a:rPr lang="zh-TW" altLang="en-US" smtClean="0"/>
+            <a:fld id="{5E4DE196-8A13-4FF7-A07E-102851959EAB}" type="slidenum">
+              <a:rPr lang="en-US" dirty="0"/>
               <a:t>‹#›</a:t>
             </a:fld>
-            <a:endParaRPr lang="zh-TW" altLang="en-US"/>
+            <a:endParaRPr lang="en-US" dirty="0"/>
           </a:p>
         </p:txBody>
       </p:sp>
     </p:spTree>
     <p:extLst>
       <p:ext uri="{BB962C8B-B14F-4D97-AF65-F5344CB8AC3E}">
-        <p14:creationId xmlns:p14="http://schemas.microsoft.com/office/powerpoint/2010/main" val="3887241942"/>
+        <p14:creationId xmlns:p14="http://schemas.microsoft.com/office/powerpoint/2010/main" val="3422056769"/>
       </p:ext>
     </p:extLst>
   </p:cSld>
@@ -2139,7 +2225,7 @@
 
 <file path=ppt/slideLayouts/slideLayout8.xml><?xml version="1.0" encoding="utf-8"?>
 <p:sldLayout xmlns:a="http://schemas.openxmlformats.org/drawingml/2006/main" xmlns:r="http://schemas.openxmlformats.org/officeDocument/2006/relationships" xmlns:p="http://schemas.openxmlformats.org/presentationml/2006/main" type="objTx" preserve="1">
-  <p:cSld name="含輔助字幕的內容">
+  <p:cSld name="Content with Caption">
     <p:spTree>
       <p:nvGrpSpPr>
         <p:cNvPr id="1" name=""/>
@@ -2156,10 +2242,10 @@
       </p:grpSpPr>
       <p:sp>
         <p:nvSpPr>
-          <p:cNvPr id="2" name="標題 1">
-            <a:extLst>
-              <a:ext uri="{FF2B5EF4-FFF2-40B4-BE49-F238E27FC236}">
-                <a16:creationId xmlns:a16="http://schemas.microsoft.com/office/drawing/2014/main" id="{5C3076DF-D16B-4600-9550-96C6A8DD7F1A}"/>
+          <p:cNvPr id="2" name="Title 1">
+            <a:extLst>
+              <a:ext uri="{FF2B5EF4-FFF2-40B4-BE49-F238E27FC236}">
+                <a16:creationId xmlns:a16="http://schemas.microsoft.com/office/drawing/2014/main" id="{2EFE3917-2BF6-1CE2-F34B-49F0D09A1B91}"/>
               </a:ext>
             </a:extLst>
           </p:cNvPr>
@@ -2172,31 +2258,33 @@
         </p:nvSpPr>
         <p:spPr>
           <a:xfrm>
-            <a:off x="839788" y="457200"/>
-            <a:ext cx="3932237" cy="1600200"/>
-          </a:xfrm>
-        </p:spPr>
-        <p:txBody>
-          <a:bodyPr anchor="b"/>
+            <a:off x="839788" y="807868"/>
+            <a:ext cx="3640713" cy="2062594"/>
+          </a:xfrm>
+        </p:spPr>
+        <p:txBody>
+          <a:bodyPr anchor="t">
+            <a:normAutofit/>
+          </a:bodyPr>
           <a:lstStyle>
             <a:lvl1pPr>
-              <a:defRPr sz="3200"/>
+              <a:defRPr sz="2800"/>
             </a:lvl1pPr>
           </a:lstStyle>
           <a:p>
             <a:r>
-              <a:rPr lang="zh-TW" altLang="en-US"/>
-              <a:t>按一下以編輯母片標題樣式</a:t>
-            </a:r>
-          </a:p>
-        </p:txBody>
-      </p:sp>
-      <p:sp>
-        <p:nvSpPr>
-          <p:cNvPr id="3" name="內容版面配置區 2">
-            <a:extLst>
-              <a:ext uri="{FF2B5EF4-FFF2-40B4-BE49-F238E27FC236}">
-                <a16:creationId xmlns:a16="http://schemas.microsoft.com/office/drawing/2014/main" id="{9CD3D667-FDE5-4F5D-9495-588EC18912CE}"/>
+              <a:rPr lang="en-US" dirty="0"/>
+              <a:t>Click to edit Master title style</a:t>
+            </a:r>
+          </a:p>
+        </p:txBody>
+      </p:sp>
+      <p:sp>
+        <p:nvSpPr>
+          <p:cNvPr id="3" name="Content Placeholder 2">
+            <a:extLst>
+              <a:ext uri="{FF2B5EF4-FFF2-40B4-BE49-F238E27FC236}">
+                <a16:creationId xmlns:a16="http://schemas.microsoft.com/office/drawing/2014/main" id="{40815B8F-A9F3-8583-FFF1-175021F17AF0}"/>
               </a:ext>
             </a:extLst>
           </p:cNvPr>
@@ -2209,84 +2297,86 @@
         </p:nvSpPr>
         <p:spPr>
           <a:xfrm>
-            <a:off x="5183188" y="987425"/>
-            <a:ext cx="6172200" cy="4873625"/>
-          </a:xfrm>
-        </p:spPr>
-        <p:txBody>
-          <a:bodyPr/>
+            <a:off x="5432898" y="807867"/>
+            <a:ext cx="5922489" cy="5053183"/>
+          </a:xfrm>
+        </p:spPr>
+        <p:txBody>
+          <a:bodyPr>
+            <a:normAutofit/>
+          </a:bodyPr>
           <a:lstStyle>
             <a:lvl1pPr>
-              <a:defRPr sz="3200"/>
+              <a:defRPr sz="2400"/>
             </a:lvl1pPr>
             <a:lvl2pPr>
-              <a:defRPr sz="2800"/>
+              <a:defRPr sz="2000"/>
             </a:lvl2pPr>
             <a:lvl3pPr>
-              <a:defRPr sz="2400"/>
+              <a:defRPr sz="1800"/>
             </a:lvl3pPr>
             <a:lvl4pPr>
-              <a:defRPr sz="2000"/>
+              <a:defRPr sz="1600"/>
             </a:lvl4pPr>
             <a:lvl5pPr>
-              <a:defRPr sz="2000"/>
+              <a:defRPr sz="1600"/>
             </a:lvl5pPr>
             <a:lvl6pPr>
-              <a:defRPr sz="2000"/>
+              <a:defRPr sz="1600"/>
             </a:lvl6pPr>
             <a:lvl7pPr>
-              <a:defRPr sz="2000"/>
+              <a:defRPr sz="1600"/>
             </a:lvl7pPr>
             <a:lvl8pPr>
-              <a:defRPr sz="2000"/>
+              <a:defRPr sz="1600"/>
             </a:lvl8pPr>
             <a:lvl9pPr>
-              <a:defRPr sz="2000"/>
+              <a:defRPr sz="1600"/>
             </a:lvl9pPr>
           </a:lstStyle>
           <a:p>
             <a:pPr lvl="0"/>
             <a:r>
-              <a:rPr lang="zh-TW" altLang="en-US"/>
-              <a:t>按一下以編輯母片文字樣式</a:t>
+              <a:rPr lang="en-US" dirty="0"/>
+              <a:t>Click to edit Master text styles</a:t>
             </a:r>
           </a:p>
           <a:p>
             <a:pPr lvl="1"/>
             <a:r>
-              <a:rPr lang="zh-TW" altLang="en-US"/>
-              <a:t>第二層</a:t>
+              <a:rPr lang="en-US" dirty="0"/>
+              <a:t>Second level</a:t>
             </a:r>
           </a:p>
           <a:p>
             <a:pPr lvl="2"/>
             <a:r>
-              <a:rPr lang="zh-TW" altLang="en-US"/>
-              <a:t>第三層</a:t>
+              <a:rPr lang="en-US" dirty="0"/>
+              <a:t>Third level</a:t>
             </a:r>
           </a:p>
           <a:p>
             <a:pPr lvl="3"/>
             <a:r>
-              <a:rPr lang="zh-TW" altLang="en-US"/>
-              <a:t>第四層</a:t>
+              <a:rPr lang="en-US" dirty="0"/>
+              <a:t>Fourth level</a:t>
             </a:r>
           </a:p>
           <a:p>
             <a:pPr lvl="4"/>
             <a:r>
-              <a:rPr lang="zh-TW" altLang="en-US"/>
-              <a:t>第五層</a:t>
-            </a:r>
-          </a:p>
-        </p:txBody>
-      </p:sp>
-      <p:sp>
-        <p:nvSpPr>
-          <p:cNvPr id="4" name="文字版面配置區 3">
-            <a:extLst>
-              <a:ext uri="{FF2B5EF4-FFF2-40B4-BE49-F238E27FC236}">
-                <a16:creationId xmlns:a16="http://schemas.microsoft.com/office/drawing/2014/main" id="{22F511E7-BEEF-4F51-BA0E-52C1908D5608}"/>
+              <a:rPr lang="en-US" dirty="0"/>
+              <a:t>Fifth level</a:t>
+            </a:r>
+          </a:p>
+        </p:txBody>
+      </p:sp>
+      <p:sp>
+        <p:nvSpPr>
+          <p:cNvPr id="4" name="Text Placeholder 3">
+            <a:extLst>
+              <a:ext uri="{FF2B5EF4-FFF2-40B4-BE49-F238E27FC236}">
+                <a16:creationId xmlns:a16="http://schemas.microsoft.com/office/drawing/2014/main" id="{C5D90AFF-A949-CE9E-6B94-C1B619612915}"/>
               </a:ext>
             </a:extLst>
           </p:cNvPr>
@@ -2299,12 +2389,12 @@
         </p:nvSpPr>
         <p:spPr>
           <a:xfrm>
-            <a:off x="839788" y="2057400"/>
-            <a:ext cx="3932237" cy="3811588"/>
-          </a:xfrm>
-        </p:spPr>
-        <p:txBody>
-          <a:bodyPr/>
+            <a:off x="839788" y="3000652"/>
+            <a:ext cx="3640713" cy="2868336"/>
+          </a:xfrm>
+        </p:spPr>
+        <p:txBody>
+          <a:bodyPr anchor="b"/>
           <a:lstStyle>
             <a:lvl1pPr marL="0" indent="0">
               <a:buNone/>
@@ -2346,18 +2436,18 @@
           <a:p>
             <a:pPr lvl="0"/>
             <a:r>
-              <a:rPr lang="zh-TW" altLang="en-US"/>
-              <a:t>按一下以編輯母片文字樣式</a:t>
-            </a:r>
-          </a:p>
-        </p:txBody>
-      </p:sp>
-      <p:sp>
-        <p:nvSpPr>
-          <p:cNvPr id="5" name="日期版面配置區 4">
-            <a:extLst>
-              <a:ext uri="{FF2B5EF4-FFF2-40B4-BE49-F238E27FC236}">
-                <a16:creationId xmlns:a16="http://schemas.microsoft.com/office/drawing/2014/main" id="{88060697-A92E-4178-A790-FCBB90D70573}"/>
+              <a:rPr lang="en-US" dirty="0"/>
+              <a:t>Click to edit Master text styles</a:t>
+            </a:r>
+          </a:p>
+        </p:txBody>
+      </p:sp>
+      <p:sp>
+        <p:nvSpPr>
+          <p:cNvPr id="5" name="Date Placeholder 4">
+            <a:extLst>
+              <a:ext uri="{FF2B5EF4-FFF2-40B4-BE49-F238E27FC236}">
+                <a16:creationId xmlns:a16="http://schemas.microsoft.com/office/drawing/2014/main" id="{DA95267E-088F-FB9A-9469-551890F29F01}"/>
               </a:ext>
             </a:extLst>
           </p:cNvPr>
@@ -2373,20 +2463,20 @@
           <a:bodyPr/>
           <a:lstStyle/>
           <a:p>
-            <a:fld id="{C3C90D7E-32D6-4894-AE08-7BBB3E610FC9}" type="datetimeFigureOut">
-              <a:rPr lang="zh-TW" altLang="en-US" smtClean="0"/>
-              <a:t>2024/9/16</a:t>
+            <a:fld id="{4F6932DF-953D-44BD-83F8-5D8DA76EA12A}" type="datetimeFigureOut">
+              <a:rPr lang="en-US" dirty="0"/>
+              <a:t>10/23/2024</a:t>
             </a:fld>
-            <a:endParaRPr lang="zh-TW" altLang="en-US"/>
-          </a:p>
-        </p:txBody>
-      </p:sp>
-      <p:sp>
-        <p:nvSpPr>
-          <p:cNvPr id="6" name="頁尾版面配置區 5">
-            <a:extLst>
-              <a:ext uri="{FF2B5EF4-FFF2-40B4-BE49-F238E27FC236}">
-                <a16:creationId xmlns:a16="http://schemas.microsoft.com/office/drawing/2014/main" id="{2A8E3F57-A99A-4C4C-BF14-EE42AB99CE78}"/>
+            <a:endParaRPr lang="en-US" dirty="0"/>
+          </a:p>
+        </p:txBody>
+      </p:sp>
+      <p:sp>
+        <p:nvSpPr>
+          <p:cNvPr id="6" name="Footer Placeholder 5">
+            <a:extLst>
+              <a:ext uri="{FF2B5EF4-FFF2-40B4-BE49-F238E27FC236}">
+                <a16:creationId xmlns:a16="http://schemas.microsoft.com/office/drawing/2014/main" id="{38EA3FFC-B3A6-C0B6-5DAE-70BE0D6FBD69}"/>
               </a:ext>
             </a:extLst>
           </p:cNvPr>
@@ -2402,16 +2492,20 @@
           <a:bodyPr/>
           <a:lstStyle/>
           <a:p>
-            <a:endParaRPr lang="zh-TW" altLang="en-US"/>
-          </a:p>
-        </p:txBody>
-      </p:sp>
-      <p:sp>
-        <p:nvSpPr>
-          <p:cNvPr id="7" name="投影片編號版面配置區 6">
-            <a:extLst>
-              <a:ext uri="{FF2B5EF4-FFF2-40B4-BE49-F238E27FC236}">
-                <a16:creationId xmlns:a16="http://schemas.microsoft.com/office/drawing/2014/main" id="{39234440-6924-48D7-AC1A-200D5946BCA9}"/>
+            <a:r>
+              <a:rPr lang="en-US" dirty="0"/>
+              <a:t>
+              </a:t>
+            </a:r>
+          </a:p>
+        </p:txBody>
+      </p:sp>
+      <p:sp>
+        <p:nvSpPr>
+          <p:cNvPr id="7" name="Slide Number Placeholder 6">
+            <a:extLst>
+              <a:ext uri="{FF2B5EF4-FFF2-40B4-BE49-F238E27FC236}">
+                <a16:creationId xmlns:a16="http://schemas.microsoft.com/office/drawing/2014/main" id="{B108D35F-BC2E-8D14-060F-449CBAF7C0D2}"/>
               </a:ext>
             </a:extLst>
           </p:cNvPr>
@@ -2427,18 +2521,18 @@
           <a:bodyPr/>
           <a:lstStyle/>
           <a:p>
-            <a:fld id="{E31EC408-072F-4346-BD0A-D6AA5788A305}" type="slidenum">
-              <a:rPr lang="zh-TW" altLang="en-US" smtClean="0"/>
+            <a:fld id="{5E4DE196-8A13-4FF7-A07E-102851959EAB}" type="slidenum">
+              <a:rPr lang="en-US" dirty="0"/>
               <a:t>‹#›</a:t>
             </a:fld>
-            <a:endParaRPr lang="zh-TW" altLang="en-US"/>
+            <a:endParaRPr lang="en-US" dirty="0"/>
           </a:p>
         </p:txBody>
       </p:sp>
     </p:spTree>
     <p:extLst>
       <p:ext uri="{BB962C8B-B14F-4D97-AF65-F5344CB8AC3E}">
-        <p14:creationId xmlns:p14="http://schemas.microsoft.com/office/powerpoint/2010/main" val="2036183199"/>
+        <p14:creationId xmlns:p14="http://schemas.microsoft.com/office/powerpoint/2010/main" val="912476228"/>
       </p:ext>
     </p:extLst>
   </p:cSld>
@@ -2450,7 +2544,7 @@
 
 <file path=ppt/slideLayouts/slideLayout9.xml><?xml version="1.0" encoding="utf-8"?>
 <p:sldLayout xmlns:a="http://schemas.openxmlformats.org/drawingml/2006/main" xmlns:r="http://schemas.openxmlformats.org/officeDocument/2006/relationships" xmlns:p="http://schemas.openxmlformats.org/presentationml/2006/main" type="picTx" preserve="1">
-  <p:cSld name="含輔助字幕的圖片">
+  <p:cSld name="Picture with Caption">
     <p:spTree>
       <p:nvGrpSpPr>
         <p:cNvPr id="1" name=""/>
@@ -2467,10 +2561,10 @@
       </p:grpSpPr>
       <p:sp>
         <p:nvSpPr>
-          <p:cNvPr id="2" name="標題 1">
-            <a:extLst>
-              <a:ext uri="{FF2B5EF4-FFF2-40B4-BE49-F238E27FC236}">
-                <a16:creationId xmlns:a16="http://schemas.microsoft.com/office/drawing/2014/main" id="{B2E81694-0B93-4D65-9DA3-21597478A96C}"/>
+          <p:cNvPr id="2" name="Title 1">
+            <a:extLst>
+              <a:ext uri="{FF2B5EF4-FFF2-40B4-BE49-F238E27FC236}">
+                <a16:creationId xmlns:a16="http://schemas.microsoft.com/office/drawing/2014/main" id="{638909ED-ED97-A3CE-5569-77B45F41450A}"/>
               </a:ext>
             </a:extLst>
           </p:cNvPr>
@@ -2483,36 +2577,38 @@
         </p:nvSpPr>
         <p:spPr>
           <a:xfrm>
-            <a:off x="839788" y="457200"/>
-            <a:ext cx="3932237" cy="1600200"/>
-          </a:xfrm>
-        </p:spPr>
-        <p:txBody>
-          <a:bodyPr anchor="b"/>
+            <a:off x="839788" y="820881"/>
+            <a:ext cx="3639312" cy="2062595"/>
+          </a:xfrm>
+        </p:spPr>
+        <p:txBody>
+          <a:bodyPr anchor="t">
+            <a:normAutofit/>
+          </a:bodyPr>
           <a:lstStyle>
             <a:lvl1pPr>
-              <a:defRPr sz="3200"/>
+              <a:defRPr sz="2800"/>
             </a:lvl1pPr>
           </a:lstStyle>
           <a:p>
             <a:r>
-              <a:rPr lang="zh-TW" altLang="en-US"/>
-              <a:t>按一下以編輯母片標題樣式</a:t>
-            </a:r>
-          </a:p>
-        </p:txBody>
-      </p:sp>
-      <p:sp>
-        <p:nvSpPr>
-          <p:cNvPr id="3" name="圖片版面配置區 2">
-            <a:extLst>
-              <a:ext uri="{FF2B5EF4-FFF2-40B4-BE49-F238E27FC236}">
-                <a16:creationId xmlns:a16="http://schemas.microsoft.com/office/drawing/2014/main" id="{23E4D718-8CB0-4334-BB8A-FB8B57D7CDC6}"/>
-              </a:ext>
-            </a:extLst>
-          </p:cNvPr>
-          <p:cNvSpPr>
-            <a:spLocks noGrp="1"/>
+              <a:rPr lang="en-US" dirty="0"/>
+              <a:t>Click to edit Master title style</a:t>
+            </a:r>
+          </a:p>
+        </p:txBody>
+      </p:sp>
+      <p:sp>
+        <p:nvSpPr>
+          <p:cNvPr id="3" name="Picture Placeholder 2">
+            <a:extLst>
+              <a:ext uri="{FF2B5EF4-FFF2-40B4-BE49-F238E27FC236}">
+                <a16:creationId xmlns:a16="http://schemas.microsoft.com/office/drawing/2014/main" id="{0683BB3A-9E24-DE4C-9619-1502F1B6F389}"/>
+              </a:ext>
+            </a:extLst>
+          </p:cNvPr>
+          <p:cNvSpPr>
+            <a:spLocks noGrp="1" noChangeAspect="1"/>
           </p:cNvSpPr>
           <p:nvPr>
             <p:ph type="pic" idx="1"/>
@@ -2520,12 +2616,12 @@
         </p:nvSpPr>
         <p:spPr>
           <a:xfrm>
-            <a:off x="5183188" y="987425"/>
-            <a:ext cx="6172200" cy="4873625"/>
-          </a:xfrm>
-        </p:spPr>
-        <p:txBody>
-          <a:bodyPr/>
+            <a:off x="5247408" y="919595"/>
+            <a:ext cx="6107979" cy="5013614"/>
+          </a:xfrm>
+        </p:spPr>
+        <p:txBody>
+          <a:bodyPr anchor="t"/>
           <a:lstStyle>
             <a:lvl1pPr marL="0" indent="0">
               <a:buNone/>
@@ -2565,16 +2661,16 @@
             </a:lvl9pPr>
           </a:lstStyle>
           <a:p>
-            <a:endParaRPr lang="zh-TW" altLang="en-US"/>
-          </a:p>
-        </p:txBody>
-      </p:sp>
-      <p:sp>
-        <p:nvSpPr>
-          <p:cNvPr id="4" name="文字版面配置區 3">
-            <a:extLst>
-              <a:ext uri="{FF2B5EF4-FFF2-40B4-BE49-F238E27FC236}">
-                <a16:creationId xmlns:a16="http://schemas.microsoft.com/office/drawing/2014/main" id="{0DC47463-53E7-4FE3-B60B-1657D11127BD}"/>
+            <a:endParaRPr/>
+          </a:p>
+        </p:txBody>
+      </p:sp>
+      <p:sp>
+        <p:nvSpPr>
+          <p:cNvPr id="4" name="Text Placeholder 3">
+            <a:extLst>
+              <a:ext uri="{FF2B5EF4-FFF2-40B4-BE49-F238E27FC236}">
+                <a16:creationId xmlns:a16="http://schemas.microsoft.com/office/drawing/2014/main" id="{94B4CE1F-29E0-88BB-8489-E58236B8B17B}"/>
               </a:ext>
             </a:extLst>
           </p:cNvPr>
@@ -2587,12 +2683,12 @@
         </p:nvSpPr>
         <p:spPr>
           <a:xfrm>
-            <a:off x="839788" y="2057400"/>
-            <a:ext cx="3932237" cy="3811588"/>
-          </a:xfrm>
-        </p:spPr>
-        <p:txBody>
-          <a:bodyPr/>
+            <a:off x="839788" y="3000652"/>
+            <a:ext cx="3643889" cy="2868336"/>
+          </a:xfrm>
+        </p:spPr>
+        <p:txBody>
+          <a:bodyPr anchor="b"/>
           <a:lstStyle>
             <a:lvl1pPr marL="0" indent="0">
               <a:buNone/>
@@ -2634,18 +2730,18 @@
           <a:p>
             <a:pPr lvl="0"/>
             <a:r>
-              <a:rPr lang="zh-TW" altLang="en-US"/>
-              <a:t>按一下以編輯母片文字樣式</a:t>
-            </a:r>
-          </a:p>
-        </p:txBody>
-      </p:sp>
-      <p:sp>
-        <p:nvSpPr>
-          <p:cNvPr id="5" name="日期版面配置區 4">
-            <a:extLst>
-              <a:ext uri="{FF2B5EF4-FFF2-40B4-BE49-F238E27FC236}">
-                <a16:creationId xmlns:a16="http://schemas.microsoft.com/office/drawing/2014/main" id="{28875DC5-6AFF-40C0-8C77-F81A0A3E1B0F}"/>
+              <a:rPr lang="en-US" dirty="0"/>
+              <a:t>Click to edit Master text styles</a:t>
+            </a:r>
+          </a:p>
+        </p:txBody>
+      </p:sp>
+      <p:sp>
+        <p:nvSpPr>
+          <p:cNvPr id="5" name="Date Placeholder 4">
+            <a:extLst>
+              <a:ext uri="{FF2B5EF4-FFF2-40B4-BE49-F238E27FC236}">
+                <a16:creationId xmlns:a16="http://schemas.microsoft.com/office/drawing/2014/main" id="{724B7212-6816-FFD1-50B2-58844AD38E26}"/>
               </a:ext>
             </a:extLst>
           </p:cNvPr>
@@ -2661,20 +2757,20 @@
           <a:bodyPr/>
           <a:lstStyle/>
           <a:p>
-            <a:fld id="{C3C90D7E-32D6-4894-AE08-7BBB3E610FC9}" type="datetimeFigureOut">
-              <a:rPr lang="zh-TW" altLang="en-US" smtClean="0"/>
-              <a:t>2024/9/16</a:t>
+            <a:fld id="{352F326D-65F4-4B2F-9A62-9E4BD9402C47}" type="datetimeFigureOut">
+              <a:rPr lang="en-US" dirty="0"/>
+              <a:t>10/23/2024</a:t>
             </a:fld>
-            <a:endParaRPr lang="zh-TW" altLang="en-US"/>
-          </a:p>
-        </p:txBody>
-      </p:sp>
-      <p:sp>
-        <p:nvSpPr>
-          <p:cNvPr id="6" name="頁尾版面配置區 5">
-            <a:extLst>
-              <a:ext uri="{FF2B5EF4-FFF2-40B4-BE49-F238E27FC236}">
-                <a16:creationId xmlns:a16="http://schemas.microsoft.com/office/drawing/2014/main" id="{24F8A973-6D07-4F0C-97A0-280FEFC238E0}"/>
+            <a:endParaRPr lang="en-US" dirty="0"/>
+          </a:p>
+        </p:txBody>
+      </p:sp>
+      <p:sp>
+        <p:nvSpPr>
+          <p:cNvPr id="6" name="Footer Placeholder 5">
+            <a:extLst>
+              <a:ext uri="{FF2B5EF4-FFF2-40B4-BE49-F238E27FC236}">
+                <a16:creationId xmlns:a16="http://schemas.microsoft.com/office/drawing/2014/main" id="{A2417744-5A24-B7B7-5FD6-E98E60832F27}"/>
               </a:ext>
             </a:extLst>
           </p:cNvPr>
@@ -2690,16 +2786,20 @@
           <a:bodyPr/>
           <a:lstStyle/>
           <a:p>
-            <a:endParaRPr lang="zh-TW" altLang="en-US"/>
-          </a:p>
-        </p:txBody>
-      </p:sp>
-      <p:sp>
-        <p:nvSpPr>
-          <p:cNvPr id="7" name="投影片編號版面配置區 6">
-            <a:extLst>
-              <a:ext uri="{FF2B5EF4-FFF2-40B4-BE49-F238E27FC236}">
-                <a16:creationId xmlns:a16="http://schemas.microsoft.com/office/drawing/2014/main" id="{DB60BB1E-F41B-40F0-929B-5208374980BF}"/>
+            <a:r>
+              <a:rPr lang="en-US" dirty="0"/>
+              <a:t>
+              </a:t>
+            </a:r>
+          </a:p>
+        </p:txBody>
+      </p:sp>
+      <p:sp>
+        <p:nvSpPr>
+          <p:cNvPr id="7" name="Slide Number Placeholder 6">
+            <a:extLst>
+              <a:ext uri="{FF2B5EF4-FFF2-40B4-BE49-F238E27FC236}">
+                <a16:creationId xmlns:a16="http://schemas.microsoft.com/office/drawing/2014/main" id="{14CDA4D1-A71D-A7A6-3D0C-294E5D280BE8}"/>
               </a:ext>
             </a:extLst>
           </p:cNvPr>
@@ -2715,18 +2815,18 @@
           <a:bodyPr/>
           <a:lstStyle/>
           <a:p>
-            <a:fld id="{E31EC408-072F-4346-BD0A-D6AA5788A305}" type="slidenum">
-              <a:rPr lang="zh-TW" altLang="en-US" smtClean="0"/>
+            <a:fld id="{5E4DE196-8A13-4FF7-A07E-102851959EAB}" type="slidenum">
+              <a:rPr lang="en-US" dirty="0"/>
               <a:t>‹#›</a:t>
             </a:fld>
-            <a:endParaRPr lang="zh-TW" altLang="en-US"/>
+            <a:endParaRPr lang="en-US" dirty="0"/>
           </a:p>
         </p:txBody>
       </p:sp>
     </p:spTree>
     <p:extLst>
       <p:ext uri="{BB962C8B-B14F-4D97-AF65-F5344CB8AC3E}">
-        <p14:creationId xmlns:p14="http://schemas.microsoft.com/office/powerpoint/2010/main" val="3148270851"/>
+        <p14:creationId xmlns:p14="http://schemas.microsoft.com/office/powerpoint/2010/main" val="732958904"/>
       </p:ext>
     </p:extLst>
   </p:cSld>
@@ -2760,68 +2860,118 @@
       </p:grpSpPr>
       <p:sp>
         <p:nvSpPr>
-          <p:cNvPr id="2" name="標題版面配置區 1">
-            <a:extLst>
-              <a:ext uri="{FF2B5EF4-FFF2-40B4-BE49-F238E27FC236}">
-                <a16:creationId xmlns:a16="http://schemas.microsoft.com/office/drawing/2014/main" id="{B8575AAC-624C-4B52-ABD4-699B1E35D2CF}"/>
-              </a:ext>
-            </a:extLst>
-          </p:cNvPr>
-          <p:cNvSpPr>
-            <a:spLocks noGrp="1"/>
-          </p:cNvSpPr>
-          <p:nvPr>
-            <p:ph type="title"/>
-          </p:nvPr>
-        </p:nvSpPr>
-        <p:spPr>
-          <a:xfrm>
-            <a:off x="838200" y="365125"/>
-            <a:ext cx="10515600" cy="1325563"/>
+          <p:cNvPr id="7" name="Rectangle 6">
+            <a:extLst>
+              <a:ext uri="{FF2B5EF4-FFF2-40B4-BE49-F238E27FC236}">
+                <a16:creationId xmlns:a16="http://schemas.microsoft.com/office/drawing/2014/main" id="{95858A62-FE72-978B-BE71-05908D82E1A4}"/>
+              </a:ext>
+            </a:extLst>
+          </p:cNvPr>
+          <p:cNvSpPr/>
+          <p:nvPr/>
+        </p:nvSpPr>
+        <p:spPr>
+          <a:xfrm>
+            <a:off x="0" y="0"/>
+            <a:ext cx="12192000" cy="6860161"/>
           </a:xfrm>
           <a:prstGeom prst="rect">
             <a:avLst/>
           </a:prstGeom>
-        </p:spPr>
-        <p:txBody>
-          <a:bodyPr vert="horz" lIns="91440" tIns="45720" rIns="91440" bIns="45720" rtlCol="0" anchor="ctr">
-            <a:normAutofit/>
-          </a:bodyPr>
-          <a:lstStyle/>
-          <a:p>
-            <a:r>
-              <a:rPr lang="zh-TW" altLang="en-US"/>
-              <a:t>按一下以編輯母片標題樣式</a:t>
-            </a:r>
-          </a:p>
-        </p:txBody>
-      </p:sp>
-      <p:sp>
-        <p:nvSpPr>
-          <p:cNvPr id="3" name="文字版面配置區 2">
-            <a:extLst>
-              <a:ext uri="{FF2B5EF4-FFF2-40B4-BE49-F238E27FC236}">
-                <a16:creationId xmlns:a16="http://schemas.microsoft.com/office/drawing/2014/main" id="{76722991-C57D-471F-8271-C419A1CFB074}"/>
-              </a:ext>
-            </a:extLst>
-          </p:cNvPr>
-          <p:cNvSpPr>
-            <a:spLocks noGrp="1"/>
-          </p:cNvSpPr>
-          <p:nvPr>
-            <p:ph type="body" idx="1"/>
-          </p:nvPr>
-        </p:nvSpPr>
-        <p:spPr>
-          <a:xfrm>
-            <a:off x="838200" y="1825625"/>
-            <a:ext cx="10515600" cy="4351338"/>
+          <a:solidFill>
+            <a:schemeClr val="bg2">
+              <a:lumMod val="75000"/>
+              <a:alpha val="15000"/>
+            </a:schemeClr>
+          </a:solidFill>
+          <a:ln w="19050" cap="flat" cmpd="sng" algn="ctr">
+            <a:noFill/>
+            <a:prstDash val="solid"/>
+            <a:miter lim="800000"/>
+          </a:ln>
+          <a:effectLst/>
+        </p:spPr>
+        <p:style>
+          <a:lnRef idx="2">
+            <a:schemeClr val="accent1">
+              <a:shade val="15000"/>
+            </a:schemeClr>
+          </a:lnRef>
+          <a:fillRef idx="1">
+            <a:schemeClr val="accent1"/>
+          </a:fillRef>
+          <a:effectRef idx="0">
+            <a:schemeClr val="accent1"/>
+          </a:effectRef>
+          <a:fontRef idx="minor">
+            <a:schemeClr val="lt1"/>
+          </a:fontRef>
+        </p:style>
+      </p:sp>
+      <p:sp>
+        <p:nvSpPr>
+          <p:cNvPr id="2" name="Title Placeholder 1">
+            <a:extLst>
+              <a:ext uri="{FF2B5EF4-FFF2-40B4-BE49-F238E27FC236}">
+                <a16:creationId xmlns:a16="http://schemas.microsoft.com/office/drawing/2014/main" id="{5BFA14B7-4740-5D9F-6489-BAD00C3E0D68}"/>
+              </a:ext>
+            </a:extLst>
+          </p:cNvPr>
+          <p:cNvSpPr>
+            <a:spLocks noGrp="1"/>
+          </p:cNvSpPr>
+          <p:nvPr>
+            <p:ph type="title"/>
+          </p:nvPr>
+        </p:nvSpPr>
+        <p:spPr>
+          <a:xfrm>
+            <a:off x="871108" y="588245"/>
+            <a:ext cx="10449784" cy="1265928"/>
           </a:xfrm>
           <a:prstGeom prst="rect">
             <a:avLst/>
           </a:prstGeom>
         </p:spPr>
         <p:txBody>
+          <a:bodyPr vert="horz" lIns="91440" tIns="45720" rIns="91440" bIns="45720" rtlCol="0" anchor="b">
+            <a:normAutofit/>
+          </a:bodyPr>
+          <a:lstStyle/>
+          <a:p>
+            <a:r>
+              <a:rPr lang="en-US" dirty="0"/>
+              <a:t>Click to edit Master title style</a:t>
+            </a:r>
+          </a:p>
+        </p:txBody>
+      </p:sp>
+      <p:sp>
+        <p:nvSpPr>
+          <p:cNvPr id="3" name="Text Placeholder 2">
+            <a:extLst>
+              <a:ext uri="{FF2B5EF4-FFF2-40B4-BE49-F238E27FC236}">
+                <a16:creationId xmlns:a16="http://schemas.microsoft.com/office/drawing/2014/main" id="{7790487F-803F-C5AF-BD93-39C0FC738963}"/>
+              </a:ext>
+            </a:extLst>
+          </p:cNvPr>
+          <p:cNvSpPr>
+            <a:spLocks noGrp="1"/>
+          </p:cNvSpPr>
+          <p:nvPr>
+            <p:ph type="body" idx="1"/>
+          </p:nvPr>
+        </p:nvSpPr>
+        <p:spPr>
+          <a:xfrm>
+            <a:off x="877824" y="2157984"/>
+            <a:ext cx="10442448" cy="3903819"/>
+          </a:xfrm>
+          <a:prstGeom prst="rect">
+            <a:avLst/>
+          </a:prstGeom>
+        </p:spPr>
+        <p:txBody>
           <a:bodyPr vert="horz" lIns="91440" tIns="45720" rIns="91440" bIns="45720" rtlCol="0">
             <a:normAutofit/>
           </a:bodyPr>
@@ -2829,46 +2979,46 @@
           <a:p>
             <a:pPr lvl="0"/>
             <a:r>
-              <a:rPr lang="zh-TW" altLang="en-US"/>
-              <a:t>按一下以編輯母片文字樣式</a:t>
+              <a:rPr lang="en-US" dirty="0"/>
+              <a:t>Click to edit Master text styles</a:t>
             </a:r>
           </a:p>
           <a:p>
             <a:pPr lvl="1"/>
             <a:r>
-              <a:rPr lang="zh-TW" altLang="en-US"/>
-              <a:t>第二層</a:t>
+              <a:rPr lang="en-US" dirty="0"/>
+              <a:t>Second level</a:t>
             </a:r>
           </a:p>
           <a:p>
             <a:pPr lvl="2"/>
             <a:r>
-              <a:rPr lang="zh-TW" altLang="en-US"/>
-              <a:t>第三層</a:t>
+              <a:rPr lang="en-US" dirty="0"/>
+              <a:t>Third level</a:t>
             </a:r>
           </a:p>
           <a:p>
             <a:pPr lvl="3"/>
             <a:r>
-              <a:rPr lang="zh-TW" altLang="en-US"/>
-              <a:t>第四層</a:t>
+              <a:rPr lang="en-US" dirty="0"/>
+              <a:t>Fourth level</a:t>
             </a:r>
           </a:p>
           <a:p>
             <a:pPr lvl="4"/>
             <a:r>
-              <a:rPr lang="zh-TW" altLang="en-US"/>
-              <a:t>第五層</a:t>
-            </a:r>
-          </a:p>
-        </p:txBody>
-      </p:sp>
-      <p:sp>
-        <p:nvSpPr>
-          <p:cNvPr id="4" name="日期版面配置區 3">
-            <a:extLst>
-              <a:ext uri="{FF2B5EF4-FFF2-40B4-BE49-F238E27FC236}">
-                <a16:creationId xmlns:a16="http://schemas.microsoft.com/office/drawing/2014/main" id="{85C839DD-8CBF-4E23-A0C7-7C039E950BB8}"/>
+              <a:rPr lang="en-US" dirty="0"/>
+              <a:t>Fifth level</a:t>
+            </a:r>
+          </a:p>
+        </p:txBody>
+      </p:sp>
+      <p:sp>
+        <p:nvSpPr>
+          <p:cNvPr id="4" name="Date Placeholder 3">
+            <a:extLst>
+              <a:ext uri="{FF2B5EF4-FFF2-40B4-BE49-F238E27FC236}">
+                <a16:creationId xmlns:a16="http://schemas.microsoft.com/office/drawing/2014/main" id="{A586FCEF-4EDF-C2EF-7D81-FEFF7042F350}"/>
               </a:ext>
             </a:extLst>
           </p:cNvPr>
@@ -2881,7 +3031,7 @@
         </p:nvSpPr>
         <p:spPr>
           <a:xfrm>
-            <a:off x="838200" y="6356350"/>
+            <a:off x="877824" y="6356350"/>
             <a:ext cx="2743200" cy="365125"/>
           </a:xfrm>
           <a:prstGeom prst="rect">
@@ -2892,30 +3042,28 @@
           <a:bodyPr vert="horz" lIns="91440" tIns="45720" rIns="91440" bIns="45720" rtlCol="0" anchor="ctr"/>
           <a:lstStyle>
             <a:lvl1pPr algn="l">
-              <a:defRPr sz="1200">
+              <a:defRPr sz="800" cap="all" spc="300" baseline="0">
                 <a:solidFill>
-                  <a:schemeClr val="tx1">
-                    <a:tint val="75000"/>
-                  </a:schemeClr>
+                  <a:schemeClr val="tx2"/>
                 </a:solidFill>
               </a:defRPr>
             </a:lvl1pPr>
           </a:lstStyle>
           <a:p>
-            <a:fld id="{C3C90D7E-32D6-4894-AE08-7BBB3E610FC9}" type="datetimeFigureOut">
-              <a:rPr lang="zh-TW" altLang="en-US" smtClean="0"/>
-              <a:t>2024/9/16</a:t>
+            <a:fld id="{F9B0CB28-85DB-480B-8C99-FD493ACC7120}" type="datetimeFigureOut">
+              <a:rPr lang="en-US" dirty="0"/>
+              <a:t>10/23/2024</a:t>
             </a:fld>
-            <a:endParaRPr lang="zh-TW" altLang="en-US"/>
-          </a:p>
-        </p:txBody>
-      </p:sp>
-      <p:sp>
-        <p:nvSpPr>
-          <p:cNvPr id="5" name="頁尾版面配置區 4">
-            <a:extLst>
-              <a:ext uri="{FF2B5EF4-FFF2-40B4-BE49-F238E27FC236}">
-                <a16:creationId xmlns:a16="http://schemas.microsoft.com/office/drawing/2014/main" id="{12802D8A-77D4-418C-8190-43B6ADED2131}"/>
+            <a:endParaRPr lang="en-US" dirty="0"/>
+          </a:p>
+        </p:txBody>
+      </p:sp>
+      <p:sp>
+        <p:nvSpPr>
+          <p:cNvPr id="5" name="Footer Placeholder 4">
+            <a:extLst>
+              <a:ext uri="{FF2B5EF4-FFF2-40B4-BE49-F238E27FC236}">
+                <a16:creationId xmlns:a16="http://schemas.microsoft.com/office/drawing/2014/main" id="{9A4663BC-4D46-C74D-DDF2-9D25B4D96F9B}"/>
               </a:ext>
             </a:extLst>
           </p:cNvPr>
@@ -2928,8 +3076,8 @@
         </p:nvSpPr>
         <p:spPr>
           <a:xfrm>
-            <a:off x="4038600" y="6356350"/>
-            <a:ext cx="4114800" cy="365125"/>
+            <a:off x="7132320" y="6356350"/>
+            <a:ext cx="4297680" cy="365125"/>
           </a:xfrm>
           <a:prstGeom prst="rect">
             <a:avLst/>
@@ -2938,27 +3086,29 @@
         <p:txBody>
           <a:bodyPr vert="horz" lIns="91440" tIns="45720" rIns="91440" bIns="45720" rtlCol="0" anchor="ctr"/>
           <a:lstStyle>
-            <a:lvl1pPr algn="ctr">
-              <a:defRPr sz="1200">
+            <a:lvl1pPr algn="r">
+              <a:defRPr sz="800" cap="all" spc="300" baseline="0">
                 <a:solidFill>
-                  <a:schemeClr val="tx1">
-                    <a:tint val="75000"/>
-                  </a:schemeClr>
+                  <a:schemeClr val="tx2"/>
                 </a:solidFill>
               </a:defRPr>
             </a:lvl1pPr>
           </a:lstStyle>
           <a:p>
-            <a:endParaRPr lang="zh-TW" altLang="en-US"/>
-          </a:p>
-        </p:txBody>
-      </p:sp>
-      <p:sp>
-        <p:nvSpPr>
-          <p:cNvPr id="6" name="投影片編號版面配置區 5">
-            <a:extLst>
-              <a:ext uri="{FF2B5EF4-FFF2-40B4-BE49-F238E27FC236}">
-                <a16:creationId xmlns:a16="http://schemas.microsoft.com/office/drawing/2014/main" id="{7072B55E-2BE2-4AF4-AFF8-2A716F492F1C}"/>
+            <a:r>
+              <a:rPr lang="en-US" dirty="0"/>
+              <a:t>
+              </a:t>
+            </a:r>
+          </a:p>
+        </p:txBody>
+      </p:sp>
+      <p:sp>
+        <p:nvSpPr>
+          <p:cNvPr id="6" name="Slide Number Placeholder 5">
+            <a:extLst>
+              <a:ext uri="{FF2B5EF4-FFF2-40B4-BE49-F238E27FC236}">
+                <a16:creationId xmlns:a16="http://schemas.microsoft.com/office/drawing/2014/main" id="{B71B4EAE-CB5C-D14B-77EF-7B155FA68353}"/>
               </a:ext>
             </a:extLst>
           </p:cNvPr>
@@ -2971,8 +3121,8 @@
         </p:nvSpPr>
         <p:spPr>
           <a:xfrm>
-            <a:off x="8610600" y="6356350"/>
-            <a:ext cx="2743200" cy="365125"/>
+            <a:off x="11429999" y="6356350"/>
+            <a:ext cx="521207" cy="365125"/>
           </a:xfrm>
           <a:prstGeom prst="rect">
             <a:avLst/>
@@ -2982,58 +3132,59 @@
           <a:bodyPr vert="horz" lIns="91440" tIns="45720" rIns="91440" bIns="45720" rtlCol="0" anchor="ctr"/>
           <a:lstStyle>
             <a:lvl1pPr algn="r">
-              <a:defRPr sz="1200">
+              <a:defRPr sz="1400">
                 <a:solidFill>
-                  <a:schemeClr val="tx1">
-                    <a:tint val="75000"/>
-                  </a:schemeClr>
+                  <a:schemeClr val="tx2"/>
                 </a:solidFill>
+                <a:latin typeface="+mj-lt"/>
               </a:defRPr>
             </a:lvl1pPr>
           </a:lstStyle>
           <a:p>
-            <a:fld id="{E31EC408-072F-4346-BD0A-D6AA5788A305}" type="slidenum">
-              <a:rPr lang="zh-TW" altLang="en-US" smtClean="0"/>
+            <a:fld id="{5E4DE196-8A13-4FF7-A07E-102851959EAB}" type="slidenum">
+              <a:rPr lang="en-US" dirty="0"/>
+              <a:pPr/>
               <a:t>‹#›</a:t>
             </a:fld>
-            <a:endParaRPr lang="zh-TW" altLang="en-US"/>
+            <a:endParaRPr lang="en-US" dirty="0"/>
           </a:p>
         </p:txBody>
       </p:sp>
     </p:spTree>
     <p:extLst>
       <p:ext uri="{BB962C8B-B14F-4D97-AF65-F5344CB8AC3E}">
-        <p14:creationId xmlns:p14="http://schemas.microsoft.com/office/powerpoint/2010/main" val="2016052060"/>
+        <p14:creationId xmlns:p14="http://schemas.microsoft.com/office/powerpoint/2010/main" val="1953697753"/>
       </p:ext>
     </p:extLst>
   </p:cSld>
   <p:clrMap bg1="lt1" tx1="dk1" bg2="lt2" tx2="dk2" accent1="accent1" accent2="accent2" accent3="accent3" accent4="accent4" accent5="accent5" accent6="accent6" hlink="hlink" folHlink="folHlink"/>
   <p:sldLayoutIdLst>
-    <p:sldLayoutId id="2147483649" r:id="rId1"/>
-    <p:sldLayoutId id="2147483650" r:id="rId2"/>
-    <p:sldLayoutId id="2147483651" r:id="rId3"/>
-    <p:sldLayoutId id="2147483652" r:id="rId4"/>
-    <p:sldLayoutId id="2147483653" r:id="rId5"/>
-    <p:sldLayoutId id="2147483654" r:id="rId6"/>
-    <p:sldLayoutId id="2147483655" r:id="rId7"/>
-    <p:sldLayoutId id="2147483656" r:id="rId8"/>
-    <p:sldLayoutId id="2147483657" r:id="rId9"/>
-    <p:sldLayoutId id="2147483658" r:id="rId10"/>
-    <p:sldLayoutId id="2147483659" r:id="rId11"/>
+    <p:sldLayoutId id="2147483673" r:id="rId1"/>
+    <p:sldLayoutId id="2147483674" r:id="rId2"/>
+    <p:sldLayoutId id="2147483675" r:id="rId3"/>
+    <p:sldLayoutId id="2147483676" r:id="rId4"/>
+    <p:sldLayoutId id="2147483677" r:id="rId5"/>
+    <p:sldLayoutId id="2147483678" r:id="rId6"/>
+    <p:sldLayoutId id="2147483679" r:id="rId7"/>
+    <p:sldLayoutId id="2147483680" r:id="rId8"/>
+    <p:sldLayoutId id="2147483681" r:id="rId9"/>
+    <p:sldLayoutId id="2147483682" r:id="rId10"/>
+    <p:sldLayoutId id="2147483683" r:id="rId11"/>
   </p:sldLayoutIdLst>
+  <p:hf hdr="0"/>
   <p:txStyles>
     <p:titleStyle>
       <a:lvl1pPr algn="l" defTabSz="914400" rtl="0" eaLnBrk="1" latinLnBrk="0" hangingPunct="1">
         <a:lnSpc>
-          <a:spcPct val="90000"/>
+          <a:spcPct val="100000"/>
         </a:lnSpc>
         <a:spcBef>
           <a:spcPct val="0"/>
         </a:spcBef>
         <a:buNone/>
-        <a:defRPr sz="4400" kern="1200">
+        <a:defRPr sz="3200" kern="1200">
           <a:solidFill>
-            <a:schemeClr val="tx1"/>
+            <a:schemeClr val="tx2"/>
           </a:solidFill>
           <a:latin typeface="+mj-lt"/>
           <a:ea typeface="+mj-ea"/>
@@ -3044,88 +3195,88 @@
     <p:bodyStyle>
       <a:lvl1pPr marL="228600" indent="-228600" algn="l" defTabSz="914400" rtl="0" eaLnBrk="1" latinLnBrk="0" hangingPunct="1">
         <a:lnSpc>
-          <a:spcPct val="90000"/>
+          <a:spcPct val="120000"/>
         </a:lnSpc>
         <a:spcBef>
           <a:spcPts val="1000"/>
         </a:spcBef>
         <a:buFont typeface="Arial" panose="020B0604020202020204" pitchFamily="34" charset="0"/>
         <a:buChar char="•"/>
-        <a:defRPr sz="2800" kern="1200">
+        <a:defRPr sz="1600" kern="1200">
           <a:solidFill>
-            <a:schemeClr val="tx1"/>
+            <a:schemeClr val="tx2"/>
           </a:solidFill>
           <a:latin typeface="+mn-lt"/>
           <a:ea typeface="+mn-ea"/>
           <a:cs typeface="+mn-cs"/>
         </a:defRPr>
       </a:lvl1pPr>
-      <a:lvl2pPr marL="685800" indent="-228600" algn="l" defTabSz="914400" rtl="0" eaLnBrk="1" latinLnBrk="0" hangingPunct="1">
+      <a:lvl2pPr marL="457200" indent="-228600" algn="l" defTabSz="914400" rtl="0" eaLnBrk="1" latinLnBrk="0" hangingPunct="1">
         <a:lnSpc>
-          <a:spcPct val="90000"/>
+          <a:spcPct val="120000"/>
         </a:lnSpc>
         <a:spcBef>
           <a:spcPts val="500"/>
         </a:spcBef>
         <a:buFont typeface="Arial" panose="020B0604020202020204" pitchFamily="34" charset="0"/>
         <a:buChar char="•"/>
-        <a:defRPr sz="2400" kern="1200">
+        <a:defRPr sz="1400" kern="1200">
           <a:solidFill>
-            <a:schemeClr val="tx1"/>
+            <a:schemeClr val="tx2"/>
           </a:solidFill>
           <a:latin typeface="+mn-lt"/>
           <a:ea typeface="+mn-ea"/>
           <a:cs typeface="+mn-cs"/>
         </a:defRPr>
       </a:lvl2pPr>
-      <a:lvl3pPr marL="1143000" indent="-228600" algn="l" defTabSz="914400" rtl="0" eaLnBrk="1" latinLnBrk="0" hangingPunct="1">
+      <a:lvl3pPr marL="685800" indent="-228600" algn="l" defTabSz="914400" rtl="0" eaLnBrk="1" latinLnBrk="0" hangingPunct="1">
         <a:lnSpc>
-          <a:spcPct val="90000"/>
+          <a:spcPct val="120000"/>
         </a:lnSpc>
         <a:spcBef>
           <a:spcPts val="500"/>
         </a:spcBef>
         <a:buFont typeface="Arial" panose="020B0604020202020204" pitchFamily="34" charset="0"/>
         <a:buChar char="•"/>
-        <a:defRPr sz="2000" kern="1200">
+        <a:defRPr sz="1200" kern="1200">
           <a:solidFill>
-            <a:schemeClr val="tx1"/>
+            <a:schemeClr val="tx2"/>
           </a:solidFill>
           <a:latin typeface="+mn-lt"/>
           <a:ea typeface="+mn-ea"/>
           <a:cs typeface="+mn-cs"/>
         </a:defRPr>
       </a:lvl3pPr>
-      <a:lvl4pPr marL="1600200" indent="-228600" algn="l" defTabSz="914400" rtl="0" eaLnBrk="1" latinLnBrk="0" hangingPunct="1">
+      <a:lvl4pPr marL="914400" indent="-228600" algn="l" defTabSz="914400" rtl="0" eaLnBrk="1" latinLnBrk="0" hangingPunct="1">
         <a:lnSpc>
-          <a:spcPct val="90000"/>
+          <a:spcPct val="120000"/>
         </a:lnSpc>
         <a:spcBef>
           <a:spcPts val="500"/>
         </a:spcBef>
         <a:buFont typeface="Arial" panose="020B0604020202020204" pitchFamily="34" charset="0"/>
         <a:buChar char="•"/>
-        <a:defRPr sz="1800" kern="1200">
+        <a:defRPr sz="1100" kern="1200">
           <a:solidFill>
-            <a:schemeClr val="tx1"/>
+            <a:schemeClr val="tx2"/>
           </a:solidFill>
           <a:latin typeface="+mn-lt"/>
           <a:ea typeface="+mn-ea"/>
           <a:cs typeface="+mn-cs"/>
         </a:defRPr>
       </a:lvl4pPr>
-      <a:lvl5pPr marL="2057400" indent="-228600" algn="l" defTabSz="914400" rtl="0" eaLnBrk="1" latinLnBrk="0" hangingPunct="1">
+      <a:lvl5pPr marL="1143000" indent="-228600" algn="l" defTabSz="914400" rtl="0" eaLnBrk="1" latinLnBrk="0" hangingPunct="1">
         <a:lnSpc>
-          <a:spcPct val="90000"/>
+          <a:spcPct val="120000"/>
         </a:lnSpc>
         <a:spcBef>
           <a:spcPts val="500"/>
         </a:spcBef>
         <a:buFont typeface="Arial" panose="020B0604020202020204" pitchFamily="34" charset="0"/>
         <a:buChar char="•"/>
-        <a:defRPr sz="1800" kern="1200">
+        <a:defRPr sz="1100" kern="1200">
           <a:solidFill>
-            <a:schemeClr val="tx1"/>
+            <a:schemeClr val="tx2"/>
           </a:solidFill>
           <a:latin typeface="+mn-lt"/>
           <a:ea typeface="+mn-ea"/>
@@ -3207,7 +3358,7 @@
     </p:bodyStyle>
     <p:otherStyle>
       <a:defPPr>
-        <a:defRPr lang="zh-TW"/>
+        <a:defRPr lang="en-US"/>
       </a:defPPr>
       <a:lvl1pPr marL="0" algn="l" defTabSz="914400" rtl="0" eaLnBrk="1" latinLnBrk="0" hangingPunct="1">
         <a:defRPr sz="1800" kern="1200">
@@ -3301,6 +3452,32 @@
       </a:lvl9pPr>
     </p:otherStyle>
   </p:txStyles>
+  <p:extLst>
+    <p:ext uri="{27BBF7A9-308A-43DC-89C8-2F10F3537804}">
+      <p15:sldGuideLst xmlns:p15="http://schemas.microsoft.com/office/powerpoint/2012/main">
+        <p15:guide id="3" orient="horz" pos="2160">
+          <p15:clr>
+            <a:srgbClr val="F26B43"/>
+          </p15:clr>
+        </p15:guide>
+        <p15:guide id="4" pos="3840">
+          <p15:clr>
+            <a:srgbClr val="F26B43"/>
+          </p15:clr>
+        </p15:guide>
+        <p15:guide id="5" orient="horz" pos="3816">
+          <p15:clr>
+            <a:srgbClr val="F26B43"/>
+          </p15:clr>
+        </p15:guide>
+        <p15:guide id="6" orient="horz" pos="1176">
+          <p15:clr>
+            <a:srgbClr val="F26B43"/>
+          </p15:clr>
+        </p15:guide>
+      </p15:sldGuideLst>
+    </p:ext>
+  </p:extLst>
 </p:sldMaster>
 </file>
 
@@ -3321,15 +3498,39 @@
           <a:chExt cx="0" cy="0"/>
         </a:xfrm>
       </p:grpSpPr>
-      <p:sp>
-        <p:nvSpPr>
-          <p:cNvPr id="2" name="標題 1">
-            <a:extLst>
-              <a:ext uri="{FF2B5EF4-FFF2-40B4-BE49-F238E27FC236}">
-                <a16:creationId xmlns:a16="http://schemas.microsoft.com/office/drawing/2014/main" id="{32532283-9F93-4E44-8138-32796965361F}"/>
-              </a:ext>
-            </a:extLst>
-          </p:cNvPr>
+      <p:pic>
+        <p:nvPicPr>
+          <p:cNvPr id="4" name="圖片 3" descr="How to Begin: 5 Ways to Start the Story of Your Screenplay - WeScreenplay">
+            <a:extLst>
+              <a:ext uri="{FF2B5EF4-FFF2-40B4-BE49-F238E27FC236}">
+                <a16:creationId xmlns:a16="http://schemas.microsoft.com/office/drawing/2014/main" id="{3D3C6A61-4301-141E-3A14-6A0589886944}"/>
+              </a:ext>
+            </a:extLst>
+          </p:cNvPr>
+          <p:cNvPicPr>
+            <a:picLocks noChangeAspect="1"/>
+          </p:cNvPicPr>
+          <p:nvPr/>
+        </p:nvPicPr>
+        <p:blipFill>
+          <a:blip r:embed="rId2"/>
+          <a:stretch>
+            <a:fillRect/>
+          </a:stretch>
+        </p:blipFill>
+        <p:spPr>
+          <a:xfrm>
+            <a:off x="8238" y="239845"/>
+            <a:ext cx="12185821" cy="6368013"/>
+          </a:xfrm>
+          <a:prstGeom prst="rect">
+            <a:avLst/>
+          </a:prstGeom>
+        </p:spPr>
+      </p:pic>
+      <p:sp>
+        <p:nvSpPr>
+          <p:cNvPr id="2" name="標題 1"/>
           <p:cNvSpPr>
             <a:spLocks noGrp="1"/>
           </p:cNvSpPr>
@@ -3337,24 +3538,54 @@
             <p:ph type="ctrTitle"/>
           </p:nvPr>
         </p:nvSpPr>
-        <p:spPr/>
+        <p:spPr>
+          <a:xfrm>
+            <a:off x="-2238926" y="580361"/>
+            <a:ext cx="9144000" cy="2387600"/>
+          </a:xfrm>
+        </p:spPr>
         <p:txBody>
           <a:bodyPr/>
           <a:lstStyle/>
           <a:p>
-            <a:endParaRPr lang="zh-TW" altLang="en-US"/>
-          </a:p>
-        </p:txBody>
-      </p:sp>
-      <p:sp>
-        <p:nvSpPr>
-          <p:cNvPr id="3" name="副標題 2">
-            <a:extLst>
-              <a:ext uri="{FF2B5EF4-FFF2-40B4-BE49-F238E27FC236}">
-                <a16:creationId xmlns:a16="http://schemas.microsoft.com/office/drawing/2014/main" id="{8C946F38-524D-4B98-B9CB-80AEE57E455A}"/>
-              </a:ext>
-            </a:extLst>
-          </p:cNvPr>
+            <a:r>
+              <a:rPr lang="zh-TW" sz="4400">
+                <a:ea typeface="+mj-lt"/>
+                <a:cs typeface="+mj-lt"/>
+              </a:rPr>
+              <a:t>My Story in 7 steps</a:t>
+            </a:r>
+            <a:br>
+              <a:rPr lang="zh-TW" altLang="en-US" sz="4400" dirty="0">
+                <a:ea typeface="+mj-lt"/>
+                <a:cs typeface="+mj-lt"/>
+              </a:rPr>
+            </a:br>
+            <a:r>
+              <a:rPr lang="en-US" altLang="zh-TW" sz="4800" dirty="0">
+                <a:ea typeface="新細明體"/>
+              </a:rPr>
+              <a:t>(</a:t>
+            </a:r>
+            <a:r>
+              <a:rPr lang="en-US" altLang="zh-TW" sz="4800" err="1">
+                <a:ea typeface="新細明體"/>
+              </a:rPr>
+              <a:t>nizima</a:t>
+            </a:r>
+            <a:r>
+              <a:rPr lang="en-US" altLang="zh-TW" sz="4800" dirty="0">
+                <a:ea typeface="新細明體"/>
+              </a:rPr>
+              <a:t> live)</a:t>
+            </a:r>
+            <a:endParaRPr lang="zh-TW" sz="4800"/>
+          </a:p>
+        </p:txBody>
+      </p:sp>
+      <p:sp>
+        <p:nvSpPr>
+          <p:cNvPr id="3" name="副標題 2"/>
           <p:cNvSpPr>
             <a:spLocks noGrp="1"/>
           </p:cNvSpPr>
@@ -3362,19 +3593,1953 @@
             <p:ph type="subTitle" idx="1"/>
           </p:nvPr>
         </p:nvSpPr>
-        <p:spPr/>
-        <p:txBody>
-          <a:bodyPr/>
-          <a:lstStyle/>
-          <a:p>
-            <a:endParaRPr lang="zh-TW" altLang="en-US"/>
+        <p:spPr>
+          <a:xfrm>
+            <a:off x="-2347783" y="3117890"/>
+            <a:ext cx="9144000" cy="1655762"/>
+          </a:xfrm>
+        </p:spPr>
+        <p:txBody>
+          <a:bodyPr vert="horz" lIns="91440" tIns="45720" rIns="91440" bIns="45720" rtlCol="0" anchor="t">
+            <a:normAutofit/>
+          </a:bodyPr>
+          <a:lstStyle/>
+          <a:p>
+            <a:r>
+              <a:rPr lang="zh-TW" altLang="en-US" sz="2400">
+                <a:ea typeface="新細明體"/>
+              </a:rPr>
+              <a:t>113598014 </a:t>
+            </a:r>
+            <a:r>
+              <a:rPr lang="zh-TW" sz="2400">
+                <a:ea typeface="+mn-lt"/>
+                <a:cs typeface="+mn-lt"/>
+              </a:rPr>
+              <a:t>洪翔</a:t>
+            </a:r>
+            <a:endParaRPr lang="zh-TW" altLang="en-US" sz="2400" dirty="0">
+              <a:ea typeface="+mn-lt"/>
+              <a:cs typeface="+mn-lt"/>
+            </a:endParaRPr>
           </a:p>
         </p:txBody>
       </p:sp>
     </p:spTree>
     <p:extLst>
       <p:ext uri="{BB962C8B-B14F-4D97-AF65-F5344CB8AC3E}">
-        <p14:creationId xmlns:p14="http://schemas.microsoft.com/office/powerpoint/2010/main" val="1328321055"/>
+        <p14:creationId xmlns:p14="http://schemas.microsoft.com/office/powerpoint/2010/main" val="3989766908"/>
+      </p:ext>
+    </p:extLst>
+  </p:cSld>
+  <p:clrMapOvr>
+    <a:masterClrMapping/>
+  </p:clrMapOvr>
+</p:sld>
+</file>
+
+<file path=ppt/slides/slide10.xml><?xml version="1.0" encoding="utf-8"?>
+<p:sld xmlns:a="http://schemas.openxmlformats.org/drawingml/2006/main" xmlns:r="http://schemas.openxmlformats.org/officeDocument/2006/relationships" xmlns:p="http://schemas.openxmlformats.org/presentationml/2006/main">
+  <p:cSld>
+    <p:spTree>
+      <p:nvGrpSpPr>
+        <p:cNvPr id="1" name=""/>
+        <p:cNvGrpSpPr/>
+        <p:nvPr/>
+      </p:nvGrpSpPr>
+      <p:grpSpPr>
+        <a:xfrm>
+          <a:off x="0" y="0"/>
+          <a:ext cx="0" cy="0"/>
+          <a:chOff x="0" y="0"/>
+          <a:chExt cx="0" cy="0"/>
+        </a:xfrm>
+      </p:grpSpPr>
+      <p:sp>
+        <p:nvSpPr>
+          <p:cNvPr id="2" name="標題 1"/>
+          <p:cNvSpPr>
+            <a:spLocks noGrp="1"/>
+          </p:cNvSpPr>
+          <p:nvPr>
+            <p:ph type="ctrTitle"/>
+          </p:nvPr>
+        </p:nvSpPr>
+        <p:spPr>
+          <a:xfrm>
+            <a:off x="-2924432" y="-97953"/>
+            <a:ext cx="9144000" cy="2387600"/>
+          </a:xfrm>
+        </p:spPr>
+        <p:txBody>
+          <a:bodyPr/>
+          <a:lstStyle/>
+          <a:p>
+            <a:r>
+              <a:rPr lang="zh-TW" altLang="en-US">
+                <a:ea typeface="+mj-lt"/>
+                <a:cs typeface="+mj-lt"/>
+              </a:rPr>
+              <a:t>6.</a:t>
+            </a:r>
+            <a:r>
+              <a:rPr lang="zh-TW">
+                <a:ea typeface="+mj-lt"/>
+                <a:cs typeface="+mj-lt"/>
+              </a:rPr>
+              <a:t>轉彎</a:t>
+            </a:r>
+            <a:br>
+              <a:rPr lang="zh-TW" altLang="en-US" dirty="0">
+                <a:ea typeface="+mj-lt"/>
+                <a:cs typeface="+mj-lt"/>
+              </a:rPr>
+            </a:br>
+            <a:endParaRPr lang="zh-TW" altLang="en-US" dirty="0">
+              <a:ea typeface="+mj-lt"/>
+              <a:cs typeface="+mj-lt"/>
+            </a:endParaRPr>
+          </a:p>
+        </p:txBody>
+      </p:sp>
+      <p:pic>
+        <p:nvPicPr>
+          <p:cNvPr id="3" name="圖片 2" descr="一張含有 洋娃娃, 卡通, 玩具, 服裝 的圖片&#10;&#10;自動產生的描述">
+            <a:extLst>
+              <a:ext uri="{FF2B5EF4-FFF2-40B4-BE49-F238E27FC236}">
+                <a16:creationId xmlns:a16="http://schemas.microsoft.com/office/drawing/2014/main" id="{73ECFD3C-DD24-3640-4B75-414C2AC53633}"/>
+              </a:ext>
+            </a:extLst>
+          </p:cNvPr>
+          <p:cNvPicPr>
+            <a:picLocks noChangeAspect="1"/>
+          </p:cNvPicPr>
+          <p:nvPr/>
+        </p:nvPicPr>
+        <p:blipFill>
+          <a:blip r:embed="rId2"/>
+          <a:stretch>
+            <a:fillRect/>
+          </a:stretch>
+        </p:blipFill>
+        <p:spPr>
+          <a:xfrm>
+            <a:off x="691978" y="1719134"/>
+            <a:ext cx="4815016" cy="4815016"/>
+          </a:xfrm>
+          <a:prstGeom prst="rect">
+            <a:avLst/>
+          </a:prstGeom>
+        </p:spPr>
+      </p:pic>
+      <p:sp>
+        <p:nvSpPr>
+          <p:cNvPr id="5" name="標題 1">
+            <a:extLst>
+              <a:ext uri="{FF2B5EF4-FFF2-40B4-BE49-F238E27FC236}">
+                <a16:creationId xmlns:a16="http://schemas.microsoft.com/office/drawing/2014/main" id="{ADB4CB83-BEFB-19B5-7C71-4FD6FD9DC07D}"/>
+              </a:ext>
+            </a:extLst>
+          </p:cNvPr>
+          <p:cNvSpPr txBox="1">
+            <a:spLocks/>
+          </p:cNvSpPr>
+          <p:nvPr/>
+        </p:nvSpPr>
+        <p:spPr>
+          <a:xfrm>
+            <a:off x="-8270789" y="-38229"/>
+            <a:ext cx="9144000" cy="2387600"/>
+          </a:xfrm>
+          <a:prstGeom prst="rect">
+            <a:avLst/>
+          </a:prstGeom>
+        </p:spPr>
+        <p:txBody>
+          <a:bodyPr vert="horz" lIns="91440" tIns="45720" rIns="91440" bIns="45720" rtlCol="0" anchor="b">
+            <a:normAutofit/>
+          </a:bodyPr>
+          <a:lstStyle>
+            <a:lvl1pPr algn="ctr" defTabSz="914400" rtl="0" eaLnBrk="1" latinLnBrk="0" hangingPunct="1">
+              <a:lnSpc>
+                <a:spcPct val="100000"/>
+              </a:lnSpc>
+              <a:spcBef>
+                <a:spcPct val="0"/>
+              </a:spcBef>
+              <a:buNone/>
+              <a:defRPr sz="3600" kern="1200">
+                <a:solidFill>
+                  <a:schemeClr val="tx2"/>
+                </a:solidFill>
+                <a:latin typeface="+mj-lt"/>
+                <a:ea typeface="+mj-ea"/>
+                <a:cs typeface="+mj-cs"/>
+              </a:defRPr>
+            </a:lvl1pPr>
+          </a:lstStyle>
+          <a:p>
+            <a:r>
+              <a:rPr lang="en-US" altLang="zh-TW" dirty="0">
+                <a:ea typeface="+mj-lt"/>
+                <a:cs typeface="+mj-lt"/>
+              </a:rPr>
+              <a:t>7.</a:t>
+            </a:r>
+            <a:r>
+              <a:rPr lang="zh-TW" altLang="en-US">
+                <a:ea typeface="+mj-lt"/>
+                <a:cs typeface="+mj-lt"/>
+              </a:rPr>
+              <a:t>結局</a:t>
+            </a:r>
+            <a:br>
+              <a:rPr lang="en-US" altLang="zh-TW" dirty="0">
+                <a:ea typeface="+mj-lt"/>
+                <a:cs typeface="+mj-lt"/>
+              </a:rPr>
+            </a:br>
+            <a:endParaRPr lang="en-US" altLang="zh-TW" dirty="0">
+              <a:ea typeface="+mj-lt"/>
+              <a:cs typeface="+mj-lt"/>
+            </a:endParaRPr>
+          </a:p>
+        </p:txBody>
+      </p:sp>
+      <p:pic>
+        <p:nvPicPr>
+          <p:cNvPr id="7" name="圖片 6" descr="一張含有 日本動畫, 卡通, 虛構小說, 漫畫 的圖片&#10;&#10;自動產生的描述">
+            <a:extLst>
+              <a:ext uri="{FF2B5EF4-FFF2-40B4-BE49-F238E27FC236}">
+                <a16:creationId xmlns:a16="http://schemas.microsoft.com/office/drawing/2014/main" id="{88C6043D-A280-4EDC-F344-7CF30C5C645E}"/>
+              </a:ext>
+            </a:extLst>
+          </p:cNvPr>
+          <p:cNvPicPr>
+            <a:picLocks noChangeAspect="1"/>
+          </p:cNvPicPr>
+          <p:nvPr/>
+        </p:nvPicPr>
+        <p:blipFill>
+          <a:blip r:embed="rId3"/>
+          <a:stretch>
+            <a:fillRect/>
+          </a:stretch>
+        </p:blipFill>
+        <p:spPr>
+          <a:xfrm>
+            <a:off x="-5890955" y="1940140"/>
+            <a:ext cx="4373004" cy="4373004"/>
+          </a:xfrm>
+          <a:prstGeom prst="rect">
+            <a:avLst/>
+          </a:prstGeom>
+        </p:spPr>
+      </p:pic>
+      <p:pic>
+        <p:nvPicPr>
+          <p:cNvPr id="9" name="圖片 8" descr="一張含有 卡通, 服裝, 人的臉孔, 玩具 的圖片&#10;&#10;自動產生的描述">
+            <a:extLst>
+              <a:ext uri="{FF2B5EF4-FFF2-40B4-BE49-F238E27FC236}">
+                <a16:creationId xmlns:a16="http://schemas.microsoft.com/office/drawing/2014/main" id="{5103F4C7-EC9C-895C-C368-6FF7B2A43FCA}"/>
+              </a:ext>
+            </a:extLst>
+          </p:cNvPr>
+          <p:cNvPicPr>
+            <a:picLocks noChangeAspect="1"/>
+          </p:cNvPicPr>
+          <p:nvPr/>
+        </p:nvPicPr>
+        <p:blipFill>
+          <a:blip r:embed="rId4"/>
+          <a:stretch>
+            <a:fillRect/>
+          </a:stretch>
+        </p:blipFill>
+        <p:spPr>
+          <a:xfrm>
+            <a:off x="-4912326" y="1891614"/>
+            <a:ext cx="4114800" cy="4114800"/>
+          </a:xfrm>
+          <a:prstGeom prst="rect">
+            <a:avLst/>
+          </a:prstGeom>
+        </p:spPr>
+      </p:pic>
+    </p:spTree>
+    <p:extLst>
+      <p:ext uri="{BB962C8B-B14F-4D97-AF65-F5344CB8AC3E}">
+        <p14:creationId xmlns:p14="http://schemas.microsoft.com/office/powerpoint/2010/main" val="321204520"/>
+      </p:ext>
+    </p:extLst>
+  </p:cSld>
+  <p:clrMapOvr>
+    <a:masterClrMapping/>
+  </p:clrMapOvr>
+  <mc:AlternateContent xmlns:mc="http://schemas.openxmlformats.org/markup-compatibility/2006" xmlns:p159="http://schemas.microsoft.com/office/powerpoint/2015/09/main">
+    <mc:Choice Requires="p159">
+      <p:transition xmlns:p14="http://schemas.microsoft.com/office/powerpoint/2010/main" spd="slow" p14:dur="2000">
+        <p159:morph option="byObject"/>
+      </p:transition>
+    </mc:Choice>
+    <mc:Fallback xmlns="">
+      <p:transition spd="slow">
+        <p:fade/>
+      </p:transition>
+    </mc:Fallback>
+  </mc:AlternateContent>
+</p:sld>
+</file>
+
+<file path=ppt/slides/slide11.xml><?xml version="1.0" encoding="utf-8"?>
+<p:sld xmlns:a="http://schemas.openxmlformats.org/drawingml/2006/main" xmlns:r="http://schemas.openxmlformats.org/officeDocument/2006/relationships" xmlns:p="http://schemas.openxmlformats.org/presentationml/2006/main">
+  <p:cSld>
+    <p:spTree>
+      <p:nvGrpSpPr>
+        <p:cNvPr id="1" name=""/>
+        <p:cNvGrpSpPr/>
+        <p:nvPr/>
+      </p:nvGrpSpPr>
+      <p:grpSpPr>
+        <a:xfrm>
+          <a:off x="0" y="0"/>
+          <a:ext cx="0" cy="0"/>
+          <a:chOff x="0" y="0"/>
+          <a:chExt cx="0" cy="0"/>
+        </a:xfrm>
+      </p:grpSpPr>
+      <p:sp>
+        <p:nvSpPr>
+          <p:cNvPr id="2" name="標題 1"/>
+          <p:cNvSpPr>
+            <a:spLocks noGrp="1"/>
+          </p:cNvSpPr>
+          <p:nvPr>
+            <p:ph type="ctrTitle"/>
+          </p:nvPr>
+        </p:nvSpPr>
+        <p:spPr>
+          <a:xfrm>
+            <a:off x="-11811000" y="3001533"/>
+            <a:ext cx="9144000" cy="2387600"/>
+          </a:xfrm>
+        </p:spPr>
+        <p:txBody>
+          <a:bodyPr/>
+          <a:lstStyle/>
+          <a:p>
+            <a:r>
+              <a:rPr lang="zh-TW" altLang="en-US">
+                <a:ea typeface="+mj-lt"/>
+                <a:cs typeface="+mj-lt"/>
+              </a:rPr>
+              <a:t>6.</a:t>
+            </a:r>
+            <a:r>
+              <a:rPr lang="zh-TW">
+                <a:ea typeface="+mj-lt"/>
+                <a:cs typeface="+mj-lt"/>
+              </a:rPr>
+              <a:t>轉彎</a:t>
+            </a:r>
+            <a:br>
+              <a:rPr lang="zh-TW" altLang="en-US" dirty="0">
+                <a:ea typeface="+mj-lt"/>
+                <a:cs typeface="+mj-lt"/>
+              </a:rPr>
+            </a:br>
+            <a:endParaRPr lang="zh-TW" altLang="en-US" dirty="0">
+              <a:ea typeface="+mj-lt"/>
+              <a:cs typeface="+mj-lt"/>
+            </a:endParaRPr>
+          </a:p>
+        </p:txBody>
+      </p:sp>
+      <p:pic>
+        <p:nvPicPr>
+          <p:cNvPr id="3" name="圖片 2" descr="一張含有 洋娃娃, 卡通, 玩具, 服裝 的圖片&#10;&#10;自動產生的描述">
+            <a:extLst>
+              <a:ext uri="{FF2B5EF4-FFF2-40B4-BE49-F238E27FC236}">
+                <a16:creationId xmlns:a16="http://schemas.microsoft.com/office/drawing/2014/main" id="{73ECFD3C-DD24-3640-4B75-414C2AC53633}"/>
+              </a:ext>
+            </a:extLst>
+          </p:cNvPr>
+          <p:cNvPicPr>
+            <a:picLocks noChangeAspect="1"/>
+          </p:cNvPicPr>
+          <p:nvPr/>
+        </p:nvPicPr>
+        <p:blipFill>
+          <a:blip r:embed="rId2"/>
+          <a:stretch>
+            <a:fillRect/>
+          </a:stretch>
+        </p:blipFill>
+        <p:spPr>
+          <a:xfrm>
+            <a:off x="-8194590" y="4818620"/>
+            <a:ext cx="4815016" cy="4815016"/>
+          </a:xfrm>
+          <a:prstGeom prst="rect">
+            <a:avLst/>
+          </a:prstGeom>
+        </p:spPr>
+      </p:pic>
+      <p:sp>
+        <p:nvSpPr>
+          <p:cNvPr id="5" name="標題 1">
+            <a:extLst>
+              <a:ext uri="{FF2B5EF4-FFF2-40B4-BE49-F238E27FC236}">
+                <a16:creationId xmlns:a16="http://schemas.microsoft.com/office/drawing/2014/main" id="{ADB4CB83-BEFB-19B5-7C71-4FD6FD9DC07D}"/>
+              </a:ext>
+            </a:extLst>
+          </p:cNvPr>
+          <p:cNvSpPr txBox="1">
+            <a:spLocks/>
+          </p:cNvSpPr>
+          <p:nvPr/>
+        </p:nvSpPr>
+        <p:spPr>
+          <a:xfrm>
+            <a:off x="-3379573" y="-192688"/>
+            <a:ext cx="9144000" cy="2387600"/>
+          </a:xfrm>
+          <a:prstGeom prst="rect">
+            <a:avLst/>
+          </a:prstGeom>
+        </p:spPr>
+        <p:txBody>
+          <a:bodyPr vert="horz" lIns="91440" tIns="45720" rIns="91440" bIns="45720" rtlCol="0" anchor="b">
+            <a:normAutofit/>
+          </a:bodyPr>
+          <a:lstStyle>
+            <a:lvl1pPr algn="ctr" defTabSz="914400" rtl="0" eaLnBrk="1" latinLnBrk="0" hangingPunct="1">
+              <a:lnSpc>
+                <a:spcPct val="100000"/>
+              </a:lnSpc>
+              <a:spcBef>
+                <a:spcPct val="0"/>
+              </a:spcBef>
+              <a:buNone/>
+              <a:defRPr sz="3600" kern="1200">
+                <a:solidFill>
+                  <a:schemeClr val="tx2"/>
+                </a:solidFill>
+                <a:latin typeface="+mj-lt"/>
+                <a:ea typeface="+mj-ea"/>
+                <a:cs typeface="+mj-cs"/>
+              </a:defRPr>
+            </a:lvl1pPr>
+          </a:lstStyle>
+          <a:p>
+            <a:r>
+              <a:rPr lang="en-US" altLang="zh-TW" dirty="0">
+                <a:ea typeface="+mj-lt"/>
+                <a:cs typeface="+mj-lt"/>
+              </a:rPr>
+              <a:t>7.</a:t>
+            </a:r>
+            <a:r>
+              <a:rPr lang="zh-TW" altLang="en-US">
+                <a:ea typeface="+mj-lt"/>
+                <a:cs typeface="+mj-lt"/>
+              </a:rPr>
+              <a:t>結局</a:t>
+            </a:r>
+            <a:br>
+              <a:rPr lang="en-US" altLang="zh-TW" dirty="0">
+                <a:ea typeface="+mj-lt"/>
+                <a:cs typeface="+mj-lt"/>
+              </a:rPr>
+            </a:br>
+            <a:endParaRPr lang="en-US" altLang="zh-TW" dirty="0">
+              <a:ea typeface="+mj-lt"/>
+              <a:cs typeface="+mj-lt"/>
+            </a:endParaRPr>
+          </a:p>
+        </p:txBody>
+      </p:sp>
+      <p:pic>
+        <p:nvPicPr>
+          <p:cNvPr id="7" name="圖片 6" descr="一張含有 日本動畫, 卡通, 虛構小說, 漫畫 的圖片&#10;&#10;自動產生的描述">
+            <a:extLst>
+              <a:ext uri="{FF2B5EF4-FFF2-40B4-BE49-F238E27FC236}">
+                <a16:creationId xmlns:a16="http://schemas.microsoft.com/office/drawing/2014/main" id="{88C6043D-A280-4EDC-F344-7CF30C5C645E}"/>
+              </a:ext>
+            </a:extLst>
+          </p:cNvPr>
+          <p:cNvPicPr>
+            <a:picLocks noChangeAspect="1"/>
+          </p:cNvPicPr>
+          <p:nvPr/>
+        </p:nvPicPr>
+        <p:blipFill>
+          <a:blip r:embed="rId3"/>
+          <a:stretch>
+            <a:fillRect/>
+          </a:stretch>
+        </p:blipFill>
+        <p:spPr>
+          <a:xfrm>
+            <a:off x="-5334901" y="1239924"/>
+            <a:ext cx="4373004" cy="4373004"/>
+          </a:xfrm>
+          <a:prstGeom prst="rect">
+            <a:avLst/>
+          </a:prstGeom>
+        </p:spPr>
+      </p:pic>
+      <p:pic>
+        <p:nvPicPr>
+          <p:cNvPr id="9" name="圖片 8" descr="一張含有 卡通, 服裝, 人的臉孔, 玩具 的圖片&#10;&#10;自動產生的描述">
+            <a:extLst>
+              <a:ext uri="{FF2B5EF4-FFF2-40B4-BE49-F238E27FC236}">
+                <a16:creationId xmlns:a16="http://schemas.microsoft.com/office/drawing/2014/main" id="{5103F4C7-EC9C-895C-C368-6FF7B2A43FCA}"/>
+              </a:ext>
+            </a:extLst>
+          </p:cNvPr>
+          <p:cNvPicPr>
+            <a:picLocks noChangeAspect="1"/>
+          </p:cNvPicPr>
+          <p:nvPr/>
+        </p:nvPicPr>
+        <p:blipFill>
+          <a:blip r:embed="rId4"/>
+          <a:stretch>
+            <a:fillRect/>
+          </a:stretch>
+        </p:blipFill>
+        <p:spPr>
+          <a:xfrm>
+            <a:off x="658512" y="1943101"/>
+            <a:ext cx="4114800" cy="4114800"/>
+          </a:xfrm>
+          <a:prstGeom prst="rect">
+            <a:avLst/>
+          </a:prstGeom>
+        </p:spPr>
+      </p:pic>
+    </p:spTree>
+    <p:extLst>
+      <p:ext uri="{BB962C8B-B14F-4D97-AF65-F5344CB8AC3E}">
+        <p14:creationId xmlns:p14="http://schemas.microsoft.com/office/powerpoint/2010/main" val="1118932292"/>
+      </p:ext>
+    </p:extLst>
+  </p:cSld>
+  <p:clrMapOvr>
+    <a:masterClrMapping/>
+  </p:clrMapOvr>
+  <mc:AlternateContent xmlns:mc="http://schemas.openxmlformats.org/markup-compatibility/2006" xmlns:p159="http://schemas.microsoft.com/office/powerpoint/2015/09/main">
+    <mc:Choice Requires="p159">
+      <p:transition xmlns:p14="http://schemas.microsoft.com/office/powerpoint/2010/main" spd="slow" p14:dur="2000">
+        <p159:morph option="byObject"/>
+      </p:transition>
+    </mc:Choice>
+    <mc:Fallback xmlns="">
+      <p:transition spd="slow">
+        <p:fade/>
+      </p:transition>
+    </mc:Fallback>
+  </mc:AlternateContent>
+</p:sld>
+</file>
+
+<file path=ppt/slides/slide12.xml><?xml version="1.0" encoding="utf-8"?>
+<p:sld xmlns:a="http://schemas.openxmlformats.org/drawingml/2006/main" xmlns:r="http://schemas.openxmlformats.org/officeDocument/2006/relationships" xmlns:p="http://schemas.openxmlformats.org/presentationml/2006/main">
+  <p:cSld>
+    <p:spTree>
+      <p:nvGrpSpPr>
+        <p:cNvPr id="1" name=""/>
+        <p:cNvGrpSpPr/>
+        <p:nvPr/>
+      </p:nvGrpSpPr>
+      <p:grpSpPr>
+        <a:xfrm>
+          <a:off x="0" y="0"/>
+          <a:ext cx="0" cy="0"/>
+          <a:chOff x="0" y="0"/>
+          <a:chExt cx="0" cy="0"/>
+        </a:xfrm>
+      </p:grpSpPr>
+      <p:sp>
+        <p:nvSpPr>
+          <p:cNvPr id="2" name="標題 1"/>
+          <p:cNvSpPr>
+            <a:spLocks noGrp="1"/>
+          </p:cNvSpPr>
+          <p:nvPr>
+            <p:ph type="ctrTitle"/>
+          </p:nvPr>
+        </p:nvSpPr>
+        <p:spPr>
+          <a:xfrm>
+            <a:off x="-11811000" y="3001533"/>
+            <a:ext cx="9144000" cy="2387600"/>
+          </a:xfrm>
+        </p:spPr>
+        <p:txBody>
+          <a:bodyPr/>
+          <a:lstStyle/>
+          <a:p>
+            <a:r>
+              <a:rPr lang="zh-TW" altLang="en-US">
+                <a:ea typeface="+mj-lt"/>
+                <a:cs typeface="+mj-lt"/>
+              </a:rPr>
+              <a:t>6.</a:t>
+            </a:r>
+            <a:r>
+              <a:rPr lang="zh-TW">
+                <a:ea typeface="+mj-lt"/>
+                <a:cs typeface="+mj-lt"/>
+              </a:rPr>
+              <a:t>轉彎</a:t>
+            </a:r>
+            <a:br>
+              <a:rPr lang="zh-TW" altLang="en-US" dirty="0">
+                <a:ea typeface="+mj-lt"/>
+                <a:cs typeface="+mj-lt"/>
+              </a:rPr>
+            </a:br>
+            <a:endParaRPr lang="zh-TW" altLang="en-US" dirty="0">
+              <a:ea typeface="+mj-lt"/>
+              <a:cs typeface="+mj-lt"/>
+            </a:endParaRPr>
+          </a:p>
+        </p:txBody>
+      </p:sp>
+      <p:pic>
+        <p:nvPicPr>
+          <p:cNvPr id="3" name="圖片 2" descr="一張含有 洋娃娃, 卡通, 玩具, 服裝 的圖片&#10;&#10;自動產生的描述">
+            <a:extLst>
+              <a:ext uri="{FF2B5EF4-FFF2-40B4-BE49-F238E27FC236}">
+                <a16:creationId xmlns:a16="http://schemas.microsoft.com/office/drawing/2014/main" id="{73ECFD3C-DD24-3640-4B75-414C2AC53633}"/>
+              </a:ext>
+            </a:extLst>
+          </p:cNvPr>
+          <p:cNvPicPr>
+            <a:picLocks noChangeAspect="1"/>
+          </p:cNvPicPr>
+          <p:nvPr/>
+        </p:nvPicPr>
+        <p:blipFill>
+          <a:blip r:embed="rId2"/>
+          <a:stretch>
+            <a:fillRect/>
+          </a:stretch>
+        </p:blipFill>
+        <p:spPr>
+          <a:xfrm>
+            <a:off x="-8194590" y="4818620"/>
+            <a:ext cx="4815016" cy="4815016"/>
+          </a:xfrm>
+          <a:prstGeom prst="rect">
+            <a:avLst/>
+          </a:prstGeom>
+        </p:spPr>
+      </p:pic>
+      <p:sp>
+        <p:nvSpPr>
+          <p:cNvPr id="5" name="標題 1">
+            <a:extLst>
+              <a:ext uri="{FF2B5EF4-FFF2-40B4-BE49-F238E27FC236}">
+                <a16:creationId xmlns:a16="http://schemas.microsoft.com/office/drawing/2014/main" id="{ADB4CB83-BEFB-19B5-7C71-4FD6FD9DC07D}"/>
+              </a:ext>
+            </a:extLst>
+          </p:cNvPr>
+          <p:cNvSpPr txBox="1">
+            <a:spLocks/>
+          </p:cNvSpPr>
+          <p:nvPr/>
+        </p:nvSpPr>
+        <p:spPr>
+          <a:xfrm>
+            <a:off x="-3379573" y="-192688"/>
+            <a:ext cx="9144000" cy="2387600"/>
+          </a:xfrm>
+          <a:prstGeom prst="rect">
+            <a:avLst/>
+          </a:prstGeom>
+        </p:spPr>
+        <p:txBody>
+          <a:bodyPr vert="horz" lIns="91440" tIns="45720" rIns="91440" bIns="45720" rtlCol="0" anchor="b">
+            <a:normAutofit/>
+          </a:bodyPr>
+          <a:lstStyle>
+            <a:lvl1pPr algn="ctr" defTabSz="914400" rtl="0" eaLnBrk="1" latinLnBrk="0" hangingPunct="1">
+              <a:lnSpc>
+                <a:spcPct val="100000"/>
+              </a:lnSpc>
+              <a:spcBef>
+                <a:spcPct val="0"/>
+              </a:spcBef>
+              <a:buNone/>
+              <a:defRPr sz="3600" kern="1200">
+                <a:solidFill>
+                  <a:schemeClr val="tx2"/>
+                </a:solidFill>
+                <a:latin typeface="+mj-lt"/>
+                <a:ea typeface="+mj-ea"/>
+                <a:cs typeface="+mj-cs"/>
+              </a:defRPr>
+            </a:lvl1pPr>
+          </a:lstStyle>
+          <a:p>
+            <a:r>
+              <a:rPr lang="en-US" altLang="zh-TW" dirty="0">
+                <a:ea typeface="+mj-lt"/>
+                <a:cs typeface="+mj-lt"/>
+              </a:rPr>
+              <a:t>7.</a:t>
+            </a:r>
+            <a:r>
+              <a:rPr lang="zh-TW" altLang="en-US">
+                <a:ea typeface="+mj-lt"/>
+                <a:cs typeface="+mj-lt"/>
+              </a:rPr>
+              <a:t>結局</a:t>
+            </a:r>
+            <a:br>
+              <a:rPr lang="en-US" altLang="zh-TW" dirty="0">
+                <a:ea typeface="+mj-lt"/>
+                <a:cs typeface="+mj-lt"/>
+              </a:rPr>
+            </a:br>
+            <a:endParaRPr lang="en-US" altLang="zh-TW" dirty="0">
+              <a:ea typeface="+mj-lt"/>
+              <a:cs typeface="+mj-lt"/>
+            </a:endParaRPr>
+          </a:p>
+        </p:txBody>
+      </p:sp>
+      <p:pic>
+        <p:nvPicPr>
+          <p:cNvPr id="7" name="圖片 6" descr="一張含有 日本動畫, 卡通, 虛構小說, 漫畫 的圖片&#10;&#10;自動產生的描述">
+            <a:extLst>
+              <a:ext uri="{FF2B5EF4-FFF2-40B4-BE49-F238E27FC236}">
+                <a16:creationId xmlns:a16="http://schemas.microsoft.com/office/drawing/2014/main" id="{88C6043D-A280-4EDC-F344-7CF30C5C645E}"/>
+              </a:ext>
+            </a:extLst>
+          </p:cNvPr>
+          <p:cNvPicPr>
+            <a:picLocks noChangeAspect="1"/>
+          </p:cNvPicPr>
+          <p:nvPr/>
+        </p:nvPicPr>
+        <p:blipFill>
+          <a:blip r:embed="rId3"/>
+          <a:stretch>
+            <a:fillRect/>
+          </a:stretch>
+        </p:blipFill>
+        <p:spPr>
+          <a:xfrm>
+            <a:off x="864072" y="1847465"/>
+            <a:ext cx="4373004" cy="4373004"/>
+          </a:xfrm>
+          <a:prstGeom prst="rect">
+            <a:avLst/>
+          </a:prstGeom>
+        </p:spPr>
+      </p:pic>
+      <p:pic>
+        <p:nvPicPr>
+          <p:cNvPr id="9" name="圖片 8" descr="一張含有 卡通, 服裝, 人的臉孔, 玩具 的圖片&#10;&#10;自動產生的描述">
+            <a:extLst>
+              <a:ext uri="{FF2B5EF4-FFF2-40B4-BE49-F238E27FC236}">
+                <a16:creationId xmlns:a16="http://schemas.microsoft.com/office/drawing/2014/main" id="{5103F4C7-EC9C-895C-C368-6FF7B2A43FCA}"/>
+              </a:ext>
+            </a:extLst>
+          </p:cNvPr>
+          <p:cNvPicPr>
+            <a:picLocks noChangeAspect="1"/>
+          </p:cNvPicPr>
+          <p:nvPr/>
+        </p:nvPicPr>
+        <p:blipFill>
+          <a:blip r:embed="rId4"/>
+          <a:stretch>
+            <a:fillRect/>
+          </a:stretch>
+        </p:blipFill>
+        <p:spPr>
+          <a:xfrm>
+            <a:off x="-5787596" y="2766885"/>
+            <a:ext cx="4114800" cy="4114800"/>
+          </a:xfrm>
+          <a:prstGeom prst="rect">
+            <a:avLst/>
+          </a:prstGeom>
+        </p:spPr>
+      </p:pic>
+    </p:spTree>
+    <p:extLst>
+      <p:ext uri="{BB962C8B-B14F-4D97-AF65-F5344CB8AC3E}">
+        <p14:creationId xmlns:p14="http://schemas.microsoft.com/office/powerpoint/2010/main" val="1900096466"/>
+      </p:ext>
+    </p:extLst>
+  </p:cSld>
+  <p:clrMapOvr>
+    <a:masterClrMapping/>
+  </p:clrMapOvr>
+  <mc:AlternateContent xmlns:mc="http://schemas.openxmlformats.org/markup-compatibility/2006" xmlns:p159="http://schemas.microsoft.com/office/powerpoint/2015/09/main">
+    <mc:Choice Requires="p159">
+      <p:transition xmlns:p14="http://schemas.microsoft.com/office/powerpoint/2010/main" spd="slow" p14:dur="2000">
+        <p159:morph option="byObject"/>
+      </p:transition>
+    </mc:Choice>
+    <mc:Fallback xmlns="">
+      <p:transition spd="slow">
+        <p:fade/>
+      </p:transition>
+    </mc:Fallback>
+  </mc:AlternateContent>
+</p:sld>
+</file>
+
+<file path=ppt/slides/slide2.xml><?xml version="1.0" encoding="utf-8"?>
+<p:sld xmlns:a="http://schemas.openxmlformats.org/drawingml/2006/main" xmlns:r="http://schemas.openxmlformats.org/officeDocument/2006/relationships" xmlns:p="http://schemas.openxmlformats.org/presentationml/2006/main">
+  <p:cSld>
+    <p:spTree>
+      <p:nvGrpSpPr>
+        <p:cNvPr id="1" name=""/>
+        <p:cNvGrpSpPr/>
+        <p:nvPr/>
+      </p:nvGrpSpPr>
+      <p:grpSpPr>
+        <a:xfrm>
+          <a:off x="0" y="0"/>
+          <a:ext cx="0" cy="0"/>
+          <a:chOff x="0" y="0"/>
+          <a:chExt cx="0" cy="0"/>
+        </a:xfrm>
+      </p:grpSpPr>
+      <p:sp>
+        <p:nvSpPr>
+          <p:cNvPr id="2" name="標題 1"/>
+          <p:cNvSpPr>
+            <a:spLocks noGrp="1"/>
+          </p:cNvSpPr>
+          <p:nvPr>
+            <p:ph type="ctrTitle"/>
+          </p:nvPr>
+        </p:nvSpPr>
+        <p:spPr>
+          <a:xfrm>
+            <a:off x="-2924432" y="-97953"/>
+            <a:ext cx="9144000" cy="2387600"/>
+          </a:xfrm>
+        </p:spPr>
+        <p:txBody>
+          <a:bodyPr/>
+          <a:lstStyle/>
+          <a:p>
+            <a:r>
+              <a:rPr lang="en-US" altLang="zh-TW" dirty="0">
+                <a:ea typeface="+mj-lt"/>
+                <a:cs typeface="+mj-lt"/>
+              </a:rPr>
+              <a:t>1.</a:t>
+            </a:r>
+            <a:r>
+              <a:rPr lang="en-US" dirty="0">
+                <a:ea typeface="+mj-lt"/>
+                <a:cs typeface="+mj-lt"/>
+              </a:rPr>
+              <a:t>目標</a:t>
+            </a:r>
+            <a:br>
+              <a:rPr lang="zh-TW" altLang="en-US" dirty="0">
+                <a:ea typeface="+mj-lt"/>
+                <a:cs typeface="+mj-lt"/>
+              </a:rPr>
+            </a:br>
+            <a:endParaRPr lang="en-US" altLang="zh-TW" sz="4000">
+              <a:ea typeface="新細明體"/>
+            </a:endParaRPr>
+          </a:p>
+        </p:txBody>
+      </p:sp>
+      <p:pic>
+        <p:nvPicPr>
+          <p:cNvPr id="3" name="圖片 2" descr="一張含有 日本動畫, 卡通, 人的臉孔, 漫畫 的圖片&#10;&#10;自動產生的描述">
+            <a:extLst>
+              <a:ext uri="{FF2B5EF4-FFF2-40B4-BE49-F238E27FC236}">
+                <a16:creationId xmlns:a16="http://schemas.microsoft.com/office/drawing/2014/main" id="{14B6E2CC-FAA7-CCB9-1B1D-99CE501480A4}"/>
+              </a:ext>
+            </a:extLst>
+          </p:cNvPr>
+          <p:cNvPicPr>
+            <a:picLocks noChangeAspect="1"/>
+          </p:cNvPicPr>
+          <p:nvPr/>
+        </p:nvPicPr>
+        <p:blipFill>
+          <a:blip r:embed="rId2"/>
+          <a:stretch>
+            <a:fillRect/>
+          </a:stretch>
+        </p:blipFill>
+        <p:spPr>
+          <a:xfrm>
+            <a:off x="-4516899" y="1604844"/>
+            <a:ext cx="4114800" cy="4114800"/>
+          </a:xfrm>
+          <a:prstGeom prst="rect">
+            <a:avLst/>
+          </a:prstGeom>
+        </p:spPr>
+      </p:pic>
+    </p:spTree>
+    <p:extLst>
+      <p:ext uri="{BB962C8B-B14F-4D97-AF65-F5344CB8AC3E}">
+        <p14:creationId xmlns:p14="http://schemas.microsoft.com/office/powerpoint/2010/main" val="2343483689"/>
+      </p:ext>
+    </p:extLst>
+  </p:cSld>
+  <p:clrMapOvr>
+    <a:masterClrMapping/>
+  </p:clrMapOvr>
+  <mc:AlternateContent xmlns:mc="http://schemas.openxmlformats.org/markup-compatibility/2006" xmlns:p159="http://schemas.microsoft.com/office/powerpoint/2015/09/main">
+    <mc:Choice Requires="p159">
+      <p:transition xmlns:p14="http://schemas.microsoft.com/office/powerpoint/2010/main" spd="slow" p14:dur="2000">
+        <p159:morph option="byObject"/>
+      </p:transition>
+    </mc:Choice>
+    <mc:Fallback xmlns="">
+      <p:transition spd="slow">
+        <p:fade/>
+      </p:transition>
+    </mc:Fallback>
+  </mc:AlternateContent>
+</p:sld>
+</file>
+
+<file path=ppt/slides/slide3.xml><?xml version="1.0" encoding="utf-8"?>
+<p:sld xmlns:a="http://schemas.openxmlformats.org/drawingml/2006/main" xmlns:r="http://schemas.openxmlformats.org/officeDocument/2006/relationships" xmlns:p="http://schemas.openxmlformats.org/presentationml/2006/main">
+  <p:cSld>
+    <p:spTree>
+      <p:nvGrpSpPr>
+        <p:cNvPr id="1" name=""/>
+        <p:cNvGrpSpPr/>
+        <p:nvPr/>
+      </p:nvGrpSpPr>
+      <p:grpSpPr>
+        <a:xfrm>
+          <a:off x="0" y="0"/>
+          <a:ext cx="0" cy="0"/>
+          <a:chOff x="0" y="0"/>
+          <a:chExt cx="0" cy="0"/>
+        </a:xfrm>
+      </p:grpSpPr>
+      <p:sp>
+        <p:nvSpPr>
+          <p:cNvPr id="2" name="標題 1"/>
+          <p:cNvSpPr>
+            <a:spLocks noGrp="1"/>
+          </p:cNvSpPr>
+          <p:nvPr>
+            <p:ph type="ctrTitle"/>
+          </p:nvPr>
+        </p:nvSpPr>
+        <p:spPr>
+          <a:xfrm>
+            <a:off x="-2924432" y="-97953"/>
+            <a:ext cx="9144000" cy="2387600"/>
+          </a:xfrm>
+        </p:spPr>
+        <p:txBody>
+          <a:bodyPr/>
+          <a:lstStyle/>
+          <a:p>
+            <a:r>
+              <a:rPr lang="en-US" altLang="zh-TW" dirty="0">
+                <a:ea typeface="+mj-lt"/>
+                <a:cs typeface="+mj-lt"/>
+              </a:rPr>
+              <a:t>1.</a:t>
+            </a:r>
+            <a:r>
+              <a:rPr lang="en-US" dirty="0">
+                <a:ea typeface="+mj-lt"/>
+                <a:cs typeface="+mj-lt"/>
+              </a:rPr>
+              <a:t>目標</a:t>
+            </a:r>
+            <a:br>
+              <a:rPr lang="zh-TW" altLang="en-US" dirty="0">
+                <a:ea typeface="+mj-lt"/>
+                <a:cs typeface="+mj-lt"/>
+              </a:rPr>
+            </a:br>
+            <a:endParaRPr lang="en-US" altLang="zh-TW" sz="4000">
+              <a:ea typeface="新細明體"/>
+            </a:endParaRPr>
+          </a:p>
+        </p:txBody>
+      </p:sp>
+      <p:pic>
+        <p:nvPicPr>
+          <p:cNvPr id="3" name="圖片 2" descr="一張含有 日本動畫, 卡通, 人的臉孔, 漫畫 的圖片&#10;&#10;自動產生的描述">
+            <a:extLst>
+              <a:ext uri="{FF2B5EF4-FFF2-40B4-BE49-F238E27FC236}">
+                <a16:creationId xmlns:a16="http://schemas.microsoft.com/office/drawing/2014/main" id="{14B6E2CC-FAA7-CCB9-1B1D-99CE501480A4}"/>
+              </a:ext>
+            </a:extLst>
+          </p:cNvPr>
+          <p:cNvPicPr>
+            <a:picLocks noChangeAspect="1"/>
+          </p:cNvPicPr>
+          <p:nvPr/>
+        </p:nvPicPr>
+        <p:blipFill>
+          <a:blip r:embed="rId2"/>
+          <a:stretch>
+            <a:fillRect/>
+          </a:stretch>
+        </p:blipFill>
+        <p:spPr>
+          <a:xfrm>
+            <a:off x="1645886" y="1713701"/>
+            <a:ext cx="4659085" cy="4659085"/>
+          </a:xfrm>
+          <a:prstGeom prst="rect">
+            <a:avLst/>
+          </a:prstGeom>
+        </p:spPr>
+      </p:pic>
+    </p:spTree>
+    <p:extLst>
+      <p:ext uri="{BB962C8B-B14F-4D97-AF65-F5344CB8AC3E}">
+        <p14:creationId xmlns:p14="http://schemas.microsoft.com/office/powerpoint/2010/main" val="4191976386"/>
+      </p:ext>
+    </p:extLst>
+  </p:cSld>
+  <p:clrMapOvr>
+    <a:masterClrMapping/>
+  </p:clrMapOvr>
+  <mc:AlternateContent xmlns:mc="http://schemas.openxmlformats.org/markup-compatibility/2006" xmlns:p159="http://schemas.microsoft.com/office/powerpoint/2015/09/main">
+    <mc:Choice Requires="p159">
+      <p:transition xmlns:p14="http://schemas.microsoft.com/office/powerpoint/2010/main" spd="slow" p14:dur="2000">
+        <p159:morph option="byObject"/>
+      </p:transition>
+    </mc:Choice>
+    <mc:Fallback xmlns="">
+      <p:transition spd="slow">
+        <p:fade/>
+      </p:transition>
+    </mc:Fallback>
+  </mc:AlternateContent>
+</p:sld>
+</file>
+
+<file path=ppt/slides/slide4.xml><?xml version="1.0" encoding="utf-8"?>
+<p:sld xmlns:a="http://schemas.openxmlformats.org/drawingml/2006/main" xmlns:r="http://schemas.openxmlformats.org/officeDocument/2006/relationships" xmlns:p="http://schemas.openxmlformats.org/presentationml/2006/main">
+  <p:cSld>
+    <p:spTree>
+      <p:nvGrpSpPr>
+        <p:cNvPr id="1" name=""/>
+        <p:cNvGrpSpPr/>
+        <p:nvPr/>
+      </p:nvGrpSpPr>
+      <p:grpSpPr>
+        <a:xfrm>
+          <a:off x="0" y="0"/>
+          <a:ext cx="0" cy="0"/>
+          <a:chOff x="0" y="0"/>
+          <a:chExt cx="0" cy="0"/>
+        </a:xfrm>
+      </p:grpSpPr>
+      <p:sp>
+        <p:nvSpPr>
+          <p:cNvPr id="2" name="標題 1"/>
+          <p:cNvSpPr>
+            <a:spLocks noGrp="1"/>
+          </p:cNvSpPr>
+          <p:nvPr>
+            <p:ph type="ctrTitle"/>
+          </p:nvPr>
+        </p:nvSpPr>
+        <p:spPr>
+          <a:xfrm>
+            <a:off x="-2914135" y="-787872"/>
+            <a:ext cx="9144000" cy="2387600"/>
+          </a:xfrm>
+        </p:spPr>
+        <p:txBody>
+          <a:bodyPr/>
+          <a:lstStyle/>
+          <a:p>
+            <a:r>
+              <a:rPr lang="zh-TW" altLang="en-US">
+                <a:ea typeface="+mj-lt"/>
+                <a:cs typeface="+mj-lt"/>
+              </a:rPr>
+              <a:t>2.阻礙</a:t>
+            </a:r>
+            <a:endParaRPr lang="en-US" altLang="zh-TW" sz="4000">
+              <a:ea typeface="新細明體"/>
+            </a:endParaRPr>
+          </a:p>
+        </p:txBody>
+      </p:sp>
+      <p:pic>
+        <p:nvPicPr>
+          <p:cNvPr id="3" name="圖片 2" descr="一張含有 服裝, 人的臉孔, 日本動畫, 卡通 的圖片&#10;&#10;自動產生的描述">
+            <a:extLst>
+              <a:ext uri="{FF2B5EF4-FFF2-40B4-BE49-F238E27FC236}">
+                <a16:creationId xmlns:a16="http://schemas.microsoft.com/office/drawing/2014/main" id="{20BED8FE-9E99-41DF-DED0-D77E0037D2B6}"/>
+              </a:ext>
+            </a:extLst>
+          </p:cNvPr>
+          <p:cNvPicPr>
+            <a:picLocks noChangeAspect="1"/>
+          </p:cNvPicPr>
+          <p:nvPr/>
+        </p:nvPicPr>
+        <p:blipFill>
+          <a:blip r:embed="rId2"/>
+          <a:stretch>
+            <a:fillRect/>
+          </a:stretch>
+        </p:blipFill>
+        <p:spPr>
+          <a:xfrm>
+            <a:off x="-5875123" y="411377"/>
+            <a:ext cx="5422556" cy="5422556"/>
+          </a:xfrm>
+          <a:prstGeom prst="rect">
+            <a:avLst/>
+          </a:prstGeom>
+        </p:spPr>
+      </p:pic>
+    </p:spTree>
+    <p:extLst>
+      <p:ext uri="{BB962C8B-B14F-4D97-AF65-F5344CB8AC3E}">
+        <p14:creationId xmlns:p14="http://schemas.microsoft.com/office/powerpoint/2010/main" val="1387870592"/>
+      </p:ext>
+    </p:extLst>
+  </p:cSld>
+  <p:clrMapOvr>
+    <a:masterClrMapping/>
+  </p:clrMapOvr>
+  <mc:AlternateContent xmlns:mc="http://schemas.openxmlformats.org/markup-compatibility/2006" xmlns:p159="http://schemas.microsoft.com/office/powerpoint/2015/09/main">
+    <mc:Choice Requires="p159">
+      <p:transition xmlns:p14="http://schemas.microsoft.com/office/powerpoint/2010/main" spd="slow" p14:dur="2000">
+        <p159:morph option="byObject"/>
+      </p:transition>
+    </mc:Choice>
+    <mc:Fallback xmlns="">
+      <p:transition spd="slow">
+        <p:fade/>
+      </p:transition>
+    </mc:Fallback>
+  </mc:AlternateContent>
+</p:sld>
+</file>
+
+<file path=ppt/slides/slide5.xml><?xml version="1.0" encoding="utf-8"?>
+<p:sld xmlns:a="http://schemas.openxmlformats.org/drawingml/2006/main" xmlns:r="http://schemas.openxmlformats.org/officeDocument/2006/relationships" xmlns:p="http://schemas.openxmlformats.org/presentationml/2006/main">
+  <p:cSld>
+    <p:spTree>
+      <p:nvGrpSpPr>
+        <p:cNvPr id="1" name=""/>
+        <p:cNvGrpSpPr/>
+        <p:nvPr/>
+      </p:nvGrpSpPr>
+      <p:grpSpPr>
+        <a:xfrm>
+          <a:off x="0" y="0"/>
+          <a:ext cx="0" cy="0"/>
+          <a:chOff x="0" y="0"/>
+          <a:chExt cx="0" cy="0"/>
+        </a:xfrm>
+      </p:grpSpPr>
+      <p:sp>
+        <p:nvSpPr>
+          <p:cNvPr id="2" name="標題 1"/>
+          <p:cNvSpPr>
+            <a:spLocks noGrp="1"/>
+          </p:cNvSpPr>
+          <p:nvPr>
+            <p:ph type="ctrTitle"/>
+          </p:nvPr>
+        </p:nvSpPr>
+        <p:spPr>
+          <a:xfrm>
+            <a:off x="-2914135" y="-787872"/>
+            <a:ext cx="9144000" cy="2387600"/>
+          </a:xfrm>
+        </p:spPr>
+        <p:txBody>
+          <a:bodyPr/>
+          <a:lstStyle/>
+          <a:p>
+            <a:r>
+              <a:rPr lang="zh-TW" altLang="en-US">
+                <a:ea typeface="+mj-lt"/>
+                <a:cs typeface="+mj-lt"/>
+              </a:rPr>
+              <a:t>2.阻礙</a:t>
+            </a:r>
+            <a:endParaRPr lang="en-US" altLang="zh-TW" sz="4000">
+              <a:ea typeface="新細明體"/>
+            </a:endParaRPr>
+          </a:p>
+        </p:txBody>
+      </p:sp>
+      <p:pic>
+        <p:nvPicPr>
+          <p:cNvPr id="3" name="圖片 2" descr="一張含有 服裝, 人的臉孔, 日本動畫, 卡通 的圖片&#10;&#10;自動產生的描述">
+            <a:extLst>
+              <a:ext uri="{FF2B5EF4-FFF2-40B4-BE49-F238E27FC236}">
+                <a16:creationId xmlns:a16="http://schemas.microsoft.com/office/drawing/2014/main" id="{20BED8FE-9E99-41DF-DED0-D77E0037D2B6}"/>
+              </a:ext>
+            </a:extLst>
+          </p:cNvPr>
+          <p:cNvPicPr>
+            <a:picLocks noChangeAspect="1"/>
+          </p:cNvPicPr>
+          <p:nvPr/>
+        </p:nvPicPr>
+        <p:blipFill>
+          <a:blip r:embed="rId2"/>
+          <a:stretch>
+            <a:fillRect/>
+          </a:stretch>
+        </p:blipFill>
+        <p:spPr>
+          <a:xfrm>
+            <a:off x="982877" y="1805981"/>
+            <a:ext cx="4631802" cy="4646179"/>
+          </a:xfrm>
+          <a:prstGeom prst="rect">
+            <a:avLst/>
+          </a:prstGeom>
+        </p:spPr>
+      </p:pic>
+      <p:pic>
+        <p:nvPicPr>
+          <p:cNvPr id="4" name="圖片 3" descr="一張含有 劉海, 姬髮式, 翅膀, 花童髮型 的圖片&#10;&#10;自動產生的描述">
+            <a:extLst>
+              <a:ext uri="{FF2B5EF4-FFF2-40B4-BE49-F238E27FC236}">
+                <a16:creationId xmlns:a16="http://schemas.microsoft.com/office/drawing/2014/main" id="{1E65B81C-F250-2BD5-6DCC-D64A5CB98CE6}"/>
+              </a:ext>
+            </a:extLst>
+          </p:cNvPr>
+          <p:cNvPicPr>
+            <a:picLocks noChangeAspect="1"/>
+          </p:cNvPicPr>
+          <p:nvPr/>
+        </p:nvPicPr>
+        <p:blipFill>
+          <a:blip r:embed="rId3"/>
+          <a:stretch>
+            <a:fillRect/>
+          </a:stretch>
+        </p:blipFill>
+        <p:spPr>
+          <a:xfrm>
+            <a:off x="12420600" y="963386"/>
+            <a:ext cx="4114800" cy="4114800"/>
+          </a:xfrm>
+          <a:prstGeom prst="rect">
+            <a:avLst/>
+          </a:prstGeom>
+        </p:spPr>
+      </p:pic>
+    </p:spTree>
+    <p:extLst>
+      <p:ext uri="{BB962C8B-B14F-4D97-AF65-F5344CB8AC3E}">
+        <p14:creationId xmlns:p14="http://schemas.microsoft.com/office/powerpoint/2010/main" val="2769168358"/>
+      </p:ext>
+    </p:extLst>
+  </p:cSld>
+  <p:clrMapOvr>
+    <a:masterClrMapping/>
+  </p:clrMapOvr>
+  <mc:AlternateContent xmlns:mc="http://schemas.openxmlformats.org/markup-compatibility/2006" xmlns:p159="http://schemas.microsoft.com/office/powerpoint/2015/09/main">
+    <mc:Choice Requires="p159">
+      <p:transition xmlns:p14="http://schemas.microsoft.com/office/powerpoint/2010/main" spd="slow" p14:dur="2000">
+        <p159:morph option="byObject"/>
+      </p:transition>
+    </mc:Choice>
+    <mc:Fallback xmlns="">
+      <p:transition spd="slow">
+        <p:fade/>
+      </p:transition>
+    </mc:Fallback>
+  </mc:AlternateContent>
+</p:sld>
+</file>
+
+<file path=ppt/slides/slide6.xml><?xml version="1.0" encoding="utf-8"?>
+<p:sld xmlns:a="http://schemas.openxmlformats.org/drawingml/2006/main" xmlns:r="http://schemas.openxmlformats.org/officeDocument/2006/relationships" xmlns:p="http://schemas.openxmlformats.org/presentationml/2006/main">
+  <p:cSld>
+    <p:spTree>
+      <p:nvGrpSpPr>
+        <p:cNvPr id="1" name=""/>
+        <p:cNvGrpSpPr/>
+        <p:nvPr/>
+      </p:nvGrpSpPr>
+      <p:grpSpPr>
+        <a:xfrm>
+          <a:off x="0" y="0"/>
+          <a:ext cx="0" cy="0"/>
+          <a:chOff x="0" y="0"/>
+          <a:chExt cx="0" cy="0"/>
+        </a:xfrm>
+      </p:grpSpPr>
+      <p:sp>
+        <p:nvSpPr>
+          <p:cNvPr id="2" name="標題 1"/>
+          <p:cNvSpPr>
+            <a:spLocks noGrp="1"/>
+          </p:cNvSpPr>
+          <p:nvPr>
+            <p:ph type="ctrTitle"/>
+          </p:nvPr>
+        </p:nvSpPr>
+        <p:spPr>
+          <a:xfrm>
+            <a:off x="-2914135" y="-787872"/>
+            <a:ext cx="9144000" cy="2387600"/>
+          </a:xfrm>
+        </p:spPr>
+        <p:txBody>
+          <a:bodyPr/>
+          <a:lstStyle/>
+          <a:p>
+            <a:r>
+              <a:rPr lang="zh-TW" altLang="en-US">
+                <a:ea typeface="+mj-lt"/>
+                <a:cs typeface="+mj-lt"/>
+              </a:rPr>
+              <a:t>2.阻礙</a:t>
+            </a:r>
+            <a:endParaRPr lang="en-US" altLang="zh-TW" sz="4000">
+              <a:ea typeface="新細明體"/>
+            </a:endParaRPr>
+          </a:p>
+        </p:txBody>
+      </p:sp>
+      <p:pic>
+        <p:nvPicPr>
+          <p:cNvPr id="3" name="圖片 2" descr="一張含有 服裝, 人的臉孔, 日本動畫, 卡通 的圖片&#10;&#10;自動產生的描述">
+            <a:extLst>
+              <a:ext uri="{FF2B5EF4-FFF2-40B4-BE49-F238E27FC236}">
+                <a16:creationId xmlns:a16="http://schemas.microsoft.com/office/drawing/2014/main" id="{20BED8FE-9E99-41DF-DED0-D77E0037D2B6}"/>
+              </a:ext>
+            </a:extLst>
+          </p:cNvPr>
+          <p:cNvPicPr>
+            <a:picLocks noChangeAspect="1"/>
+          </p:cNvPicPr>
+          <p:nvPr/>
+        </p:nvPicPr>
+        <p:blipFill>
+          <a:blip r:embed="rId2"/>
+          <a:stretch>
+            <a:fillRect/>
+          </a:stretch>
+        </p:blipFill>
+        <p:spPr>
+          <a:xfrm>
+            <a:off x="-5379218" y="1600362"/>
+            <a:ext cx="4631802" cy="4646179"/>
+          </a:xfrm>
+          <a:prstGeom prst="rect">
+            <a:avLst/>
+          </a:prstGeom>
+        </p:spPr>
+      </p:pic>
+      <p:pic>
+        <p:nvPicPr>
+          <p:cNvPr id="4" name="圖片 3" descr="一張含有 劉海, 姬髮式, 翅膀, 花童髮型 的圖片&#10;&#10;自動產生的描述">
+            <a:extLst>
+              <a:ext uri="{FF2B5EF4-FFF2-40B4-BE49-F238E27FC236}">
+                <a16:creationId xmlns:a16="http://schemas.microsoft.com/office/drawing/2014/main" id="{1E65B81C-F250-2BD5-6DCC-D64A5CB98CE6}"/>
+              </a:ext>
+            </a:extLst>
+          </p:cNvPr>
+          <p:cNvPicPr>
+            <a:picLocks noChangeAspect="1"/>
+          </p:cNvPicPr>
+          <p:nvPr/>
+        </p:nvPicPr>
+        <p:blipFill>
+          <a:blip r:embed="rId3"/>
+          <a:stretch>
+            <a:fillRect/>
+          </a:stretch>
+        </p:blipFill>
+        <p:spPr>
+          <a:xfrm>
+            <a:off x="396953" y="1599040"/>
+            <a:ext cx="5130800" cy="5130800"/>
+          </a:xfrm>
+          <a:prstGeom prst="rect">
+            <a:avLst/>
+          </a:prstGeom>
+        </p:spPr>
+      </p:pic>
+    </p:spTree>
+    <p:extLst>
+      <p:ext uri="{BB962C8B-B14F-4D97-AF65-F5344CB8AC3E}">
+        <p14:creationId xmlns:p14="http://schemas.microsoft.com/office/powerpoint/2010/main" val="3552973476"/>
+      </p:ext>
+    </p:extLst>
+  </p:cSld>
+  <p:clrMapOvr>
+    <a:masterClrMapping/>
+  </p:clrMapOvr>
+  <mc:AlternateContent xmlns:mc="http://schemas.openxmlformats.org/markup-compatibility/2006" xmlns:p159="http://schemas.microsoft.com/office/powerpoint/2015/09/main">
+    <mc:Choice Requires="p159">
+      <p:transition xmlns:p14="http://schemas.microsoft.com/office/powerpoint/2010/main" spd="slow" p14:dur="2000">
+        <p159:morph option="byObject"/>
+      </p:transition>
+    </mc:Choice>
+    <mc:Fallback xmlns="">
+      <p:transition spd="slow">
+        <p:fade/>
+      </p:transition>
+    </mc:Fallback>
+  </mc:AlternateContent>
+</p:sld>
+</file>
+
+<file path=ppt/slides/slide7.xml><?xml version="1.0" encoding="utf-8"?>
+<p:sld xmlns:a="http://schemas.openxmlformats.org/drawingml/2006/main" xmlns:r="http://schemas.openxmlformats.org/officeDocument/2006/relationships" xmlns:p="http://schemas.openxmlformats.org/presentationml/2006/main">
+  <p:cSld>
+    <p:spTree>
+      <p:nvGrpSpPr>
+        <p:cNvPr id="1" name=""/>
+        <p:cNvGrpSpPr/>
+        <p:nvPr/>
+      </p:nvGrpSpPr>
+      <p:grpSpPr>
+        <a:xfrm>
+          <a:off x="0" y="0"/>
+          <a:ext cx="0" cy="0"/>
+          <a:chOff x="0" y="0"/>
+          <a:chExt cx="0" cy="0"/>
+        </a:xfrm>
+      </p:grpSpPr>
+      <p:sp>
+        <p:nvSpPr>
+          <p:cNvPr id="2" name="標題 1"/>
+          <p:cNvSpPr>
+            <a:spLocks noGrp="1"/>
+          </p:cNvSpPr>
+          <p:nvPr>
+            <p:ph type="ctrTitle"/>
+          </p:nvPr>
+        </p:nvSpPr>
+        <p:spPr>
+          <a:xfrm>
+            <a:off x="-2934729" y="-674602"/>
+            <a:ext cx="9144000" cy="2387600"/>
+          </a:xfrm>
+        </p:spPr>
+        <p:txBody>
+          <a:bodyPr/>
+          <a:lstStyle/>
+          <a:p>
+            <a:r>
+              <a:rPr lang="zh-TW" altLang="en-US">
+                <a:ea typeface="+mj-lt"/>
+                <a:cs typeface="+mj-lt"/>
+              </a:rPr>
+              <a:t>3.</a:t>
+            </a:r>
+            <a:r>
+              <a:rPr lang="zh-TW">
+                <a:ea typeface="+mj-lt"/>
+                <a:cs typeface="+mj-lt"/>
+              </a:rPr>
+              <a:t>努力</a:t>
+            </a:r>
+            <a:endParaRPr lang="zh-TW" altLang="en-US" dirty="0">
+              <a:ea typeface="+mj-lt"/>
+              <a:cs typeface="+mj-lt"/>
+            </a:endParaRPr>
+          </a:p>
+        </p:txBody>
+      </p:sp>
+      <p:pic>
+        <p:nvPicPr>
+          <p:cNvPr id="3" name="圖片 2" descr="一張含有 人的臉孔, 服裝, 人員, 劉海 的圖片&#10;&#10;自動產生的描述">
+            <a:extLst>
+              <a:ext uri="{FF2B5EF4-FFF2-40B4-BE49-F238E27FC236}">
+                <a16:creationId xmlns:a16="http://schemas.microsoft.com/office/drawing/2014/main" id="{9623C746-A144-ACE5-E15A-209C1AB0F555}"/>
+              </a:ext>
+            </a:extLst>
+          </p:cNvPr>
+          <p:cNvPicPr>
+            <a:picLocks noChangeAspect="1"/>
+          </p:cNvPicPr>
+          <p:nvPr/>
+        </p:nvPicPr>
+        <p:blipFill>
+          <a:blip r:embed="rId2"/>
+          <a:stretch>
+            <a:fillRect/>
+          </a:stretch>
+        </p:blipFill>
+        <p:spPr>
+          <a:xfrm>
+            <a:off x="1044661" y="1809236"/>
+            <a:ext cx="4269259" cy="4269259"/>
+          </a:xfrm>
+          <a:prstGeom prst="rect">
+            <a:avLst/>
+          </a:prstGeom>
+        </p:spPr>
+      </p:pic>
+      <p:sp>
+        <p:nvSpPr>
+          <p:cNvPr id="4" name="標題 1">
+            <a:extLst>
+              <a:ext uri="{FF2B5EF4-FFF2-40B4-BE49-F238E27FC236}">
+                <a16:creationId xmlns:a16="http://schemas.microsoft.com/office/drawing/2014/main" id="{202D0546-3DF3-D1E3-5D12-74552D9FAC93}"/>
+              </a:ext>
+            </a:extLst>
+          </p:cNvPr>
+          <p:cNvSpPr>
+            <a:spLocks noGrp="1"/>
+          </p:cNvSpPr>
+          <p:nvPr/>
+        </p:nvSpPr>
+        <p:spPr>
+          <a:xfrm>
+            <a:off x="-8454081" y="25615"/>
+            <a:ext cx="9144000" cy="2387600"/>
+          </a:xfrm>
+          <a:prstGeom prst="rect">
+            <a:avLst/>
+          </a:prstGeom>
+        </p:spPr>
+        <p:txBody>
+          <a:bodyPr vert="horz" lIns="91440" tIns="45720" rIns="91440" bIns="45720" rtlCol="0" anchor="b">
+            <a:normAutofit/>
+          </a:bodyPr>
+          <a:lstStyle>
+            <a:lvl1pPr algn="ctr" defTabSz="914400" rtl="0" eaLnBrk="1" latinLnBrk="0" hangingPunct="1">
+              <a:lnSpc>
+                <a:spcPct val="100000"/>
+              </a:lnSpc>
+              <a:spcBef>
+                <a:spcPct val="0"/>
+              </a:spcBef>
+              <a:buNone/>
+              <a:defRPr sz="3600" kern="1200">
+                <a:solidFill>
+                  <a:schemeClr val="tx2"/>
+                </a:solidFill>
+                <a:latin typeface="+mj-lt"/>
+                <a:ea typeface="+mj-ea"/>
+                <a:cs typeface="+mj-cs"/>
+              </a:defRPr>
+            </a:lvl1pPr>
+          </a:lstStyle>
+          <a:p>
+            <a:r>
+              <a:rPr lang="en-US" altLang="zh-TW" dirty="0">
+                <a:ea typeface="+mj-lt"/>
+                <a:cs typeface="+mj-lt"/>
+              </a:rPr>
+              <a:t>4.</a:t>
+            </a:r>
+            <a:r>
+              <a:rPr lang="en-US" dirty="0">
+                <a:ea typeface="+mj-lt"/>
+                <a:cs typeface="+mj-lt"/>
+              </a:rPr>
+              <a:t>結果</a:t>
+            </a:r>
+            <a:br>
+              <a:rPr lang="en-US" dirty="0">
+                <a:ea typeface="+mj-lt"/>
+                <a:cs typeface="+mj-lt"/>
+              </a:rPr>
+            </a:br>
+            <a:endParaRPr lang="en-US" altLang="zh-TW" dirty="0">
+              <a:ea typeface="+mj-lt"/>
+              <a:cs typeface="+mj-lt"/>
+            </a:endParaRPr>
+          </a:p>
+        </p:txBody>
+      </p:sp>
+      <p:pic>
+        <p:nvPicPr>
+          <p:cNvPr id="5" name="圖片 4" descr="一張含有 人的臉孔, 服裝, 男孩, 螢幕擷取畫面 的圖片&#10;&#10;自動產生的描述">
+            <a:extLst>
+              <a:ext uri="{FF2B5EF4-FFF2-40B4-BE49-F238E27FC236}">
+                <a16:creationId xmlns:a16="http://schemas.microsoft.com/office/drawing/2014/main" id="{71738310-A61D-2F20-1511-A9CB57E19F47}"/>
+              </a:ext>
+            </a:extLst>
+          </p:cNvPr>
+          <p:cNvPicPr>
+            <a:picLocks noChangeAspect="1"/>
+          </p:cNvPicPr>
+          <p:nvPr/>
+        </p:nvPicPr>
+        <p:blipFill>
+          <a:blip r:embed="rId3"/>
+          <a:stretch>
+            <a:fillRect/>
+          </a:stretch>
+        </p:blipFill>
+        <p:spPr>
+          <a:xfrm>
+            <a:off x="-4899454" y="1840127"/>
+            <a:ext cx="4351638" cy="4351638"/>
+          </a:xfrm>
+          <a:prstGeom prst="rect">
+            <a:avLst/>
+          </a:prstGeom>
+        </p:spPr>
+      </p:pic>
+    </p:spTree>
+    <p:extLst>
+      <p:ext uri="{BB962C8B-B14F-4D97-AF65-F5344CB8AC3E}">
+        <p14:creationId xmlns:p14="http://schemas.microsoft.com/office/powerpoint/2010/main" val="3113984625"/>
+      </p:ext>
+    </p:extLst>
+  </p:cSld>
+  <p:clrMapOvr>
+    <a:masterClrMapping/>
+  </p:clrMapOvr>
+  <mc:AlternateContent xmlns:mc="http://schemas.openxmlformats.org/markup-compatibility/2006" xmlns:p159="http://schemas.microsoft.com/office/powerpoint/2015/09/main">
+    <mc:Choice Requires="p159">
+      <p:transition xmlns:p14="http://schemas.microsoft.com/office/powerpoint/2010/main" spd="slow" p14:dur="2000">
+        <p159:morph option="byObject"/>
+      </p:transition>
+    </mc:Choice>
+    <mc:Fallback xmlns="">
+      <p:transition spd="slow">
+        <p:fade/>
+      </p:transition>
+    </mc:Fallback>
+  </mc:AlternateContent>
+</p:sld>
+</file>
+
+<file path=ppt/slides/slide8.xml><?xml version="1.0" encoding="utf-8"?>
+<p:sld xmlns:a="http://schemas.openxmlformats.org/drawingml/2006/main" xmlns:r="http://schemas.openxmlformats.org/officeDocument/2006/relationships" xmlns:p="http://schemas.openxmlformats.org/presentationml/2006/main">
+  <p:cSld>
+    <p:spTree>
+      <p:nvGrpSpPr>
+        <p:cNvPr id="1" name=""/>
+        <p:cNvGrpSpPr/>
+        <p:nvPr/>
+      </p:nvGrpSpPr>
+      <p:grpSpPr>
+        <a:xfrm>
+          <a:off x="0" y="0"/>
+          <a:ext cx="0" cy="0"/>
+          <a:chOff x="0" y="0"/>
+          <a:chExt cx="0" cy="0"/>
+        </a:xfrm>
+      </p:grpSpPr>
+      <p:sp>
+        <p:nvSpPr>
+          <p:cNvPr id="2" name="標題 1"/>
+          <p:cNvSpPr>
+            <a:spLocks noGrp="1"/>
+          </p:cNvSpPr>
+          <p:nvPr>
+            <p:ph type="ctrTitle"/>
+          </p:nvPr>
+        </p:nvSpPr>
+        <p:spPr>
+          <a:xfrm>
+            <a:off x="-9463215" y="-2713467"/>
+            <a:ext cx="9144000" cy="2387600"/>
+          </a:xfrm>
+        </p:spPr>
+        <p:txBody>
+          <a:bodyPr/>
+          <a:lstStyle/>
+          <a:p>
+            <a:r>
+              <a:rPr lang="zh-TW" altLang="en-US">
+                <a:ea typeface="+mj-lt"/>
+                <a:cs typeface="+mj-lt"/>
+              </a:rPr>
+              <a:t>3.</a:t>
+            </a:r>
+            <a:r>
+              <a:rPr lang="zh-TW">
+                <a:ea typeface="+mj-lt"/>
+                <a:cs typeface="+mj-lt"/>
+              </a:rPr>
+              <a:t>努力</a:t>
+            </a:r>
+            <a:endParaRPr lang="zh-TW" altLang="en-US" dirty="0">
+              <a:ea typeface="+mj-lt"/>
+              <a:cs typeface="+mj-lt"/>
+            </a:endParaRPr>
+          </a:p>
+        </p:txBody>
+      </p:sp>
+      <p:pic>
+        <p:nvPicPr>
+          <p:cNvPr id="3" name="圖片 2" descr="一張含有 人的臉孔, 服裝, 人員, 劉海 的圖片&#10;&#10;自動產生的描述">
+            <a:extLst>
+              <a:ext uri="{FF2B5EF4-FFF2-40B4-BE49-F238E27FC236}">
+                <a16:creationId xmlns:a16="http://schemas.microsoft.com/office/drawing/2014/main" id="{9623C746-A144-ACE5-E15A-209C1AB0F555}"/>
+              </a:ext>
+            </a:extLst>
+          </p:cNvPr>
+          <p:cNvPicPr>
+            <a:picLocks noChangeAspect="1"/>
+          </p:cNvPicPr>
+          <p:nvPr/>
+        </p:nvPicPr>
+        <p:blipFill>
+          <a:blip r:embed="rId2"/>
+          <a:stretch>
+            <a:fillRect/>
+          </a:stretch>
+        </p:blipFill>
+        <p:spPr>
+          <a:xfrm>
+            <a:off x="-5483825" y="-229629"/>
+            <a:ext cx="4269259" cy="4269259"/>
+          </a:xfrm>
+          <a:prstGeom prst="rect">
+            <a:avLst/>
+          </a:prstGeom>
+        </p:spPr>
+      </p:pic>
+      <p:sp>
+        <p:nvSpPr>
+          <p:cNvPr id="4" name="標題 1">
+            <a:extLst>
+              <a:ext uri="{FF2B5EF4-FFF2-40B4-BE49-F238E27FC236}">
+                <a16:creationId xmlns:a16="http://schemas.microsoft.com/office/drawing/2014/main" id="{202D0546-3DF3-D1E3-5D12-74552D9FAC93}"/>
+              </a:ext>
+            </a:extLst>
+          </p:cNvPr>
+          <p:cNvSpPr>
+            <a:spLocks noGrp="1"/>
+          </p:cNvSpPr>
+          <p:nvPr/>
+        </p:nvSpPr>
+        <p:spPr>
+          <a:xfrm>
+            <a:off x="-2883243" y="-324493"/>
+            <a:ext cx="9144000" cy="2387600"/>
+          </a:xfrm>
+          <a:prstGeom prst="rect">
+            <a:avLst/>
+          </a:prstGeom>
+        </p:spPr>
+        <p:txBody>
+          <a:bodyPr vert="horz" lIns="91440" tIns="45720" rIns="91440" bIns="45720" rtlCol="0" anchor="b">
+            <a:normAutofit/>
+          </a:bodyPr>
+          <a:lstStyle>
+            <a:lvl1pPr algn="ctr" defTabSz="914400" rtl="0" eaLnBrk="1" latinLnBrk="0" hangingPunct="1">
+              <a:lnSpc>
+                <a:spcPct val="100000"/>
+              </a:lnSpc>
+              <a:spcBef>
+                <a:spcPct val="0"/>
+              </a:spcBef>
+              <a:buNone/>
+              <a:defRPr sz="3600" kern="1200">
+                <a:solidFill>
+                  <a:schemeClr val="tx2"/>
+                </a:solidFill>
+                <a:latin typeface="+mj-lt"/>
+                <a:ea typeface="+mj-ea"/>
+                <a:cs typeface="+mj-cs"/>
+              </a:defRPr>
+            </a:lvl1pPr>
+          </a:lstStyle>
+          <a:p>
+            <a:r>
+              <a:rPr lang="en-US" altLang="zh-TW" dirty="0">
+                <a:ea typeface="+mj-lt"/>
+                <a:cs typeface="+mj-lt"/>
+              </a:rPr>
+              <a:t>4.</a:t>
+            </a:r>
+            <a:r>
+              <a:rPr lang="en-US" dirty="0">
+                <a:ea typeface="+mj-lt"/>
+                <a:cs typeface="+mj-lt"/>
+              </a:rPr>
+              <a:t>結果</a:t>
+            </a:r>
+            <a:br>
+              <a:rPr lang="en-US" dirty="0">
+                <a:ea typeface="+mj-lt"/>
+                <a:cs typeface="+mj-lt"/>
+              </a:rPr>
+            </a:br>
+            <a:endParaRPr lang="en-US" altLang="zh-TW" dirty="0">
+              <a:ea typeface="+mj-lt"/>
+              <a:cs typeface="+mj-lt"/>
+            </a:endParaRPr>
+          </a:p>
+        </p:txBody>
+      </p:sp>
+      <p:pic>
+        <p:nvPicPr>
+          <p:cNvPr id="5" name="圖片 4" descr="一張含有 人的臉孔, 服裝, 男孩, 螢幕擷取畫面 的圖片&#10;&#10;自動產生的描述">
+            <a:extLst>
+              <a:ext uri="{FF2B5EF4-FFF2-40B4-BE49-F238E27FC236}">
+                <a16:creationId xmlns:a16="http://schemas.microsoft.com/office/drawing/2014/main" id="{71738310-A61D-2F20-1511-A9CB57E19F47}"/>
+              </a:ext>
+            </a:extLst>
+          </p:cNvPr>
+          <p:cNvPicPr>
+            <a:picLocks noChangeAspect="1"/>
+          </p:cNvPicPr>
+          <p:nvPr/>
+        </p:nvPicPr>
+        <p:blipFill>
+          <a:blip r:embed="rId3"/>
+          <a:stretch>
+            <a:fillRect/>
+          </a:stretch>
+        </p:blipFill>
+        <p:spPr>
+          <a:xfrm>
+            <a:off x="671384" y="1490019"/>
+            <a:ext cx="4351638" cy="4351638"/>
+          </a:xfrm>
+          <a:prstGeom prst="rect">
+            <a:avLst/>
+          </a:prstGeom>
+        </p:spPr>
+      </p:pic>
+    </p:spTree>
+    <p:extLst>
+      <p:ext uri="{BB962C8B-B14F-4D97-AF65-F5344CB8AC3E}">
+        <p14:creationId xmlns:p14="http://schemas.microsoft.com/office/powerpoint/2010/main" val="2908668056"/>
+      </p:ext>
+    </p:extLst>
+  </p:cSld>
+  <p:clrMapOvr>
+    <a:masterClrMapping/>
+  </p:clrMapOvr>
+  <mc:AlternateContent xmlns:mc="http://schemas.openxmlformats.org/markup-compatibility/2006" xmlns:p159="http://schemas.microsoft.com/office/powerpoint/2015/09/main">
+    <mc:Choice Requires="p159">
+      <p:transition xmlns:p14="http://schemas.microsoft.com/office/powerpoint/2010/main" spd="slow" p14:dur="2000">
+        <p159:morph option="byObject"/>
+      </p:transition>
+    </mc:Choice>
+    <mc:Fallback xmlns="">
+      <p:transition spd="slow">
+        <p:fade/>
+      </p:transition>
+    </mc:Fallback>
+  </mc:AlternateContent>
+</p:sld>
+</file>
+
+<file path=ppt/slides/slide9.xml><?xml version="1.0" encoding="utf-8"?>
+<p:sld xmlns:a="http://schemas.openxmlformats.org/drawingml/2006/main" xmlns:r="http://schemas.openxmlformats.org/officeDocument/2006/relationships" xmlns:p="http://schemas.openxmlformats.org/presentationml/2006/main">
+  <p:cSld>
+    <p:spTree>
+      <p:nvGrpSpPr>
+        <p:cNvPr id="1" name=""/>
+        <p:cNvGrpSpPr/>
+        <p:nvPr/>
+      </p:nvGrpSpPr>
+      <p:grpSpPr>
+        <a:xfrm>
+          <a:off x="0" y="0"/>
+          <a:ext cx="0" cy="0"/>
+          <a:chOff x="0" y="0"/>
+          <a:chExt cx="0" cy="0"/>
+        </a:xfrm>
+      </p:grpSpPr>
+      <p:sp>
+        <p:nvSpPr>
+          <p:cNvPr id="2" name="標題 1"/>
+          <p:cNvSpPr>
+            <a:spLocks noGrp="1"/>
+          </p:cNvSpPr>
+          <p:nvPr>
+            <p:ph type="ctrTitle"/>
+          </p:nvPr>
+        </p:nvSpPr>
+        <p:spPr>
+          <a:xfrm>
+            <a:off x="-2924432" y="-97953"/>
+            <a:ext cx="9144000" cy="2387600"/>
+          </a:xfrm>
+        </p:spPr>
+        <p:txBody>
+          <a:bodyPr/>
+          <a:lstStyle/>
+          <a:p>
+            <a:r>
+              <a:rPr lang="zh-TW" altLang="en-US">
+                <a:ea typeface="+mj-lt"/>
+                <a:cs typeface="+mj-lt"/>
+              </a:rPr>
+              <a:t>5.</a:t>
+            </a:r>
+            <a:r>
+              <a:rPr lang="zh-TW">
+                <a:ea typeface="+mj-lt"/>
+                <a:cs typeface="+mj-lt"/>
+              </a:rPr>
+              <a:t>意外</a:t>
+            </a:r>
+            <a:br>
+              <a:rPr lang="zh-TW" altLang="en-US" dirty="0">
+                <a:ea typeface="+mj-lt"/>
+                <a:cs typeface="+mj-lt"/>
+              </a:rPr>
+            </a:br>
+            <a:endParaRPr lang="zh-TW" dirty="0">
+              <a:ea typeface="+mj-lt"/>
+              <a:cs typeface="+mj-lt"/>
+            </a:endParaRPr>
+          </a:p>
+        </p:txBody>
+      </p:sp>
+      <p:pic>
+        <p:nvPicPr>
+          <p:cNvPr id="3" name="圖片 2" descr="一張含有 日本動畫, 文字, 螢幕擷取畫面, 卡通 的圖片&#10;&#10;自動產生的描述">
+            <a:extLst>
+              <a:ext uri="{FF2B5EF4-FFF2-40B4-BE49-F238E27FC236}">
+                <a16:creationId xmlns:a16="http://schemas.microsoft.com/office/drawing/2014/main" id="{7EC27E4B-6387-DA0A-DE4E-36273684E565}"/>
+              </a:ext>
+            </a:extLst>
+          </p:cNvPr>
+          <p:cNvPicPr>
+            <a:picLocks noChangeAspect="1"/>
+          </p:cNvPicPr>
+          <p:nvPr/>
+        </p:nvPicPr>
+        <p:blipFill>
+          <a:blip r:embed="rId2"/>
+          <a:stretch>
+            <a:fillRect/>
+          </a:stretch>
+        </p:blipFill>
+        <p:spPr>
+          <a:xfrm>
+            <a:off x="725445" y="1711411"/>
+            <a:ext cx="5020962" cy="5020962"/>
+          </a:xfrm>
+          <a:prstGeom prst="rect">
+            <a:avLst/>
+          </a:prstGeom>
+        </p:spPr>
+      </p:pic>
+    </p:spTree>
+    <p:extLst>
+      <p:ext uri="{BB962C8B-B14F-4D97-AF65-F5344CB8AC3E}">
+        <p14:creationId xmlns:p14="http://schemas.microsoft.com/office/powerpoint/2010/main" val="4187767067"/>
       </p:ext>
     </p:extLst>
   </p:cSld>
@@ -3385,9 +5550,9 @@
 </file>
 
 <file path=ppt/theme/theme1.xml><?xml version="1.0" encoding="utf-8"?>
-<a:theme xmlns:a="http://schemas.openxmlformats.org/drawingml/2006/main" name="Office 佈景主題">
+<a:theme xmlns:a="http://schemas.openxmlformats.org/drawingml/2006/main" name="BohoVogueVTI">
   <a:themeElements>
-    <a:clrScheme name="Office">
+    <a:clrScheme name="BohoVogueVTI">
       <a:dk1>
         <a:sysClr val="windowText" lastClr="000000"/>
       </a:dk1>
@@ -3395,143 +5560,49 @@
         <a:sysClr val="window" lastClr="FFFFFF"/>
       </a:lt1>
       <a:dk2>
-        <a:srgbClr val="44546A"/>
+        <a:srgbClr val="35403A"/>
       </a:dk2>
       <a:lt2>
-        <a:srgbClr val="E7E6E6"/>
+        <a:srgbClr val="F1EFEB"/>
       </a:lt2>
       <a:accent1>
-        <a:srgbClr val="4472C4"/>
+        <a:srgbClr val="9E8B50"/>
       </a:accent1>
       <a:accent2>
-        <a:srgbClr val="ED7D31"/>
+        <a:srgbClr val="D5966B"/>
       </a:accent2>
       <a:accent3>
-        <a:srgbClr val="A5A5A5"/>
+        <a:srgbClr val="9BA6BB"/>
       </a:accent3>
       <a:accent4>
-        <a:srgbClr val="FFC000"/>
+        <a:srgbClr val="869880"/>
       </a:accent4>
       <a:accent5>
-        <a:srgbClr val="5B9BD5"/>
+        <a:srgbClr val="588267"/>
       </a:accent5>
       <a:accent6>
-        <a:srgbClr val="70AD47"/>
+        <a:srgbClr val="B89C46"/>
       </a:accent6>
       <a:hlink>
-        <a:srgbClr val="0563C1"/>
+        <a:srgbClr val="C77138"/>
       </a:hlink>
       <a:folHlink>
-        <a:srgbClr val="954F72"/>
+        <a:srgbClr val="589374"/>
       </a:folHlink>
     </a:clrScheme>
-    <a:fontScheme name="Office">
+    <a:fontScheme name="BohoVogueVTI">
       <a:majorFont>
-        <a:latin typeface="Calibri Light" panose="020F0302020204030204"/>
+        <a:latin typeface="Walbaum Display"/>
         <a:ea typeface=""/>
         <a:cs typeface=""/>
-        <a:font script="Jpan" typeface="游ゴシック Light"/>
-        <a:font script="Hang" typeface="맑은 고딕"/>
-        <a:font script="Hans" typeface="等线 Light"/>
-        <a:font script="Hant" typeface="新細明體"/>
-        <a:font script="Arab" typeface="Times New Roman"/>
-        <a:font script="Hebr" typeface="Times New Roman"/>
-        <a:font script="Thai" typeface="Angsana New"/>
-        <a:font script="Ethi" typeface="Nyala"/>
-        <a:font script="Beng" typeface="Vrinda"/>
-        <a:font script="Gujr" typeface="Shruti"/>
-        <a:font script="Khmr" typeface="MoolBoran"/>
-        <a:font script="Knda" typeface="Tunga"/>
-        <a:font script="Guru" typeface="Raavi"/>
-        <a:font script="Cans" typeface="Euphemia"/>
-        <a:font script="Cher" typeface="Plantagenet Cherokee"/>
-        <a:font script="Yiii" typeface="Microsoft Yi Baiti"/>
-        <a:font script="Tibt" typeface="Microsoft Himalaya"/>
-        <a:font script="Thaa" typeface="MV Boli"/>
-        <a:font script="Deva" typeface="Mangal"/>
-        <a:font script="Telu" typeface="Gautami"/>
-        <a:font script="Taml" typeface="Latha"/>
-        <a:font script="Syrc" typeface="Estrangelo Edessa"/>
-        <a:font script="Orya" typeface="Kalinga"/>
-        <a:font script="Mlym" typeface="Kartika"/>
-        <a:font script="Laoo" typeface="DokChampa"/>
-        <a:font script="Sinh" typeface="Iskoola Pota"/>
-        <a:font script="Mong" typeface="Mongolian Baiti"/>
-        <a:font script="Viet" typeface="Times New Roman"/>
-        <a:font script="Uigh" typeface="Microsoft Uighur"/>
-        <a:font script="Geor" typeface="Sylfaen"/>
-        <a:font script="Armn" typeface="Arial"/>
-        <a:font script="Bugi" typeface="Leelawadee UI"/>
-        <a:font script="Bopo" typeface="Microsoft JhengHei"/>
-        <a:font script="Java" typeface="Javanese Text"/>
-        <a:font script="Lisu" typeface="Segoe UI"/>
-        <a:font script="Mymr" typeface="Myanmar Text"/>
-        <a:font script="Nkoo" typeface="Ebrima"/>
-        <a:font script="Olck" typeface="Nirmala UI"/>
-        <a:font script="Osma" typeface="Ebrima"/>
-        <a:font script="Phag" typeface="Phagspa"/>
-        <a:font script="Syrn" typeface="Estrangelo Edessa"/>
-        <a:font script="Syrj" typeface="Estrangelo Edessa"/>
-        <a:font script="Syre" typeface="Estrangelo Edessa"/>
-        <a:font script="Sora" typeface="Nirmala UI"/>
-        <a:font script="Tale" typeface="Microsoft Tai Le"/>
-        <a:font script="Talu" typeface="Microsoft New Tai Lue"/>
-        <a:font script="Tfng" typeface="Ebrima"/>
       </a:majorFont>
       <a:minorFont>
-        <a:latin typeface="Calibri" panose="020F0502020204030204"/>
+        <a:latin typeface="Aptos Light"/>
         <a:ea typeface=""/>
         <a:cs typeface=""/>
-        <a:font script="Jpan" typeface="游ゴシック"/>
-        <a:font script="Hang" typeface="맑은 고딕"/>
-        <a:font script="Hans" typeface="等线"/>
-        <a:font script="Hant" typeface="新細明體"/>
-        <a:font script="Arab" typeface="Arial"/>
-        <a:font script="Hebr" typeface="Arial"/>
-        <a:font script="Thai" typeface="Cordia New"/>
-        <a:font script="Ethi" typeface="Nyala"/>
-        <a:font script="Beng" typeface="Vrinda"/>
-        <a:font script="Gujr" typeface="Shruti"/>
-        <a:font script="Khmr" typeface="DaunPenh"/>
-        <a:font script="Knda" typeface="Tunga"/>
-        <a:font script="Guru" typeface="Raavi"/>
-        <a:font script="Cans" typeface="Euphemia"/>
-        <a:font script="Cher" typeface="Plantagenet Cherokee"/>
-        <a:font script="Yiii" typeface="Microsoft Yi Baiti"/>
-        <a:font script="Tibt" typeface="Microsoft Himalaya"/>
-        <a:font script="Thaa" typeface="MV Boli"/>
-        <a:font script="Deva" typeface="Mangal"/>
-        <a:font script="Telu" typeface="Gautami"/>
-        <a:font script="Taml" typeface="Latha"/>
-        <a:font script="Syrc" typeface="Estrangelo Edessa"/>
-        <a:font script="Orya" typeface="Kalinga"/>
-        <a:font script="Mlym" typeface="Kartika"/>
-        <a:font script="Laoo" typeface="DokChampa"/>
-        <a:font script="Sinh" typeface="Iskoola Pota"/>
-        <a:font script="Mong" typeface="Mongolian Baiti"/>
-        <a:font script="Viet" typeface="Arial"/>
-        <a:font script="Uigh" typeface="Microsoft Uighur"/>
-        <a:font script="Geor" typeface="Sylfaen"/>
-        <a:font script="Armn" typeface="Arial"/>
-        <a:font script="Bugi" typeface="Leelawadee UI"/>
-        <a:font script="Bopo" typeface="Microsoft JhengHei"/>
-        <a:font script="Java" typeface="Javanese Text"/>
-        <a:font script="Lisu" typeface="Segoe UI"/>
-        <a:font script="Mymr" typeface="Myanmar Text"/>
-        <a:font script="Nkoo" typeface="Ebrima"/>
-        <a:font script="Olck" typeface="Nirmala UI"/>
-        <a:font script="Osma" typeface="Ebrima"/>
-        <a:font script="Phag" typeface="Phagspa"/>
-        <a:font script="Syrn" typeface="Estrangelo Edessa"/>
-        <a:font script="Syrj" typeface="Estrangelo Edessa"/>
-        <a:font script="Syre" typeface="Estrangelo Edessa"/>
-        <a:font script="Sora" typeface="Nirmala UI"/>
-        <a:font script="Tale" typeface="Microsoft Tai Le"/>
-        <a:font script="Talu" typeface="Microsoft New Tai Lue"/>
-        <a:font script="Tfng" typeface="Ebrima"/>
       </a:minorFont>
     </a:fontScheme>
-    <a:fmtScheme name="Office">
+    <a:fmtScheme name="BohoVogueVTI">
       <a:fillStyleLst>
         <a:solidFill>
           <a:schemeClr val="phClr"/>
@@ -3590,13 +5661,6 @@
         </a:gradFill>
       </a:fillStyleLst>
       <a:lnStyleLst>
-        <a:ln w="6350" cap="flat" cmpd="sng" algn="ctr">
-          <a:solidFill>
-            <a:schemeClr val="phClr"/>
-          </a:solidFill>
-          <a:prstDash val="solid"/>
-          <a:miter lim="800000"/>
-        </a:ln>
         <a:ln w="12700" cap="flat" cmpd="sng" algn="ctr">
           <a:solidFill>
             <a:schemeClr val="phClr"/>
@@ -3605,6 +5669,13 @@
           <a:miter lim="800000"/>
         </a:ln>
         <a:ln w="19050" cap="flat" cmpd="sng" algn="ctr">
+          <a:solidFill>
+            <a:schemeClr val="phClr"/>
+          </a:solidFill>
+          <a:prstDash val="solid"/>
+          <a:miter lim="800000"/>
+        </a:ln>
+        <a:ln w="25400" cap="flat" cmpd="sng" algn="ctr">
           <a:solidFill>
             <a:schemeClr val="phClr"/>
           </a:solidFill>
@@ -3669,11 +5740,31 @@
       </a:bgFillStyleLst>
     </a:fmtScheme>
   </a:themeElements>
-  <a:objectDefaults/>
+  <a:objectDefaults>
+    <a:lnDef>
+      <a:spPr/>
+      <a:bodyPr/>
+      <a:lstStyle/>
+      <a:style>
+        <a:lnRef idx="2">
+          <a:schemeClr val="accent1"/>
+        </a:lnRef>
+        <a:fillRef idx="0">
+          <a:schemeClr val="accent1"/>
+        </a:fillRef>
+        <a:effectRef idx="1">
+          <a:schemeClr val="accent1"/>
+        </a:effectRef>
+        <a:fontRef idx="minor">
+          <a:schemeClr val="tx1"/>
+        </a:fontRef>
+      </a:style>
+    </a:lnDef>
+  </a:objectDefaults>
   <a:extraClrSchemeLst/>
   <a:extLst>
     <a:ext uri="{05A4C25C-085E-4340-85A3-A5531E510DB2}">
-      <thm15:themeFamily xmlns:thm15="http://schemas.microsoft.com/office/thememl/2012/main" name="Office Theme" id="{62F939B6-93AF-4DB8-9C6B-D6C7DFDC589F}" vid="{4A3C46E8-61CC-4603-A589-7422A47A8E4A}"/>
+      <thm15:themeFamily xmlns:thm15="http://schemas.microsoft.com/office/thememl/2012/main" name="BohoVogueVTI" id="{587E0025-A466-4551-A341-1A9F570FDF06}" vid="{F615CBBD-D1BB-4663-887F-92A47C7C6ABA}"/>
     </a:ext>
   </a:extLst>
 </a:theme>
